--- a/syscall.pptx
+++ b/syscall.pptx
@@ -12,14 +12,13 @@
     <p:sldId id="261" r:id="rId6"/>
     <p:sldId id="262" r:id="rId7"/>
     <p:sldId id="263" r:id="rId8"/>
-    <p:sldId id="265" r:id="rId9"/>
-    <p:sldId id="266" r:id="rId10"/>
-    <p:sldId id="267" r:id="rId11"/>
-    <p:sldId id="268" r:id="rId12"/>
-    <p:sldId id="269" r:id="rId13"/>
-    <p:sldId id="264" r:id="rId14"/>
-    <p:sldId id="270" r:id="rId15"/>
-    <p:sldId id="271" r:id="rId16"/>
+    <p:sldId id="266" r:id="rId9"/>
+    <p:sldId id="267" r:id="rId10"/>
+    <p:sldId id="268" r:id="rId11"/>
+    <p:sldId id="269" r:id="rId12"/>
+    <p:sldId id="264" r:id="rId13"/>
+    <p:sldId id="270" r:id="rId14"/>
+    <p:sldId id="271" r:id="rId15"/>
   </p:sldIdLst>
   <p:sldSz cx="12192000" cy="6858000"/>
   <p:notesSz cx="6858000" cy="9144000"/>
@@ -277,7 +276,7 @@
           <a:p>
             <a:fld id="{0A5ADF93-5C79-47A9-813F-31B3BD393BDC}" type="datetimeFigureOut">
               <a:rPr lang="ko-KR" altLang="en-US" smtClean="0"/>
-              <a:t>2018-03-15</a:t>
+              <a:t>2018-03-16</a:t>
             </a:fld>
             <a:endParaRPr lang="ko-KR" altLang="en-US"/>
           </a:p>
@@ -475,7 +474,7 @@
           <a:p>
             <a:fld id="{0A5ADF93-5C79-47A9-813F-31B3BD393BDC}" type="datetimeFigureOut">
               <a:rPr lang="ko-KR" altLang="en-US" smtClean="0"/>
-              <a:t>2018-03-15</a:t>
+              <a:t>2018-03-16</a:t>
             </a:fld>
             <a:endParaRPr lang="ko-KR" altLang="en-US"/>
           </a:p>
@@ -683,7 +682,7 @@
           <a:p>
             <a:fld id="{0A5ADF93-5C79-47A9-813F-31B3BD393BDC}" type="datetimeFigureOut">
               <a:rPr lang="ko-KR" altLang="en-US" smtClean="0"/>
-              <a:t>2018-03-15</a:t>
+              <a:t>2018-03-16</a:t>
             </a:fld>
             <a:endParaRPr lang="ko-KR" altLang="en-US"/>
           </a:p>
@@ -881,7 +880,7 @@
           <a:p>
             <a:fld id="{0A5ADF93-5C79-47A9-813F-31B3BD393BDC}" type="datetimeFigureOut">
               <a:rPr lang="ko-KR" altLang="en-US" smtClean="0"/>
-              <a:t>2018-03-15</a:t>
+              <a:t>2018-03-16</a:t>
             </a:fld>
             <a:endParaRPr lang="ko-KR" altLang="en-US"/>
           </a:p>
@@ -1156,7 +1155,7 @@
           <a:p>
             <a:fld id="{0A5ADF93-5C79-47A9-813F-31B3BD393BDC}" type="datetimeFigureOut">
               <a:rPr lang="ko-KR" altLang="en-US" smtClean="0"/>
-              <a:t>2018-03-15</a:t>
+              <a:t>2018-03-16</a:t>
             </a:fld>
             <a:endParaRPr lang="ko-KR" altLang="en-US"/>
           </a:p>
@@ -1421,7 +1420,7 @@
           <a:p>
             <a:fld id="{0A5ADF93-5C79-47A9-813F-31B3BD393BDC}" type="datetimeFigureOut">
               <a:rPr lang="ko-KR" altLang="en-US" smtClean="0"/>
-              <a:t>2018-03-15</a:t>
+              <a:t>2018-03-16</a:t>
             </a:fld>
             <a:endParaRPr lang="ko-KR" altLang="en-US"/>
           </a:p>
@@ -1833,7 +1832,7 @@
           <a:p>
             <a:fld id="{0A5ADF93-5C79-47A9-813F-31B3BD393BDC}" type="datetimeFigureOut">
               <a:rPr lang="ko-KR" altLang="en-US" smtClean="0"/>
-              <a:t>2018-03-15</a:t>
+              <a:t>2018-03-16</a:t>
             </a:fld>
             <a:endParaRPr lang="ko-KR" altLang="en-US"/>
           </a:p>
@@ -1974,7 +1973,7 @@
           <a:p>
             <a:fld id="{0A5ADF93-5C79-47A9-813F-31B3BD393BDC}" type="datetimeFigureOut">
               <a:rPr lang="ko-KR" altLang="en-US" smtClean="0"/>
-              <a:t>2018-03-15</a:t>
+              <a:t>2018-03-16</a:t>
             </a:fld>
             <a:endParaRPr lang="ko-KR" altLang="en-US"/>
           </a:p>
@@ -2087,7 +2086,7 @@
           <a:p>
             <a:fld id="{0A5ADF93-5C79-47A9-813F-31B3BD393BDC}" type="datetimeFigureOut">
               <a:rPr lang="ko-KR" altLang="en-US" smtClean="0"/>
-              <a:t>2018-03-15</a:t>
+              <a:t>2018-03-16</a:t>
             </a:fld>
             <a:endParaRPr lang="ko-KR" altLang="en-US"/>
           </a:p>
@@ -2398,7 +2397,7 @@
           <a:p>
             <a:fld id="{0A5ADF93-5C79-47A9-813F-31B3BD393BDC}" type="datetimeFigureOut">
               <a:rPr lang="ko-KR" altLang="en-US" smtClean="0"/>
-              <a:t>2018-03-15</a:t>
+              <a:t>2018-03-16</a:t>
             </a:fld>
             <a:endParaRPr lang="ko-KR" altLang="en-US"/>
           </a:p>
@@ -2686,7 +2685,7 @@
           <a:p>
             <a:fld id="{0A5ADF93-5C79-47A9-813F-31B3BD393BDC}" type="datetimeFigureOut">
               <a:rPr lang="ko-KR" altLang="en-US" smtClean="0"/>
-              <a:t>2018-03-15</a:t>
+              <a:t>2018-03-16</a:t>
             </a:fld>
             <a:endParaRPr lang="ko-KR" altLang="en-US"/>
           </a:p>
@@ -2927,7 +2926,7 @@
           <a:p>
             <a:fld id="{0A5ADF93-5C79-47A9-813F-31B3BD393BDC}" type="datetimeFigureOut">
               <a:rPr lang="ko-KR" altLang="en-US" smtClean="0"/>
-              <a:t>2018-03-15</a:t>
+              <a:t>2018-03-16</a:t>
             </a:fld>
             <a:endParaRPr lang="ko-KR" altLang="en-US"/>
           </a:p>
@@ -5158,8 +5157,8 @@
         </p:nvSpPr>
         <p:spPr>
           <a:xfrm>
-            <a:off x="404037" y="382772"/>
-            <a:ext cx="10877107" cy="369332"/>
+            <a:off x="361507" y="383681"/>
+            <a:ext cx="10877107" cy="923330"/>
           </a:xfrm>
           <a:prstGeom prst="rect">
             <a:avLst/>
@@ -5174,20 +5173,92 @@
           <a:p>
             <a:r>
               <a:rPr lang="en-US" altLang="ko-KR" dirty="0"/>
-              <a:t># ln </a:t>
+              <a:t>// mv</a:t>
+            </a:r>
+            <a:r>
+              <a:rPr lang="ko-KR" altLang="en-US" dirty="0"/>
+              <a:t>의 구현이 아래와 같다면 무겁다</a:t>
+            </a:r>
+            <a:r>
+              <a:rPr lang="en-US" altLang="ko-KR" dirty="0"/>
+              <a:t>.</a:t>
+            </a:r>
+          </a:p>
+          <a:p>
+            <a:r>
+              <a:rPr lang="en-US" altLang="ko-KR" dirty="0"/>
+              <a:t># </a:t>
+            </a:r>
+            <a:r>
+              <a:rPr lang="en-US" altLang="ko-KR" dirty="0" err="1"/>
+              <a:t>cp</a:t>
+            </a:r>
+            <a:r>
+              <a:rPr lang="ko-KR" altLang="en-US" dirty="0"/>
+              <a:t> </a:t>
             </a:r>
             <a:r>
               <a:rPr lang="en-US" altLang="ko-KR" dirty="0" err="1"/>
               <a:t>aaa</a:t>
             </a:r>
             <a:r>
-              <a:rPr lang="en-US" altLang="ko-KR" dirty="0"/>
+              <a:rPr lang="ko-KR" altLang="en-US" dirty="0"/>
               <a:t> </a:t>
             </a:r>
             <a:r>
               <a:rPr lang="en-US" altLang="ko-KR" dirty="0" err="1"/>
               <a:t>bbb</a:t>
             </a:r>
+            <a:r>
+              <a:rPr lang="ko-KR" altLang="en-US" dirty="0"/>
+              <a:t>   </a:t>
+            </a:r>
+            <a:r>
+              <a:rPr lang="en-US" altLang="ko-KR" dirty="0"/>
+              <a:t>// </a:t>
+            </a:r>
+            <a:r>
+              <a:rPr lang="ko-KR" altLang="en-US" dirty="0"/>
+              <a:t>복제 및 삭제 시 파일이 큰 경우 오버헤드가 있다</a:t>
+            </a:r>
+            <a:r>
+              <a:rPr lang="en-US" altLang="ko-KR" dirty="0"/>
+              <a:t>.</a:t>
+            </a:r>
+          </a:p>
+          <a:p>
+            <a:r>
+              <a:rPr lang="en-US" altLang="ko-KR" dirty="0"/>
+              <a:t># </a:t>
+            </a:r>
+            <a:r>
+              <a:rPr lang="en-US" altLang="ko-KR" dirty="0" err="1"/>
+              <a:t>rm</a:t>
+            </a:r>
+            <a:r>
+              <a:rPr lang="ko-KR" altLang="en-US" dirty="0"/>
+              <a:t> </a:t>
+            </a:r>
+            <a:r>
+              <a:rPr lang="en-US" altLang="ko-KR" dirty="0" err="1"/>
+              <a:t>aaa</a:t>
+            </a:r>
+            <a:r>
+              <a:rPr lang="ko-KR" altLang="en-US" dirty="0"/>
+              <a:t>       </a:t>
+            </a:r>
+            <a:r>
+              <a:rPr lang="en-US" altLang="ko-KR" dirty="0"/>
+              <a:t>//</a:t>
+            </a:r>
+            <a:r>
+              <a:rPr lang="ko-KR" altLang="en-US" dirty="0"/>
+              <a:t> </a:t>
+            </a:r>
+            <a:r>
+              <a:rPr lang="en-US" altLang="ko-KR" dirty="0"/>
+              <a:t>unlink();</a:t>
+            </a:r>
             <a:endParaRPr lang="ko-KR" altLang="en-US" dirty="0"/>
           </a:p>
         </p:txBody>
@@ -5206,7 +5277,7 @@
         </p:nvSpPr>
         <p:spPr>
           <a:xfrm>
-            <a:off x="6379537" y="1626785"/>
+            <a:off x="7123815" y="1722476"/>
             <a:ext cx="1616148" cy="382773"/>
           </a:xfrm>
           <a:prstGeom prst="rect">
@@ -5256,7 +5327,7 @@
         </p:nvSpPr>
         <p:spPr>
           <a:xfrm>
-            <a:off x="6379537" y="2009558"/>
+            <a:off x="7123815" y="2105249"/>
             <a:ext cx="1616148" cy="382773"/>
           </a:xfrm>
           <a:prstGeom prst="rect">
@@ -5314,7 +5385,7 @@
         </p:nvSpPr>
         <p:spPr>
           <a:xfrm>
-            <a:off x="6379537" y="2392331"/>
+            <a:off x="7123815" y="2488022"/>
             <a:ext cx="1616148" cy="382773"/>
           </a:xfrm>
           <a:prstGeom prst="rect">
@@ -5344,7 +5415,7 @@
             <a:pPr algn="ctr"/>
             <a:r>
               <a:rPr lang="en-US" altLang="ko-KR" dirty="0"/>
-              <a:t>2</a:t>
+              <a:t>0</a:t>
             </a:r>
             <a:endParaRPr lang="ko-KR" altLang="en-US" dirty="0"/>
           </a:p>
@@ -5364,7 +5435,7 @@
         </p:nvSpPr>
         <p:spPr>
           <a:xfrm>
-            <a:off x="6379537" y="2775104"/>
+            <a:off x="7123815" y="2870795"/>
             <a:ext cx="1616148" cy="382773"/>
           </a:xfrm>
           <a:prstGeom prst="rect">
@@ -5414,7 +5485,7 @@
         </p:nvSpPr>
         <p:spPr>
           <a:xfrm>
-            <a:off x="6379537" y="3157877"/>
+            <a:off x="7123815" y="3253568"/>
             <a:ext cx="1616148" cy="382773"/>
           </a:xfrm>
           <a:prstGeom prst="rect">
@@ -5464,7 +5535,7 @@
         </p:nvSpPr>
         <p:spPr>
           <a:xfrm>
-            <a:off x="6379537" y="3540650"/>
+            <a:off x="7123815" y="3636341"/>
             <a:ext cx="1616148" cy="382773"/>
           </a:xfrm>
           <a:prstGeom prst="rect">
@@ -5514,7 +5585,7 @@
         </p:nvSpPr>
         <p:spPr>
           <a:xfrm>
-            <a:off x="6379537" y="3923423"/>
+            <a:off x="7123815" y="4019114"/>
             <a:ext cx="1616148" cy="382773"/>
           </a:xfrm>
           <a:prstGeom prst="rect">
@@ -5572,7 +5643,7 @@
         </p:nvSpPr>
         <p:spPr>
           <a:xfrm>
-            <a:off x="6379537" y="4306196"/>
+            <a:off x="7123815" y="4401887"/>
             <a:ext cx="1616148" cy="382773"/>
           </a:xfrm>
           <a:prstGeom prst="rect">
@@ -5618,7 +5689,7 @@
         </p:nvSpPr>
         <p:spPr>
           <a:xfrm>
-            <a:off x="9388551" y="3349263"/>
+            <a:off x="10132829" y="3444954"/>
             <a:ext cx="1616148" cy="382773"/>
           </a:xfrm>
           <a:prstGeom prst="rect">
@@ -5648,7 +5719,7 @@
             <a:pPr algn="ctr"/>
             <a:r>
               <a:rPr lang="en-US" altLang="ko-KR" sz="1600" dirty="0"/>
-              <a:t>world</a:t>
+              <a:t>hello</a:t>
             </a:r>
             <a:endParaRPr lang="ko-KR" altLang="en-US" sz="1600" dirty="0"/>
           </a:p>
@@ -5668,7 +5739,7 @@
         </p:nvSpPr>
         <p:spPr>
           <a:xfrm>
-            <a:off x="3923416" y="1922395"/>
+            <a:off x="4667694" y="2018086"/>
             <a:ext cx="1616148" cy="382773"/>
           </a:xfrm>
           <a:prstGeom prst="rect">
@@ -5721,7 +5792,7 @@
         </p:nvCxnSpPr>
         <p:spPr>
           <a:xfrm flipV="1">
-            <a:off x="5539564" y="1818172"/>
+            <a:off x="6283842" y="1913863"/>
             <a:ext cx="839973" cy="295610"/>
           </a:xfrm>
           <a:prstGeom prst="straightConnector1">
@@ -5760,7 +5831,7 @@
         </p:nvSpPr>
         <p:spPr>
           <a:xfrm>
-            <a:off x="3923416" y="1583550"/>
+            <a:off x="4667694" y="1679241"/>
             <a:ext cx="1414129" cy="369332"/>
           </a:xfrm>
           <a:prstGeom prst="rect">
@@ -5797,7 +5868,7 @@
         </p:nvSpPr>
         <p:spPr>
           <a:xfrm>
-            <a:off x="6443335" y="1253240"/>
+            <a:off x="7187613" y="1348931"/>
             <a:ext cx="1414129" cy="369332"/>
           </a:xfrm>
           <a:prstGeom prst="rect">
@@ -5837,7 +5908,7 @@
         </p:nvCxnSpPr>
         <p:spPr>
           <a:xfrm flipV="1">
-            <a:off x="7995685" y="3540650"/>
+            <a:off x="8739963" y="3636341"/>
             <a:ext cx="1392866" cy="956933"/>
           </a:xfrm>
           <a:prstGeom prst="straightConnector1">
@@ -5864,10 +5935,10 @@
       </p:cxnSp>
       <p:sp>
         <p:nvSpPr>
-          <p:cNvPr id="33" name="직사각형 32">
-            <a:extLst>
-              <a:ext uri="{FF2B5EF4-FFF2-40B4-BE49-F238E27FC236}">
-                <a16:creationId xmlns:a16="http://schemas.microsoft.com/office/drawing/2014/main" id="{1AED0CDD-5B87-4F77-BBD5-F1CB486407F9}"/>
+          <p:cNvPr id="24" name="직사각형 23">
+            <a:extLst>
+              <a:ext uri="{FF2B5EF4-FFF2-40B4-BE49-F238E27FC236}">
+                <a16:creationId xmlns:a16="http://schemas.microsoft.com/office/drawing/2014/main" id="{0F539310-6715-4644-9A73-831F02FBB6F1}"/>
               </a:ext>
             </a:extLst>
           </p:cNvPr>
@@ -5876,7 +5947,7 @@
         </p:nvSpPr>
         <p:spPr>
           <a:xfrm>
-            <a:off x="3923416" y="3016160"/>
+            <a:off x="4873257" y="3714309"/>
             <a:ext cx="1616148" cy="382773"/>
           </a:xfrm>
           <a:prstGeom prst="rect">
@@ -5905,6 +5976,468 @@
           <a:p>
             <a:pPr algn="ctr"/>
             <a:r>
+              <a:rPr lang="en-US" altLang="ko-KR" dirty="0"/>
+              <a:t>413128 </a:t>
+            </a:r>
+            <a:endParaRPr lang="ko-KR" altLang="en-US" dirty="0"/>
+          </a:p>
+        </p:txBody>
+      </p:sp>
+      <p:sp>
+        <p:nvSpPr>
+          <p:cNvPr id="25" name="직사각형 24">
+            <a:extLst>
+              <a:ext uri="{FF2B5EF4-FFF2-40B4-BE49-F238E27FC236}">
+                <a16:creationId xmlns:a16="http://schemas.microsoft.com/office/drawing/2014/main" id="{F58133E0-B20D-418D-88FB-BA4C39BC7F3E}"/>
+              </a:ext>
+            </a:extLst>
+          </p:cNvPr>
+          <p:cNvSpPr/>
+          <p:nvPr/>
+        </p:nvSpPr>
+        <p:spPr>
+          <a:xfrm>
+            <a:off x="4873257" y="4097082"/>
+            <a:ext cx="1616148" cy="382773"/>
+          </a:xfrm>
+          <a:prstGeom prst="rect">
+            <a:avLst/>
+          </a:prstGeom>
+        </p:spPr>
+        <p:style>
+          <a:lnRef idx="2">
+            <a:schemeClr val="accent1">
+              <a:shade val="50000"/>
+            </a:schemeClr>
+          </a:lnRef>
+          <a:fillRef idx="1">
+            <a:schemeClr val="accent1"/>
+          </a:fillRef>
+          <a:effectRef idx="0">
+            <a:schemeClr val="accent1"/>
+          </a:effectRef>
+          <a:fontRef idx="minor">
+            <a:schemeClr val="lt1"/>
+          </a:fontRef>
+        </p:style>
+        <p:txBody>
+          <a:bodyPr rtlCol="0" anchor="ctr"/>
+          <a:lstStyle/>
+          <a:p>
+            <a:pPr algn="ctr"/>
+            <a:r>
+              <a:rPr lang="en-US" altLang="ko-KR" dirty="0"/>
+              <a:t>-</a:t>
+            </a:r>
+            <a:r>
+              <a:rPr lang="en-US" altLang="ko-KR" dirty="0" err="1"/>
+              <a:t>rw</a:t>
+            </a:r>
+            <a:r>
+              <a:rPr lang="en-US" altLang="ko-KR" dirty="0"/>
+              <a:t>-r--r--</a:t>
+            </a:r>
+            <a:endParaRPr lang="ko-KR" altLang="en-US" dirty="0"/>
+          </a:p>
+        </p:txBody>
+      </p:sp>
+      <p:sp>
+        <p:nvSpPr>
+          <p:cNvPr id="26" name="직사각형 25">
+            <a:extLst>
+              <a:ext uri="{FF2B5EF4-FFF2-40B4-BE49-F238E27FC236}">
+                <a16:creationId xmlns:a16="http://schemas.microsoft.com/office/drawing/2014/main" id="{AEBFEE09-9D61-40A8-9442-59FE3B39877D}"/>
+              </a:ext>
+            </a:extLst>
+          </p:cNvPr>
+          <p:cNvSpPr/>
+          <p:nvPr/>
+        </p:nvSpPr>
+        <p:spPr>
+          <a:xfrm>
+            <a:off x="4873257" y="4479855"/>
+            <a:ext cx="1616148" cy="382773"/>
+          </a:xfrm>
+          <a:prstGeom prst="rect">
+            <a:avLst/>
+          </a:prstGeom>
+        </p:spPr>
+        <p:style>
+          <a:lnRef idx="2">
+            <a:schemeClr val="accent1">
+              <a:shade val="50000"/>
+            </a:schemeClr>
+          </a:lnRef>
+          <a:fillRef idx="1">
+            <a:schemeClr val="accent1"/>
+          </a:fillRef>
+          <a:effectRef idx="0">
+            <a:schemeClr val="accent1"/>
+          </a:effectRef>
+          <a:fontRef idx="minor">
+            <a:schemeClr val="lt1"/>
+          </a:fontRef>
+        </p:style>
+        <p:txBody>
+          <a:bodyPr rtlCol="0" anchor="ctr"/>
+          <a:lstStyle/>
+          <a:p>
+            <a:pPr algn="ctr"/>
+            <a:r>
+              <a:rPr lang="en-US" altLang="ko-KR" dirty="0"/>
+              <a:t>1</a:t>
+            </a:r>
+            <a:endParaRPr lang="ko-KR" altLang="en-US" dirty="0"/>
+          </a:p>
+        </p:txBody>
+      </p:sp>
+      <p:sp>
+        <p:nvSpPr>
+          <p:cNvPr id="27" name="직사각형 26">
+            <a:extLst>
+              <a:ext uri="{FF2B5EF4-FFF2-40B4-BE49-F238E27FC236}">
+                <a16:creationId xmlns:a16="http://schemas.microsoft.com/office/drawing/2014/main" id="{7F18A295-3E3D-475D-A15D-47ADC8B10236}"/>
+              </a:ext>
+            </a:extLst>
+          </p:cNvPr>
+          <p:cNvSpPr/>
+          <p:nvPr/>
+        </p:nvSpPr>
+        <p:spPr>
+          <a:xfrm>
+            <a:off x="4873257" y="4862628"/>
+            <a:ext cx="1616148" cy="382773"/>
+          </a:xfrm>
+          <a:prstGeom prst="rect">
+            <a:avLst/>
+          </a:prstGeom>
+        </p:spPr>
+        <p:style>
+          <a:lnRef idx="2">
+            <a:schemeClr val="accent1">
+              <a:shade val="50000"/>
+            </a:schemeClr>
+          </a:lnRef>
+          <a:fillRef idx="1">
+            <a:schemeClr val="accent1"/>
+          </a:fillRef>
+          <a:effectRef idx="0">
+            <a:schemeClr val="accent1"/>
+          </a:effectRef>
+          <a:fontRef idx="minor">
+            <a:schemeClr val="lt1"/>
+          </a:fontRef>
+        </p:style>
+        <p:txBody>
+          <a:bodyPr rtlCol="0" anchor="ctr"/>
+          <a:lstStyle/>
+          <a:p>
+            <a:pPr algn="ctr"/>
+            <a:r>
+              <a:rPr lang="en-US" altLang="ko-KR" dirty="0"/>
+              <a:t>root</a:t>
+            </a:r>
+            <a:endParaRPr lang="ko-KR" altLang="en-US" dirty="0"/>
+          </a:p>
+        </p:txBody>
+      </p:sp>
+      <p:sp>
+        <p:nvSpPr>
+          <p:cNvPr id="28" name="직사각형 27">
+            <a:extLst>
+              <a:ext uri="{FF2B5EF4-FFF2-40B4-BE49-F238E27FC236}">
+                <a16:creationId xmlns:a16="http://schemas.microsoft.com/office/drawing/2014/main" id="{31A879BB-C551-42EA-B98E-2200DF1916E8}"/>
+              </a:ext>
+            </a:extLst>
+          </p:cNvPr>
+          <p:cNvSpPr/>
+          <p:nvPr/>
+        </p:nvSpPr>
+        <p:spPr>
+          <a:xfrm>
+            <a:off x="4873257" y="5245401"/>
+            <a:ext cx="1616148" cy="382773"/>
+          </a:xfrm>
+          <a:prstGeom prst="rect">
+            <a:avLst/>
+          </a:prstGeom>
+        </p:spPr>
+        <p:style>
+          <a:lnRef idx="2">
+            <a:schemeClr val="accent1">
+              <a:shade val="50000"/>
+            </a:schemeClr>
+          </a:lnRef>
+          <a:fillRef idx="1">
+            <a:schemeClr val="accent1"/>
+          </a:fillRef>
+          <a:effectRef idx="0">
+            <a:schemeClr val="accent1"/>
+          </a:effectRef>
+          <a:fontRef idx="minor">
+            <a:schemeClr val="lt1"/>
+          </a:fontRef>
+        </p:style>
+        <p:txBody>
+          <a:bodyPr rtlCol="0" anchor="ctr"/>
+          <a:lstStyle/>
+          <a:p>
+            <a:pPr algn="ctr"/>
+            <a:r>
+              <a:rPr lang="en-US" altLang="ko-KR" dirty="0"/>
+              <a:t>root</a:t>
+            </a:r>
+            <a:endParaRPr lang="ko-KR" altLang="en-US" dirty="0"/>
+          </a:p>
+        </p:txBody>
+      </p:sp>
+      <p:sp>
+        <p:nvSpPr>
+          <p:cNvPr id="29" name="직사각형 28">
+            <a:extLst>
+              <a:ext uri="{FF2B5EF4-FFF2-40B4-BE49-F238E27FC236}">
+                <a16:creationId xmlns:a16="http://schemas.microsoft.com/office/drawing/2014/main" id="{1E0FAEB9-247F-4807-BC22-BD6900DA8F70}"/>
+              </a:ext>
+            </a:extLst>
+          </p:cNvPr>
+          <p:cNvSpPr/>
+          <p:nvPr/>
+        </p:nvSpPr>
+        <p:spPr>
+          <a:xfrm>
+            <a:off x="4873257" y="5628174"/>
+            <a:ext cx="1616148" cy="382773"/>
+          </a:xfrm>
+          <a:prstGeom prst="rect">
+            <a:avLst/>
+          </a:prstGeom>
+        </p:spPr>
+        <p:style>
+          <a:lnRef idx="2">
+            <a:schemeClr val="accent1">
+              <a:shade val="50000"/>
+            </a:schemeClr>
+          </a:lnRef>
+          <a:fillRef idx="1">
+            <a:schemeClr val="accent1"/>
+          </a:fillRef>
+          <a:effectRef idx="0">
+            <a:schemeClr val="accent1"/>
+          </a:effectRef>
+          <a:fontRef idx="minor">
+            <a:schemeClr val="lt1"/>
+          </a:fontRef>
+        </p:style>
+        <p:txBody>
+          <a:bodyPr rtlCol="0" anchor="ctr"/>
+          <a:lstStyle/>
+          <a:p>
+            <a:pPr algn="ctr"/>
+            <a:r>
+              <a:rPr lang="en-US" altLang="ko-KR" dirty="0"/>
+              <a:t>6</a:t>
+            </a:r>
+            <a:endParaRPr lang="ko-KR" altLang="en-US" dirty="0"/>
+          </a:p>
+        </p:txBody>
+      </p:sp>
+      <p:sp>
+        <p:nvSpPr>
+          <p:cNvPr id="30" name="직사각형 29">
+            <a:extLst>
+              <a:ext uri="{FF2B5EF4-FFF2-40B4-BE49-F238E27FC236}">
+                <a16:creationId xmlns:a16="http://schemas.microsoft.com/office/drawing/2014/main" id="{EFBEFC9D-2A66-4710-8099-BF59579B1424}"/>
+              </a:ext>
+            </a:extLst>
+          </p:cNvPr>
+          <p:cNvSpPr/>
+          <p:nvPr/>
+        </p:nvSpPr>
+        <p:spPr>
+          <a:xfrm>
+            <a:off x="4873257" y="6010947"/>
+            <a:ext cx="1616148" cy="382773"/>
+          </a:xfrm>
+          <a:prstGeom prst="rect">
+            <a:avLst/>
+          </a:prstGeom>
+        </p:spPr>
+        <p:style>
+          <a:lnRef idx="2">
+            <a:schemeClr val="accent1">
+              <a:shade val="50000"/>
+            </a:schemeClr>
+          </a:lnRef>
+          <a:fillRef idx="1">
+            <a:schemeClr val="accent1"/>
+          </a:fillRef>
+          <a:effectRef idx="0">
+            <a:schemeClr val="accent1"/>
+          </a:effectRef>
+          <a:fontRef idx="minor">
+            <a:schemeClr val="lt1"/>
+          </a:fontRef>
+        </p:style>
+        <p:txBody>
+          <a:bodyPr rtlCol="0" anchor="ctr"/>
+          <a:lstStyle/>
+          <a:p>
+            <a:pPr algn="ctr"/>
+            <a:r>
+              <a:rPr lang="en-US" altLang="ko-KR" sz="1600" dirty="0"/>
+              <a:t>3</a:t>
+            </a:r>
+            <a:r>
+              <a:rPr lang="ko-KR" altLang="en-US" sz="1600" dirty="0"/>
+              <a:t>월 </a:t>
+            </a:r>
+            <a:r>
+              <a:rPr lang="en-US" altLang="ko-KR" sz="1600" dirty="0"/>
+              <a:t>15 16:04</a:t>
+            </a:r>
+            <a:endParaRPr lang="ko-KR" altLang="en-US" sz="1600" dirty="0"/>
+          </a:p>
+        </p:txBody>
+      </p:sp>
+      <p:sp>
+        <p:nvSpPr>
+          <p:cNvPr id="31" name="직사각형 30">
+            <a:extLst>
+              <a:ext uri="{FF2B5EF4-FFF2-40B4-BE49-F238E27FC236}">
+                <a16:creationId xmlns:a16="http://schemas.microsoft.com/office/drawing/2014/main" id="{2DA95D43-3B5E-4D95-A7E4-D82629715C13}"/>
+              </a:ext>
+            </a:extLst>
+          </p:cNvPr>
+          <p:cNvSpPr/>
+          <p:nvPr/>
+        </p:nvSpPr>
+        <p:spPr>
+          <a:xfrm>
+            <a:off x="4873257" y="6393720"/>
+            <a:ext cx="1616148" cy="382773"/>
+          </a:xfrm>
+          <a:prstGeom prst="rect">
+            <a:avLst/>
+          </a:prstGeom>
+        </p:spPr>
+        <p:style>
+          <a:lnRef idx="2">
+            <a:schemeClr val="accent1">
+              <a:shade val="50000"/>
+            </a:schemeClr>
+          </a:lnRef>
+          <a:fillRef idx="1">
+            <a:schemeClr val="accent1"/>
+          </a:fillRef>
+          <a:effectRef idx="0">
+            <a:schemeClr val="accent1"/>
+          </a:effectRef>
+          <a:fontRef idx="minor">
+            <a:schemeClr val="lt1"/>
+          </a:fontRef>
+        </p:style>
+        <p:txBody>
+          <a:bodyPr rtlCol="0" anchor="ctr"/>
+          <a:lstStyle/>
+          <a:p>
+            <a:pPr algn="ctr"/>
+            <a:endParaRPr lang="ko-KR" altLang="en-US" sz="1600" dirty="0"/>
+          </a:p>
+        </p:txBody>
+      </p:sp>
+      <p:sp>
+        <p:nvSpPr>
+          <p:cNvPr id="32" name="직사각형 31">
+            <a:extLst>
+              <a:ext uri="{FF2B5EF4-FFF2-40B4-BE49-F238E27FC236}">
+                <a16:creationId xmlns:a16="http://schemas.microsoft.com/office/drawing/2014/main" id="{0C1C18BC-314F-40ED-8D45-5AB0AE4BC420}"/>
+              </a:ext>
+            </a:extLst>
+          </p:cNvPr>
+          <p:cNvSpPr/>
+          <p:nvPr/>
+        </p:nvSpPr>
+        <p:spPr>
+          <a:xfrm>
+            <a:off x="7882271" y="5436787"/>
+            <a:ext cx="1616148" cy="382773"/>
+          </a:xfrm>
+          <a:prstGeom prst="rect">
+            <a:avLst/>
+          </a:prstGeom>
+        </p:spPr>
+        <p:style>
+          <a:lnRef idx="2">
+            <a:schemeClr val="accent6">
+              <a:shade val="50000"/>
+            </a:schemeClr>
+          </a:lnRef>
+          <a:fillRef idx="1">
+            <a:schemeClr val="accent6"/>
+          </a:fillRef>
+          <a:effectRef idx="0">
+            <a:schemeClr val="accent6"/>
+          </a:effectRef>
+          <a:fontRef idx="minor">
+            <a:schemeClr val="lt1"/>
+          </a:fontRef>
+        </p:style>
+        <p:txBody>
+          <a:bodyPr rtlCol="0" anchor="ctr"/>
+          <a:lstStyle/>
+          <a:p>
+            <a:pPr algn="ctr"/>
+            <a:r>
+              <a:rPr lang="en-US" altLang="ko-KR" sz="1600" dirty="0"/>
+              <a:t>world</a:t>
+            </a:r>
+            <a:endParaRPr lang="ko-KR" altLang="en-US" sz="1600" dirty="0"/>
+          </a:p>
+        </p:txBody>
+      </p:sp>
+      <p:sp>
+        <p:nvSpPr>
+          <p:cNvPr id="33" name="직사각형 32">
+            <a:extLst>
+              <a:ext uri="{FF2B5EF4-FFF2-40B4-BE49-F238E27FC236}">
+                <a16:creationId xmlns:a16="http://schemas.microsoft.com/office/drawing/2014/main" id="{1AED0CDD-5B87-4F77-BBD5-F1CB486407F9}"/>
+              </a:ext>
+            </a:extLst>
+          </p:cNvPr>
+          <p:cNvSpPr/>
+          <p:nvPr/>
+        </p:nvSpPr>
+        <p:spPr>
+          <a:xfrm>
+            <a:off x="2417136" y="4009919"/>
+            <a:ext cx="1616148" cy="382773"/>
+          </a:xfrm>
+          <a:prstGeom prst="rect">
+            <a:avLst/>
+          </a:prstGeom>
+        </p:spPr>
+        <p:style>
+          <a:lnRef idx="2">
+            <a:schemeClr val="accent1">
+              <a:shade val="50000"/>
+            </a:schemeClr>
+          </a:lnRef>
+          <a:fillRef idx="1">
+            <a:schemeClr val="accent1"/>
+          </a:fillRef>
+          <a:effectRef idx="0">
+            <a:schemeClr val="accent1"/>
+          </a:effectRef>
+          <a:fontRef idx="minor">
+            <a:schemeClr val="lt1"/>
+          </a:fontRef>
+        </p:style>
+        <p:txBody>
+          <a:bodyPr rtlCol="0" anchor="ctr"/>
+          <a:lstStyle/>
+          <a:p>
+            <a:pPr algn="ctr"/>
+            <a:r>
               <a:rPr lang="en-US" altLang="ko-KR" sz="1600" dirty="0" err="1"/>
               <a:t>bbb</a:t>
             </a:r>
@@ -5922,16 +6455,15 @@
             </a:extLst>
           </p:cNvPr>
           <p:cNvCxnSpPr>
-            <a:cxnSpLocks/>
             <a:stCxn id="33" idx="3"/>
-            <a:endCxn id="5" idx="1"/>
+            <a:endCxn id="24" idx="1"/>
           </p:cNvCxnSpPr>
           <p:nvPr/>
         </p:nvCxnSpPr>
         <p:spPr>
           <a:xfrm flipV="1">
-            <a:off x="5539564" y="1818172"/>
-            <a:ext cx="839973" cy="1389375"/>
+            <a:off x="4033284" y="3905696"/>
+            <a:ext cx="839973" cy="295610"/>
           </a:xfrm>
           <a:prstGeom prst="straightConnector1">
             <a:avLst/>
@@ -5969,7 +6501,7 @@
         </p:nvSpPr>
         <p:spPr>
           <a:xfrm>
-            <a:off x="3923416" y="2677315"/>
+            <a:off x="2417136" y="3671074"/>
             <a:ext cx="1414129" cy="369332"/>
           </a:xfrm>
           <a:prstGeom prst="rect">
@@ -5994,10 +6526,10 @@
       </p:sp>
       <p:sp>
         <p:nvSpPr>
-          <p:cNvPr id="38" name="TextBox 37">
-            <a:extLst>
-              <a:ext uri="{FF2B5EF4-FFF2-40B4-BE49-F238E27FC236}">
-                <a16:creationId xmlns:a16="http://schemas.microsoft.com/office/drawing/2014/main" id="{284B43A9-42D3-40FA-898B-242822B86B8A}"/>
+          <p:cNvPr id="36" name="TextBox 35">
+            <a:extLst>
+              <a:ext uri="{FF2B5EF4-FFF2-40B4-BE49-F238E27FC236}">
+                <a16:creationId xmlns:a16="http://schemas.microsoft.com/office/drawing/2014/main" id="{7E36655C-C464-43BD-AF6F-90C7D8EAD40E}"/>
               </a:ext>
             </a:extLst>
           </p:cNvPr>
@@ -6006,8 +6538,8 @@
         </p:nvSpPr>
         <p:spPr>
           <a:xfrm>
-            <a:off x="7995685" y="2399051"/>
-            <a:ext cx="1116418" cy="369332"/>
+            <a:off x="4937055" y="3340764"/>
+            <a:ext cx="1414129" cy="369332"/>
           </a:xfrm>
           <a:prstGeom prst="rect">
             <a:avLst/>
@@ -6020,6 +6552,250 @@
           </a:bodyPr>
           <a:lstStyle/>
           <a:p>
+            <a:pPr algn="ctr"/>
+            <a:r>
+              <a:rPr lang="en-US" altLang="ko-KR" dirty="0" err="1"/>
+              <a:t>inode</a:t>
+            </a:r>
+            <a:endParaRPr lang="ko-KR" altLang="en-US" dirty="0"/>
+          </a:p>
+        </p:txBody>
+      </p:sp>
+      <p:cxnSp>
+        <p:nvCxnSpPr>
+          <p:cNvPr id="37" name="직선 화살표 연결선 36">
+            <a:extLst>
+              <a:ext uri="{FF2B5EF4-FFF2-40B4-BE49-F238E27FC236}">
+                <a16:creationId xmlns:a16="http://schemas.microsoft.com/office/drawing/2014/main" id="{68654847-2426-4141-980B-C8998AEC9CB0}"/>
+              </a:ext>
+            </a:extLst>
+          </p:cNvPr>
+          <p:cNvCxnSpPr>
+            <a:stCxn id="31" idx="3"/>
+            <a:endCxn id="32" idx="1"/>
+          </p:cNvCxnSpPr>
+          <p:nvPr/>
+        </p:nvCxnSpPr>
+        <p:spPr>
+          <a:xfrm flipV="1">
+            <a:off x="6489405" y="5628174"/>
+            <a:ext cx="1392866" cy="956933"/>
+          </a:xfrm>
+          <a:prstGeom prst="straightConnector1">
+            <a:avLst/>
+          </a:prstGeom>
+          <a:ln>
+            <a:tailEnd type="triangle"/>
+          </a:ln>
+        </p:spPr>
+        <p:style>
+          <a:lnRef idx="2">
+            <a:schemeClr val="dk1"/>
+          </a:lnRef>
+          <a:fillRef idx="0">
+            <a:schemeClr val="dk1"/>
+          </a:fillRef>
+          <a:effectRef idx="1">
+            <a:schemeClr val="dk1"/>
+          </a:effectRef>
+          <a:fontRef idx="minor">
+            <a:schemeClr val="tx1"/>
+          </a:fontRef>
+        </p:style>
+      </p:cxnSp>
+      <p:cxnSp>
+        <p:nvCxnSpPr>
+          <p:cNvPr id="3" name="직선 연결선 2">
+            <a:extLst>
+              <a:ext uri="{FF2B5EF4-FFF2-40B4-BE49-F238E27FC236}">
+                <a16:creationId xmlns:a16="http://schemas.microsoft.com/office/drawing/2014/main" id="{86B33D27-7E88-4E88-99BD-762EFB71A76C}"/>
+              </a:ext>
+            </a:extLst>
+          </p:cNvPr>
+          <p:cNvCxnSpPr>
+            <a:cxnSpLocks/>
+          </p:cNvCxnSpPr>
+          <p:nvPr/>
+        </p:nvCxnSpPr>
+        <p:spPr>
+          <a:xfrm flipV="1">
+            <a:off x="4667694" y="2053138"/>
+            <a:ext cx="1616148" cy="334593"/>
+          </a:xfrm>
+          <a:prstGeom prst="line">
+            <a:avLst/>
+          </a:prstGeom>
+          <a:ln>
+            <a:solidFill>
+              <a:srgbClr val="FF0000"/>
+            </a:solidFill>
+          </a:ln>
+        </p:spPr>
+        <p:style>
+          <a:lnRef idx="3">
+            <a:schemeClr val="accent6"/>
+          </a:lnRef>
+          <a:fillRef idx="0">
+            <a:schemeClr val="accent6"/>
+          </a:fillRef>
+          <a:effectRef idx="2">
+            <a:schemeClr val="accent6"/>
+          </a:effectRef>
+          <a:fontRef idx="minor">
+            <a:schemeClr val="tx1"/>
+          </a:fontRef>
+        </p:style>
+      </p:cxnSp>
+      <p:cxnSp>
+        <p:nvCxnSpPr>
+          <p:cNvPr id="38" name="직선 연결선 37">
+            <a:extLst>
+              <a:ext uri="{FF2B5EF4-FFF2-40B4-BE49-F238E27FC236}">
+                <a16:creationId xmlns:a16="http://schemas.microsoft.com/office/drawing/2014/main" id="{4E2B7B8E-2656-45DF-A3FD-37EAFE24153A}"/>
+              </a:ext>
+            </a:extLst>
+          </p:cNvPr>
+          <p:cNvCxnSpPr>
+            <a:cxnSpLocks/>
+          </p:cNvCxnSpPr>
+          <p:nvPr/>
+        </p:nvCxnSpPr>
+        <p:spPr>
+          <a:xfrm flipV="1">
+            <a:off x="7127361" y="1735605"/>
+            <a:ext cx="1612602" cy="3035927"/>
+          </a:xfrm>
+          <a:prstGeom prst="line">
+            <a:avLst/>
+          </a:prstGeom>
+          <a:ln>
+            <a:solidFill>
+              <a:srgbClr val="FF0000"/>
+            </a:solidFill>
+          </a:ln>
+        </p:spPr>
+        <p:style>
+          <a:lnRef idx="3">
+            <a:schemeClr val="accent6"/>
+          </a:lnRef>
+          <a:fillRef idx="0">
+            <a:schemeClr val="accent6"/>
+          </a:fillRef>
+          <a:effectRef idx="2">
+            <a:schemeClr val="accent6"/>
+          </a:effectRef>
+          <a:fontRef idx="minor">
+            <a:schemeClr val="tx1"/>
+          </a:fontRef>
+        </p:style>
+      </p:cxnSp>
+      <p:cxnSp>
+        <p:nvCxnSpPr>
+          <p:cNvPr id="39" name="직선 연결선 38">
+            <a:extLst>
+              <a:ext uri="{FF2B5EF4-FFF2-40B4-BE49-F238E27FC236}">
+                <a16:creationId xmlns:a16="http://schemas.microsoft.com/office/drawing/2014/main" id="{2CD68AEE-5A55-4BB5-8D6B-21C23A9E550F}"/>
+              </a:ext>
+            </a:extLst>
+          </p:cNvPr>
+          <p:cNvCxnSpPr>
+            <a:cxnSpLocks/>
+          </p:cNvCxnSpPr>
+          <p:nvPr/>
+        </p:nvCxnSpPr>
+        <p:spPr>
+          <a:xfrm flipV="1">
+            <a:off x="10132829" y="3458083"/>
+            <a:ext cx="1612602" cy="360796"/>
+          </a:xfrm>
+          <a:prstGeom prst="line">
+            <a:avLst/>
+          </a:prstGeom>
+          <a:ln>
+            <a:solidFill>
+              <a:srgbClr val="FF0000"/>
+            </a:solidFill>
+          </a:ln>
+        </p:spPr>
+        <p:style>
+          <a:lnRef idx="3">
+            <a:schemeClr val="accent6"/>
+          </a:lnRef>
+          <a:fillRef idx="0">
+            <a:schemeClr val="accent6"/>
+          </a:fillRef>
+          <a:effectRef idx="2">
+            <a:schemeClr val="accent6"/>
+          </a:effectRef>
+          <a:fontRef idx="minor">
+            <a:schemeClr val="tx1"/>
+          </a:fontRef>
+        </p:style>
+      </p:cxnSp>
+      <p:sp>
+        <p:nvSpPr>
+          <p:cNvPr id="40" name="TextBox 39">
+            <a:extLst>
+              <a:ext uri="{FF2B5EF4-FFF2-40B4-BE49-F238E27FC236}">
+                <a16:creationId xmlns:a16="http://schemas.microsoft.com/office/drawing/2014/main" id="{1923567E-0A71-434F-8B1E-2417F2D3962C}"/>
+              </a:ext>
+            </a:extLst>
+          </p:cNvPr>
+          <p:cNvSpPr txBox="1"/>
+          <p:nvPr/>
+        </p:nvSpPr>
+        <p:spPr>
+          <a:xfrm>
+            <a:off x="8739963" y="2507188"/>
+            <a:ext cx="1116418" cy="369332"/>
+          </a:xfrm>
+          <a:prstGeom prst="rect">
+            <a:avLst/>
+          </a:prstGeom>
+          <a:noFill/>
+        </p:spPr>
+        <p:txBody>
+          <a:bodyPr wrap="square" rtlCol="0">
+            <a:spAutoFit/>
+          </a:bodyPr>
+          <a:lstStyle/>
+          <a:p>
+            <a:r>
+              <a:rPr lang="en-US" altLang="ko-KR" dirty="0" err="1"/>
+              <a:t>nlink</a:t>
+            </a:r>
+            <a:endParaRPr lang="ko-KR" altLang="en-US" dirty="0"/>
+          </a:p>
+        </p:txBody>
+      </p:sp>
+      <p:sp>
+        <p:nvSpPr>
+          <p:cNvPr id="41" name="TextBox 40">
+            <a:extLst>
+              <a:ext uri="{FF2B5EF4-FFF2-40B4-BE49-F238E27FC236}">
+                <a16:creationId xmlns:a16="http://schemas.microsoft.com/office/drawing/2014/main" id="{DF4BD8DB-585C-406A-860B-B71D7762CC13}"/>
+              </a:ext>
+            </a:extLst>
+          </p:cNvPr>
+          <p:cNvSpPr txBox="1"/>
+          <p:nvPr/>
+        </p:nvSpPr>
+        <p:spPr>
+          <a:xfrm>
+            <a:off x="6507127" y="4503192"/>
+            <a:ext cx="1116418" cy="369332"/>
+          </a:xfrm>
+          <a:prstGeom prst="rect">
+            <a:avLst/>
+          </a:prstGeom>
+          <a:noFill/>
+        </p:spPr>
+        <p:txBody>
+          <a:bodyPr wrap="square" rtlCol="0">
+            <a:spAutoFit/>
+          </a:bodyPr>
+          <a:lstStyle/>
+          <a:p>
             <a:r>
               <a:rPr lang="en-US" altLang="ko-KR" dirty="0" err="1"/>
               <a:t>nlink</a:t>
@@ -6031,7 +6807,7 @@
     </p:spTree>
     <p:extLst>
       <p:ext uri="{BB962C8B-B14F-4D97-AF65-F5344CB8AC3E}">
-        <p14:creationId xmlns:p14="http://schemas.microsoft.com/office/powerpoint/2010/main" val="910963098"/>
+        <p14:creationId xmlns:p14="http://schemas.microsoft.com/office/powerpoint/2010/main" val="3738648721"/>
       </p:ext>
     </p:extLst>
   </p:cSld>
@@ -6102,11 +6878,7 @@
           <a:p>
             <a:r>
               <a:rPr lang="en-US" altLang="ko-KR" dirty="0"/>
-              <a:t># </a:t>
-            </a:r>
-            <a:r>
-              <a:rPr lang="en-US" altLang="ko-KR" dirty="0" err="1"/>
-              <a:t>cp</a:t>
+              <a:t># ln</a:t>
             </a:r>
             <a:r>
               <a:rPr lang="ko-KR" altLang="en-US" dirty="0"/>
@@ -6130,16 +6902,13 @@
             </a:r>
             <a:r>
               <a:rPr lang="en-US" altLang="ko-KR" dirty="0"/>
-              <a:t>// </a:t>
+              <a:t>// link </a:t>
             </a:r>
             <a:r>
               <a:rPr lang="ko-KR" altLang="en-US" dirty="0"/>
-              <a:t>복제 및 삭제 시 파일이 큰 경우 오버헤드가 있다</a:t>
-            </a:r>
-            <a:r>
-              <a:rPr lang="en-US" altLang="ko-KR" dirty="0"/>
-              <a:t>.</a:t>
-            </a:r>
+              <a:t>후 삭제하면 가볍게 구현 가능</a:t>
+            </a:r>
+            <a:endParaRPr lang="en-US" altLang="ko-KR" dirty="0"/>
           </a:p>
           <a:p>
             <a:r>
@@ -6192,7 +6961,7 @@
         </p:nvSpPr>
         <p:spPr>
           <a:xfrm>
-            <a:off x="7123815" y="1722476"/>
+            <a:off x="6166885" y="2254108"/>
             <a:ext cx="1616148" cy="382773"/>
           </a:xfrm>
           <a:prstGeom prst="rect">
@@ -6242,7 +7011,7 @@
         </p:nvSpPr>
         <p:spPr>
           <a:xfrm>
-            <a:off x="7123815" y="2105249"/>
+            <a:off x="6166885" y="2636881"/>
             <a:ext cx="1616148" cy="382773"/>
           </a:xfrm>
           <a:prstGeom prst="rect">
@@ -6300,7 +7069,7 @@
         </p:nvSpPr>
         <p:spPr>
           <a:xfrm>
-            <a:off x="7123815" y="2488022"/>
+            <a:off x="6166885" y="3019654"/>
             <a:ext cx="1616148" cy="382773"/>
           </a:xfrm>
           <a:prstGeom prst="rect">
@@ -6330,7 +7099,7 @@
             <a:pPr algn="ctr"/>
             <a:r>
               <a:rPr lang="en-US" altLang="ko-KR" dirty="0"/>
-              <a:t>0</a:t>
+              <a:t>1</a:t>
             </a:r>
             <a:endParaRPr lang="ko-KR" altLang="en-US" dirty="0"/>
           </a:p>
@@ -6350,7 +7119,7 @@
         </p:nvSpPr>
         <p:spPr>
           <a:xfrm>
-            <a:off x="7123815" y="2870795"/>
+            <a:off x="6166885" y="3402427"/>
             <a:ext cx="1616148" cy="382773"/>
           </a:xfrm>
           <a:prstGeom prst="rect">
@@ -6400,7 +7169,7 @@
         </p:nvSpPr>
         <p:spPr>
           <a:xfrm>
-            <a:off x="7123815" y="3253568"/>
+            <a:off x="6166885" y="3785200"/>
             <a:ext cx="1616148" cy="382773"/>
           </a:xfrm>
           <a:prstGeom prst="rect">
@@ -6450,7 +7219,7 @@
         </p:nvSpPr>
         <p:spPr>
           <a:xfrm>
-            <a:off x="7123815" y="3636341"/>
+            <a:off x="6166885" y="4167973"/>
             <a:ext cx="1616148" cy="382773"/>
           </a:xfrm>
           <a:prstGeom prst="rect">
@@ -6500,7 +7269,7 @@
         </p:nvSpPr>
         <p:spPr>
           <a:xfrm>
-            <a:off x="7123815" y="4019114"/>
+            <a:off x="6166885" y="4550746"/>
             <a:ext cx="1616148" cy="382773"/>
           </a:xfrm>
           <a:prstGeom prst="rect">
@@ -6558,7 +7327,7 @@
         </p:nvSpPr>
         <p:spPr>
           <a:xfrm>
-            <a:off x="7123815" y="4401887"/>
+            <a:off x="6166885" y="4933519"/>
             <a:ext cx="1616148" cy="382773"/>
           </a:xfrm>
           <a:prstGeom prst="rect">
@@ -6604,7 +7373,7 @@
         </p:nvSpPr>
         <p:spPr>
           <a:xfrm>
-            <a:off x="10132829" y="3444954"/>
+            <a:off x="9175899" y="3976586"/>
             <a:ext cx="1616148" cy="382773"/>
           </a:xfrm>
           <a:prstGeom prst="rect">
@@ -6654,7 +7423,7 @@
         </p:nvSpPr>
         <p:spPr>
           <a:xfrm>
-            <a:off x="4667694" y="2018086"/>
+            <a:off x="3710764" y="2549718"/>
             <a:ext cx="1616148" cy="382773"/>
           </a:xfrm>
           <a:prstGeom prst="rect">
@@ -6690,48 +7459,6 @@
           </a:p>
         </p:txBody>
       </p:sp>
-      <p:cxnSp>
-        <p:nvCxnSpPr>
-          <p:cNvPr id="17" name="직선 화살표 연결선 16">
-            <a:extLst>
-              <a:ext uri="{FF2B5EF4-FFF2-40B4-BE49-F238E27FC236}">
-                <a16:creationId xmlns:a16="http://schemas.microsoft.com/office/drawing/2014/main" id="{4AFB0D9B-A47B-45D0-9B0F-B7D56FC933E7}"/>
-              </a:ext>
-            </a:extLst>
-          </p:cNvPr>
-          <p:cNvCxnSpPr>
-            <a:stCxn id="15" idx="3"/>
-            <a:endCxn id="5" idx="1"/>
-          </p:cNvCxnSpPr>
-          <p:nvPr/>
-        </p:nvCxnSpPr>
-        <p:spPr>
-          <a:xfrm flipV="1">
-            <a:off x="6283842" y="1913863"/>
-            <a:ext cx="839973" cy="295610"/>
-          </a:xfrm>
-          <a:prstGeom prst="straightConnector1">
-            <a:avLst/>
-          </a:prstGeom>
-          <a:ln>
-            <a:tailEnd type="triangle"/>
-          </a:ln>
-        </p:spPr>
-        <p:style>
-          <a:lnRef idx="2">
-            <a:schemeClr val="dk1"/>
-          </a:lnRef>
-          <a:fillRef idx="0">
-            <a:schemeClr val="dk1"/>
-          </a:fillRef>
-          <a:effectRef idx="1">
-            <a:schemeClr val="dk1"/>
-          </a:effectRef>
-          <a:fontRef idx="minor">
-            <a:schemeClr val="tx1"/>
-          </a:fontRef>
-        </p:style>
-      </p:cxnSp>
       <p:sp>
         <p:nvSpPr>
           <p:cNvPr id="18" name="TextBox 17">
@@ -6746,7 +7473,7 @@
         </p:nvSpPr>
         <p:spPr>
           <a:xfrm>
-            <a:off x="4667694" y="1679241"/>
+            <a:off x="3710764" y="2210873"/>
             <a:ext cx="1414129" cy="369332"/>
           </a:xfrm>
           <a:prstGeom prst="rect">
@@ -6783,7 +7510,7 @@
         </p:nvSpPr>
         <p:spPr>
           <a:xfrm>
-            <a:off x="7187613" y="1348931"/>
+            <a:off x="6230683" y="1880563"/>
             <a:ext cx="1414129" cy="369332"/>
           </a:xfrm>
           <a:prstGeom prst="rect">
@@ -6823,7 +7550,7 @@
         </p:nvCxnSpPr>
         <p:spPr>
           <a:xfrm flipV="1">
-            <a:off x="8739963" y="3636341"/>
+            <a:off x="7783033" y="4167973"/>
             <a:ext cx="1392866" cy="956933"/>
           </a:xfrm>
           <a:prstGeom prst="straightConnector1">
@@ -6850,10 +7577,10 @@
       </p:cxnSp>
       <p:sp>
         <p:nvSpPr>
-          <p:cNvPr id="24" name="직사각형 23">
-            <a:extLst>
-              <a:ext uri="{FF2B5EF4-FFF2-40B4-BE49-F238E27FC236}">
-                <a16:creationId xmlns:a16="http://schemas.microsoft.com/office/drawing/2014/main" id="{0F539310-6715-4644-9A73-831F02FBB6F1}"/>
+          <p:cNvPr id="33" name="직사각형 32">
+            <a:extLst>
+              <a:ext uri="{FF2B5EF4-FFF2-40B4-BE49-F238E27FC236}">
+                <a16:creationId xmlns:a16="http://schemas.microsoft.com/office/drawing/2014/main" id="{1AED0CDD-5B87-4F77-BBD5-F1CB486407F9}"/>
               </a:ext>
             </a:extLst>
           </p:cNvPr>
@@ -6862,7 +7589,7 @@
         </p:nvSpPr>
         <p:spPr>
           <a:xfrm>
-            <a:off x="4873257" y="3714309"/>
+            <a:off x="3710764" y="3452434"/>
             <a:ext cx="1616148" cy="382773"/>
           </a:xfrm>
           <a:prstGeom prst="rect">
@@ -6891,468 +7618,6 @@
           <a:p>
             <a:pPr algn="ctr"/>
             <a:r>
-              <a:rPr lang="en-US" altLang="ko-KR" dirty="0"/>
-              <a:t>413128 </a:t>
-            </a:r>
-            <a:endParaRPr lang="ko-KR" altLang="en-US" dirty="0"/>
-          </a:p>
-        </p:txBody>
-      </p:sp>
-      <p:sp>
-        <p:nvSpPr>
-          <p:cNvPr id="25" name="직사각형 24">
-            <a:extLst>
-              <a:ext uri="{FF2B5EF4-FFF2-40B4-BE49-F238E27FC236}">
-                <a16:creationId xmlns:a16="http://schemas.microsoft.com/office/drawing/2014/main" id="{F58133E0-B20D-418D-88FB-BA4C39BC7F3E}"/>
-              </a:ext>
-            </a:extLst>
-          </p:cNvPr>
-          <p:cNvSpPr/>
-          <p:nvPr/>
-        </p:nvSpPr>
-        <p:spPr>
-          <a:xfrm>
-            <a:off x="4873257" y="4097082"/>
-            <a:ext cx="1616148" cy="382773"/>
-          </a:xfrm>
-          <a:prstGeom prst="rect">
-            <a:avLst/>
-          </a:prstGeom>
-        </p:spPr>
-        <p:style>
-          <a:lnRef idx="2">
-            <a:schemeClr val="accent1">
-              <a:shade val="50000"/>
-            </a:schemeClr>
-          </a:lnRef>
-          <a:fillRef idx="1">
-            <a:schemeClr val="accent1"/>
-          </a:fillRef>
-          <a:effectRef idx="0">
-            <a:schemeClr val="accent1"/>
-          </a:effectRef>
-          <a:fontRef idx="minor">
-            <a:schemeClr val="lt1"/>
-          </a:fontRef>
-        </p:style>
-        <p:txBody>
-          <a:bodyPr rtlCol="0" anchor="ctr"/>
-          <a:lstStyle/>
-          <a:p>
-            <a:pPr algn="ctr"/>
-            <a:r>
-              <a:rPr lang="en-US" altLang="ko-KR" dirty="0"/>
-              <a:t>-</a:t>
-            </a:r>
-            <a:r>
-              <a:rPr lang="en-US" altLang="ko-KR" dirty="0" err="1"/>
-              <a:t>rw</a:t>
-            </a:r>
-            <a:r>
-              <a:rPr lang="en-US" altLang="ko-KR" dirty="0"/>
-              <a:t>-r--r--</a:t>
-            </a:r>
-            <a:endParaRPr lang="ko-KR" altLang="en-US" dirty="0"/>
-          </a:p>
-        </p:txBody>
-      </p:sp>
-      <p:sp>
-        <p:nvSpPr>
-          <p:cNvPr id="26" name="직사각형 25">
-            <a:extLst>
-              <a:ext uri="{FF2B5EF4-FFF2-40B4-BE49-F238E27FC236}">
-                <a16:creationId xmlns:a16="http://schemas.microsoft.com/office/drawing/2014/main" id="{AEBFEE09-9D61-40A8-9442-59FE3B39877D}"/>
-              </a:ext>
-            </a:extLst>
-          </p:cNvPr>
-          <p:cNvSpPr/>
-          <p:nvPr/>
-        </p:nvSpPr>
-        <p:spPr>
-          <a:xfrm>
-            <a:off x="4873257" y="4479855"/>
-            <a:ext cx="1616148" cy="382773"/>
-          </a:xfrm>
-          <a:prstGeom prst="rect">
-            <a:avLst/>
-          </a:prstGeom>
-        </p:spPr>
-        <p:style>
-          <a:lnRef idx="2">
-            <a:schemeClr val="accent1">
-              <a:shade val="50000"/>
-            </a:schemeClr>
-          </a:lnRef>
-          <a:fillRef idx="1">
-            <a:schemeClr val="accent1"/>
-          </a:fillRef>
-          <a:effectRef idx="0">
-            <a:schemeClr val="accent1"/>
-          </a:effectRef>
-          <a:fontRef idx="minor">
-            <a:schemeClr val="lt1"/>
-          </a:fontRef>
-        </p:style>
-        <p:txBody>
-          <a:bodyPr rtlCol="0" anchor="ctr"/>
-          <a:lstStyle/>
-          <a:p>
-            <a:pPr algn="ctr"/>
-            <a:r>
-              <a:rPr lang="en-US" altLang="ko-KR" dirty="0"/>
-              <a:t>1</a:t>
-            </a:r>
-            <a:endParaRPr lang="ko-KR" altLang="en-US" dirty="0"/>
-          </a:p>
-        </p:txBody>
-      </p:sp>
-      <p:sp>
-        <p:nvSpPr>
-          <p:cNvPr id="27" name="직사각형 26">
-            <a:extLst>
-              <a:ext uri="{FF2B5EF4-FFF2-40B4-BE49-F238E27FC236}">
-                <a16:creationId xmlns:a16="http://schemas.microsoft.com/office/drawing/2014/main" id="{7F18A295-3E3D-475D-A15D-47ADC8B10236}"/>
-              </a:ext>
-            </a:extLst>
-          </p:cNvPr>
-          <p:cNvSpPr/>
-          <p:nvPr/>
-        </p:nvSpPr>
-        <p:spPr>
-          <a:xfrm>
-            <a:off x="4873257" y="4862628"/>
-            <a:ext cx="1616148" cy="382773"/>
-          </a:xfrm>
-          <a:prstGeom prst="rect">
-            <a:avLst/>
-          </a:prstGeom>
-        </p:spPr>
-        <p:style>
-          <a:lnRef idx="2">
-            <a:schemeClr val="accent1">
-              <a:shade val="50000"/>
-            </a:schemeClr>
-          </a:lnRef>
-          <a:fillRef idx="1">
-            <a:schemeClr val="accent1"/>
-          </a:fillRef>
-          <a:effectRef idx="0">
-            <a:schemeClr val="accent1"/>
-          </a:effectRef>
-          <a:fontRef idx="minor">
-            <a:schemeClr val="lt1"/>
-          </a:fontRef>
-        </p:style>
-        <p:txBody>
-          <a:bodyPr rtlCol="0" anchor="ctr"/>
-          <a:lstStyle/>
-          <a:p>
-            <a:pPr algn="ctr"/>
-            <a:r>
-              <a:rPr lang="en-US" altLang="ko-KR" dirty="0"/>
-              <a:t>root</a:t>
-            </a:r>
-            <a:endParaRPr lang="ko-KR" altLang="en-US" dirty="0"/>
-          </a:p>
-        </p:txBody>
-      </p:sp>
-      <p:sp>
-        <p:nvSpPr>
-          <p:cNvPr id="28" name="직사각형 27">
-            <a:extLst>
-              <a:ext uri="{FF2B5EF4-FFF2-40B4-BE49-F238E27FC236}">
-                <a16:creationId xmlns:a16="http://schemas.microsoft.com/office/drawing/2014/main" id="{31A879BB-C551-42EA-B98E-2200DF1916E8}"/>
-              </a:ext>
-            </a:extLst>
-          </p:cNvPr>
-          <p:cNvSpPr/>
-          <p:nvPr/>
-        </p:nvSpPr>
-        <p:spPr>
-          <a:xfrm>
-            <a:off x="4873257" y="5245401"/>
-            <a:ext cx="1616148" cy="382773"/>
-          </a:xfrm>
-          <a:prstGeom prst="rect">
-            <a:avLst/>
-          </a:prstGeom>
-        </p:spPr>
-        <p:style>
-          <a:lnRef idx="2">
-            <a:schemeClr val="accent1">
-              <a:shade val="50000"/>
-            </a:schemeClr>
-          </a:lnRef>
-          <a:fillRef idx="1">
-            <a:schemeClr val="accent1"/>
-          </a:fillRef>
-          <a:effectRef idx="0">
-            <a:schemeClr val="accent1"/>
-          </a:effectRef>
-          <a:fontRef idx="minor">
-            <a:schemeClr val="lt1"/>
-          </a:fontRef>
-        </p:style>
-        <p:txBody>
-          <a:bodyPr rtlCol="0" anchor="ctr"/>
-          <a:lstStyle/>
-          <a:p>
-            <a:pPr algn="ctr"/>
-            <a:r>
-              <a:rPr lang="en-US" altLang="ko-KR" dirty="0"/>
-              <a:t>root</a:t>
-            </a:r>
-            <a:endParaRPr lang="ko-KR" altLang="en-US" dirty="0"/>
-          </a:p>
-        </p:txBody>
-      </p:sp>
-      <p:sp>
-        <p:nvSpPr>
-          <p:cNvPr id="29" name="직사각형 28">
-            <a:extLst>
-              <a:ext uri="{FF2B5EF4-FFF2-40B4-BE49-F238E27FC236}">
-                <a16:creationId xmlns:a16="http://schemas.microsoft.com/office/drawing/2014/main" id="{1E0FAEB9-247F-4807-BC22-BD6900DA8F70}"/>
-              </a:ext>
-            </a:extLst>
-          </p:cNvPr>
-          <p:cNvSpPr/>
-          <p:nvPr/>
-        </p:nvSpPr>
-        <p:spPr>
-          <a:xfrm>
-            <a:off x="4873257" y="5628174"/>
-            <a:ext cx="1616148" cy="382773"/>
-          </a:xfrm>
-          <a:prstGeom prst="rect">
-            <a:avLst/>
-          </a:prstGeom>
-        </p:spPr>
-        <p:style>
-          <a:lnRef idx="2">
-            <a:schemeClr val="accent1">
-              <a:shade val="50000"/>
-            </a:schemeClr>
-          </a:lnRef>
-          <a:fillRef idx="1">
-            <a:schemeClr val="accent1"/>
-          </a:fillRef>
-          <a:effectRef idx="0">
-            <a:schemeClr val="accent1"/>
-          </a:effectRef>
-          <a:fontRef idx="minor">
-            <a:schemeClr val="lt1"/>
-          </a:fontRef>
-        </p:style>
-        <p:txBody>
-          <a:bodyPr rtlCol="0" anchor="ctr"/>
-          <a:lstStyle/>
-          <a:p>
-            <a:pPr algn="ctr"/>
-            <a:r>
-              <a:rPr lang="en-US" altLang="ko-KR" dirty="0"/>
-              <a:t>6</a:t>
-            </a:r>
-            <a:endParaRPr lang="ko-KR" altLang="en-US" dirty="0"/>
-          </a:p>
-        </p:txBody>
-      </p:sp>
-      <p:sp>
-        <p:nvSpPr>
-          <p:cNvPr id="30" name="직사각형 29">
-            <a:extLst>
-              <a:ext uri="{FF2B5EF4-FFF2-40B4-BE49-F238E27FC236}">
-                <a16:creationId xmlns:a16="http://schemas.microsoft.com/office/drawing/2014/main" id="{EFBEFC9D-2A66-4710-8099-BF59579B1424}"/>
-              </a:ext>
-            </a:extLst>
-          </p:cNvPr>
-          <p:cNvSpPr/>
-          <p:nvPr/>
-        </p:nvSpPr>
-        <p:spPr>
-          <a:xfrm>
-            <a:off x="4873257" y="6010947"/>
-            <a:ext cx="1616148" cy="382773"/>
-          </a:xfrm>
-          <a:prstGeom prst="rect">
-            <a:avLst/>
-          </a:prstGeom>
-        </p:spPr>
-        <p:style>
-          <a:lnRef idx="2">
-            <a:schemeClr val="accent1">
-              <a:shade val="50000"/>
-            </a:schemeClr>
-          </a:lnRef>
-          <a:fillRef idx="1">
-            <a:schemeClr val="accent1"/>
-          </a:fillRef>
-          <a:effectRef idx="0">
-            <a:schemeClr val="accent1"/>
-          </a:effectRef>
-          <a:fontRef idx="minor">
-            <a:schemeClr val="lt1"/>
-          </a:fontRef>
-        </p:style>
-        <p:txBody>
-          <a:bodyPr rtlCol="0" anchor="ctr"/>
-          <a:lstStyle/>
-          <a:p>
-            <a:pPr algn="ctr"/>
-            <a:r>
-              <a:rPr lang="en-US" altLang="ko-KR" sz="1600" dirty="0"/>
-              <a:t>3</a:t>
-            </a:r>
-            <a:r>
-              <a:rPr lang="ko-KR" altLang="en-US" sz="1600" dirty="0"/>
-              <a:t>월 </a:t>
-            </a:r>
-            <a:r>
-              <a:rPr lang="en-US" altLang="ko-KR" sz="1600" dirty="0"/>
-              <a:t>15 16:04</a:t>
-            </a:r>
-            <a:endParaRPr lang="ko-KR" altLang="en-US" sz="1600" dirty="0"/>
-          </a:p>
-        </p:txBody>
-      </p:sp>
-      <p:sp>
-        <p:nvSpPr>
-          <p:cNvPr id="31" name="직사각형 30">
-            <a:extLst>
-              <a:ext uri="{FF2B5EF4-FFF2-40B4-BE49-F238E27FC236}">
-                <a16:creationId xmlns:a16="http://schemas.microsoft.com/office/drawing/2014/main" id="{2DA95D43-3B5E-4D95-A7E4-D82629715C13}"/>
-              </a:ext>
-            </a:extLst>
-          </p:cNvPr>
-          <p:cNvSpPr/>
-          <p:nvPr/>
-        </p:nvSpPr>
-        <p:spPr>
-          <a:xfrm>
-            <a:off x="4873257" y="6393720"/>
-            <a:ext cx="1616148" cy="382773"/>
-          </a:xfrm>
-          <a:prstGeom prst="rect">
-            <a:avLst/>
-          </a:prstGeom>
-        </p:spPr>
-        <p:style>
-          <a:lnRef idx="2">
-            <a:schemeClr val="accent1">
-              <a:shade val="50000"/>
-            </a:schemeClr>
-          </a:lnRef>
-          <a:fillRef idx="1">
-            <a:schemeClr val="accent1"/>
-          </a:fillRef>
-          <a:effectRef idx="0">
-            <a:schemeClr val="accent1"/>
-          </a:effectRef>
-          <a:fontRef idx="minor">
-            <a:schemeClr val="lt1"/>
-          </a:fontRef>
-        </p:style>
-        <p:txBody>
-          <a:bodyPr rtlCol="0" anchor="ctr"/>
-          <a:lstStyle/>
-          <a:p>
-            <a:pPr algn="ctr"/>
-            <a:endParaRPr lang="ko-KR" altLang="en-US" sz="1600" dirty="0"/>
-          </a:p>
-        </p:txBody>
-      </p:sp>
-      <p:sp>
-        <p:nvSpPr>
-          <p:cNvPr id="32" name="직사각형 31">
-            <a:extLst>
-              <a:ext uri="{FF2B5EF4-FFF2-40B4-BE49-F238E27FC236}">
-                <a16:creationId xmlns:a16="http://schemas.microsoft.com/office/drawing/2014/main" id="{0C1C18BC-314F-40ED-8D45-5AB0AE4BC420}"/>
-              </a:ext>
-            </a:extLst>
-          </p:cNvPr>
-          <p:cNvSpPr/>
-          <p:nvPr/>
-        </p:nvSpPr>
-        <p:spPr>
-          <a:xfrm>
-            <a:off x="7882271" y="5436787"/>
-            <a:ext cx="1616148" cy="382773"/>
-          </a:xfrm>
-          <a:prstGeom prst="rect">
-            <a:avLst/>
-          </a:prstGeom>
-        </p:spPr>
-        <p:style>
-          <a:lnRef idx="2">
-            <a:schemeClr val="accent6">
-              <a:shade val="50000"/>
-            </a:schemeClr>
-          </a:lnRef>
-          <a:fillRef idx="1">
-            <a:schemeClr val="accent6"/>
-          </a:fillRef>
-          <a:effectRef idx="0">
-            <a:schemeClr val="accent6"/>
-          </a:effectRef>
-          <a:fontRef idx="minor">
-            <a:schemeClr val="lt1"/>
-          </a:fontRef>
-        </p:style>
-        <p:txBody>
-          <a:bodyPr rtlCol="0" anchor="ctr"/>
-          <a:lstStyle/>
-          <a:p>
-            <a:pPr algn="ctr"/>
-            <a:r>
-              <a:rPr lang="en-US" altLang="ko-KR" sz="1600" dirty="0"/>
-              <a:t>world</a:t>
-            </a:r>
-            <a:endParaRPr lang="ko-KR" altLang="en-US" sz="1600" dirty="0"/>
-          </a:p>
-        </p:txBody>
-      </p:sp>
-      <p:sp>
-        <p:nvSpPr>
-          <p:cNvPr id="33" name="직사각형 32">
-            <a:extLst>
-              <a:ext uri="{FF2B5EF4-FFF2-40B4-BE49-F238E27FC236}">
-                <a16:creationId xmlns:a16="http://schemas.microsoft.com/office/drawing/2014/main" id="{1AED0CDD-5B87-4F77-BBD5-F1CB486407F9}"/>
-              </a:ext>
-            </a:extLst>
-          </p:cNvPr>
-          <p:cNvSpPr/>
-          <p:nvPr/>
-        </p:nvSpPr>
-        <p:spPr>
-          <a:xfrm>
-            <a:off x="2417136" y="4009919"/>
-            <a:ext cx="1616148" cy="382773"/>
-          </a:xfrm>
-          <a:prstGeom prst="rect">
-            <a:avLst/>
-          </a:prstGeom>
-        </p:spPr>
-        <p:style>
-          <a:lnRef idx="2">
-            <a:schemeClr val="accent1">
-              <a:shade val="50000"/>
-            </a:schemeClr>
-          </a:lnRef>
-          <a:fillRef idx="1">
-            <a:schemeClr val="accent1"/>
-          </a:fillRef>
-          <a:effectRef idx="0">
-            <a:schemeClr val="accent1"/>
-          </a:effectRef>
-          <a:fontRef idx="minor">
-            <a:schemeClr val="lt1"/>
-          </a:fontRef>
-        </p:style>
-        <p:txBody>
-          <a:bodyPr rtlCol="0" anchor="ctr"/>
-          <a:lstStyle/>
-          <a:p>
-            <a:pPr algn="ctr"/>
-            <a:r>
               <a:rPr lang="en-US" altLang="ko-KR" sz="1600" dirty="0" err="1"/>
               <a:t>bbb</a:t>
             </a:r>
@@ -7370,15 +7635,16 @@
             </a:extLst>
           </p:cNvPr>
           <p:cNvCxnSpPr>
+            <a:cxnSpLocks/>
             <a:stCxn id="33" idx="3"/>
-            <a:endCxn id="24" idx="1"/>
+            <a:endCxn id="5" idx="1"/>
           </p:cNvCxnSpPr>
           <p:nvPr/>
         </p:nvCxnSpPr>
         <p:spPr>
           <a:xfrm flipV="1">
-            <a:off x="4033284" y="3905696"/>
-            <a:ext cx="839973" cy="295610"/>
+            <a:off x="5326912" y="2445495"/>
+            <a:ext cx="839973" cy="1198326"/>
           </a:xfrm>
           <a:prstGeom prst="straightConnector1">
             <a:avLst/>
@@ -7416,7 +7682,7 @@
         </p:nvSpPr>
         <p:spPr>
           <a:xfrm>
-            <a:off x="2417136" y="3671074"/>
+            <a:off x="3710764" y="3113589"/>
             <a:ext cx="1414129" cy="369332"/>
           </a:xfrm>
           <a:prstGeom prst="rect">
@@ -7439,85 +7705,6 @@
           </a:p>
         </p:txBody>
       </p:sp>
-      <p:sp>
-        <p:nvSpPr>
-          <p:cNvPr id="36" name="TextBox 35">
-            <a:extLst>
-              <a:ext uri="{FF2B5EF4-FFF2-40B4-BE49-F238E27FC236}">
-                <a16:creationId xmlns:a16="http://schemas.microsoft.com/office/drawing/2014/main" id="{7E36655C-C464-43BD-AF6F-90C7D8EAD40E}"/>
-              </a:ext>
-            </a:extLst>
-          </p:cNvPr>
-          <p:cNvSpPr txBox="1"/>
-          <p:nvPr/>
-        </p:nvSpPr>
-        <p:spPr>
-          <a:xfrm>
-            <a:off x="4937055" y="3340764"/>
-            <a:ext cx="1414129" cy="369332"/>
-          </a:xfrm>
-          <a:prstGeom prst="rect">
-            <a:avLst/>
-          </a:prstGeom>
-          <a:noFill/>
-        </p:spPr>
-        <p:txBody>
-          <a:bodyPr wrap="square" rtlCol="0">
-            <a:spAutoFit/>
-          </a:bodyPr>
-          <a:lstStyle/>
-          <a:p>
-            <a:pPr algn="ctr"/>
-            <a:r>
-              <a:rPr lang="en-US" altLang="ko-KR" dirty="0" err="1"/>
-              <a:t>inode</a:t>
-            </a:r>
-            <a:endParaRPr lang="ko-KR" altLang="en-US" dirty="0"/>
-          </a:p>
-        </p:txBody>
-      </p:sp>
-      <p:cxnSp>
-        <p:nvCxnSpPr>
-          <p:cNvPr id="37" name="직선 화살표 연결선 36">
-            <a:extLst>
-              <a:ext uri="{FF2B5EF4-FFF2-40B4-BE49-F238E27FC236}">
-                <a16:creationId xmlns:a16="http://schemas.microsoft.com/office/drawing/2014/main" id="{68654847-2426-4141-980B-C8998AEC9CB0}"/>
-              </a:ext>
-            </a:extLst>
-          </p:cNvPr>
-          <p:cNvCxnSpPr>
-            <a:stCxn id="31" idx="3"/>
-            <a:endCxn id="32" idx="1"/>
-          </p:cNvCxnSpPr>
-          <p:nvPr/>
-        </p:nvCxnSpPr>
-        <p:spPr>
-          <a:xfrm flipV="1">
-            <a:off x="6489405" y="5628174"/>
-            <a:ext cx="1392866" cy="956933"/>
-          </a:xfrm>
-          <a:prstGeom prst="straightConnector1">
-            <a:avLst/>
-          </a:prstGeom>
-          <a:ln>
-            <a:tailEnd type="triangle"/>
-          </a:ln>
-        </p:spPr>
-        <p:style>
-          <a:lnRef idx="2">
-            <a:schemeClr val="dk1"/>
-          </a:lnRef>
-          <a:fillRef idx="0">
-            <a:schemeClr val="dk1"/>
-          </a:fillRef>
-          <a:effectRef idx="1">
-            <a:schemeClr val="dk1"/>
-          </a:effectRef>
-          <a:fontRef idx="minor">
-            <a:schemeClr val="tx1"/>
-          </a:fontRef>
-        </p:style>
-      </p:cxnSp>
       <p:cxnSp>
         <p:nvCxnSpPr>
           <p:cNvPr id="3" name="직선 연결선 2">
@@ -7534,7 +7721,7 @@
         </p:nvCxnSpPr>
         <p:spPr>
           <a:xfrm flipV="1">
-            <a:off x="4667694" y="2053138"/>
+            <a:off x="3710764" y="2584770"/>
             <a:ext cx="1616148" cy="334593"/>
           </a:xfrm>
           <a:prstGeom prst="line">
@@ -7561,98 +7748,12 @@
           </a:fontRef>
         </p:style>
       </p:cxnSp>
-      <p:cxnSp>
-        <p:nvCxnSpPr>
-          <p:cNvPr id="38" name="직선 연결선 37">
-            <a:extLst>
-              <a:ext uri="{FF2B5EF4-FFF2-40B4-BE49-F238E27FC236}">
-                <a16:creationId xmlns:a16="http://schemas.microsoft.com/office/drawing/2014/main" id="{4E2B7B8E-2656-45DF-A3FD-37EAFE24153A}"/>
-              </a:ext>
-            </a:extLst>
-          </p:cNvPr>
-          <p:cNvCxnSpPr>
-            <a:cxnSpLocks/>
-          </p:cNvCxnSpPr>
-          <p:nvPr/>
-        </p:nvCxnSpPr>
-        <p:spPr>
-          <a:xfrm flipV="1">
-            <a:off x="7127361" y="1735605"/>
-            <a:ext cx="1612602" cy="3035927"/>
-          </a:xfrm>
-          <a:prstGeom prst="line">
-            <a:avLst/>
-          </a:prstGeom>
-          <a:ln>
-            <a:solidFill>
-              <a:srgbClr val="FF0000"/>
-            </a:solidFill>
-          </a:ln>
-        </p:spPr>
-        <p:style>
-          <a:lnRef idx="3">
-            <a:schemeClr val="accent6"/>
-          </a:lnRef>
-          <a:fillRef idx="0">
-            <a:schemeClr val="accent6"/>
-          </a:fillRef>
-          <a:effectRef idx="2">
-            <a:schemeClr val="accent6"/>
-          </a:effectRef>
-          <a:fontRef idx="minor">
-            <a:schemeClr val="tx1"/>
-          </a:fontRef>
-        </p:style>
-      </p:cxnSp>
-      <p:cxnSp>
-        <p:nvCxnSpPr>
-          <p:cNvPr id="39" name="직선 연결선 38">
-            <a:extLst>
-              <a:ext uri="{FF2B5EF4-FFF2-40B4-BE49-F238E27FC236}">
-                <a16:creationId xmlns:a16="http://schemas.microsoft.com/office/drawing/2014/main" id="{2CD68AEE-5A55-4BB5-8D6B-21C23A9E550F}"/>
-              </a:ext>
-            </a:extLst>
-          </p:cNvPr>
-          <p:cNvCxnSpPr>
-            <a:cxnSpLocks/>
-          </p:cNvCxnSpPr>
-          <p:nvPr/>
-        </p:nvCxnSpPr>
-        <p:spPr>
-          <a:xfrm flipV="1">
-            <a:off x="10132829" y="3458083"/>
-            <a:ext cx="1612602" cy="360796"/>
-          </a:xfrm>
-          <a:prstGeom prst="line">
-            <a:avLst/>
-          </a:prstGeom>
-          <a:ln>
-            <a:solidFill>
-              <a:srgbClr val="FF0000"/>
-            </a:solidFill>
-          </a:ln>
-        </p:spPr>
-        <p:style>
-          <a:lnRef idx="3">
-            <a:schemeClr val="accent6"/>
-          </a:lnRef>
-          <a:fillRef idx="0">
-            <a:schemeClr val="accent6"/>
-          </a:fillRef>
-          <a:effectRef idx="2">
-            <a:schemeClr val="accent6"/>
-          </a:effectRef>
-          <a:fontRef idx="minor">
-            <a:schemeClr val="tx1"/>
-          </a:fontRef>
-        </p:style>
-      </p:cxnSp>
       <p:sp>
         <p:nvSpPr>
           <p:cNvPr id="40" name="TextBox 39">
             <a:extLst>
               <a:ext uri="{FF2B5EF4-FFF2-40B4-BE49-F238E27FC236}">
-                <a16:creationId xmlns:a16="http://schemas.microsoft.com/office/drawing/2014/main" id="{1923567E-0A71-434F-8B1E-2417F2D3962C}"/>
+                <a16:creationId xmlns:a16="http://schemas.microsoft.com/office/drawing/2014/main" id="{D30B6B87-8DCA-4C6F-8F40-90EF63B46607}"/>
               </a:ext>
             </a:extLst>
           </p:cNvPr>
@@ -7661,7 +7762,7 @@
         </p:nvSpPr>
         <p:spPr>
           <a:xfrm>
-            <a:off x="8739963" y="2507188"/>
+            <a:off x="7783033" y="3044658"/>
             <a:ext cx="1116418" cy="369332"/>
           </a:xfrm>
           <a:prstGeom prst="rect">
@@ -7683,46 +7784,10 @@
           </a:p>
         </p:txBody>
       </p:sp>
-      <p:sp>
-        <p:nvSpPr>
-          <p:cNvPr id="41" name="TextBox 40">
-            <a:extLst>
-              <a:ext uri="{FF2B5EF4-FFF2-40B4-BE49-F238E27FC236}">
-                <a16:creationId xmlns:a16="http://schemas.microsoft.com/office/drawing/2014/main" id="{DF4BD8DB-585C-406A-860B-B71D7762CC13}"/>
-              </a:ext>
-            </a:extLst>
-          </p:cNvPr>
-          <p:cNvSpPr txBox="1"/>
-          <p:nvPr/>
-        </p:nvSpPr>
-        <p:spPr>
-          <a:xfrm>
-            <a:off x="6507127" y="4503192"/>
-            <a:ext cx="1116418" cy="369332"/>
-          </a:xfrm>
-          <a:prstGeom prst="rect">
-            <a:avLst/>
-          </a:prstGeom>
-          <a:noFill/>
-        </p:spPr>
-        <p:txBody>
-          <a:bodyPr wrap="square" rtlCol="0">
-            <a:spAutoFit/>
-          </a:bodyPr>
-          <a:lstStyle/>
-          <a:p>
-            <a:r>
-              <a:rPr lang="en-US" altLang="ko-KR" dirty="0" err="1"/>
-              <a:t>nlink</a:t>
-            </a:r>
-            <a:endParaRPr lang="ko-KR" altLang="en-US" dirty="0"/>
-          </a:p>
-        </p:txBody>
-      </p:sp>
     </p:spTree>
     <p:extLst>
       <p:ext uri="{BB962C8B-B14F-4D97-AF65-F5344CB8AC3E}">
-        <p14:creationId xmlns:p14="http://schemas.microsoft.com/office/powerpoint/2010/main" val="3738648721"/>
+        <p14:creationId xmlns:p14="http://schemas.microsoft.com/office/powerpoint/2010/main" val="2783116673"/>
       </p:ext>
     </p:extLst>
   </p:cSld>
@@ -7751,10 +7816,603 @@
       </p:grpSpPr>
       <p:sp>
         <p:nvSpPr>
-          <p:cNvPr id="4" name="TextBox 3">
-            <a:extLst>
-              <a:ext uri="{FF2B5EF4-FFF2-40B4-BE49-F238E27FC236}">
-                <a16:creationId xmlns:a16="http://schemas.microsoft.com/office/drawing/2014/main" id="{E6188EC9-C4AE-4D95-ACF5-D78E5EDE542E}"/>
+          <p:cNvPr id="4" name="직사각형 3">
+            <a:extLst>
+              <a:ext uri="{FF2B5EF4-FFF2-40B4-BE49-F238E27FC236}">
+                <a16:creationId xmlns:a16="http://schemas.microsoft.com/office/drawing/2014/main" id="{370BBC7D-AB9E-4FF4-A1E1-C29E7EA23499}"/>
+              </a:ext>
+            </a:extLst>
+          </p:cNvPr>
+          <p:cNvSpPr/>
+          <p:nvPr/>
+        </p:nvSpPr>
+        <p:spPr>
+          <a:xfrm>
+            <a:off x="262270" y="245400"/>
+            <a:ext cx="6096000" cy="2031325"/>
+          </a:xfrm>
+          <a:prstGeom prst="rect">
+            <a:avLst/>
+          </a:prstGeom>
+        </p:spPr>
+        <p:txBody>
+          <a:bodyPr>
+            <a:spAutoFit/>
+          </a:bodyPr>
+          <a:lstStyle/>
+          <a:p>
+            <a:r>
+              <a:rPr lang="ko-KR" altLang="en-US" dirty="0"/>
+              <a:t>하드 링크의 필요 이유</a:t>
+            </a:r>
+            <a:r>
+              <a:rPr lang="en-US" altLang="ko-KR" dirty="0"/>
+              <a:t>: </a:t>
+            </a:r>
+            <a:r>
+              <a:rPr lang="ko-KR" altLang="en-US" dirty="0"/>
+              <a:t>상대 링크 때문에</a:t>
+            </a:r>
+            <a:endParaRPr lang="en-US" altLang="ko-KR" dirty="0"/>
+          </a:p>
+          <a:p>
+            <a:r>
+              <a:rPr lang="en-US" altLang="ko-KR" dirty="0"/>
+              <a:t>.  : </a:t>
+            </a:r>
+            <a:r>
+              <a:rPr lang="ko-KR" altLang="en-US" dirty="0"/>
+              <a:t>현재 디렉토리에 대한 하드 링크</a:t>
+            </a:r>
+            <a:endParaRPr lang="en-US" altLang="ko-KR" dirty="0"/>
+          </a:p>
+          <a:p>
+            <a:r>
+              <a:rPr lang="en-US" altLang="ko-KR" dirty="0"/>
+              <a:t>.. : </a:t>
+            </a:r>
+            <a:r>
+              <a:rPr lang="ko-KR" altLang="en-US" dirty="0"/>
+              <a:t>부모 디렉토리에 대한 하드 링크</a:t>
+            </a:r>
+            <a:endParaRPr lang="en-US" altLang="ko-KR" dirty="0"/>
+          </a:p>
+          <a:p>
+            <a:endParaRPr lang="en-US" altLang="ko-KR" dirty="0"/>
+          </a:p>
+          <a:p>
+            <a:r>
+              <a:rPr lang="ko-KR" altLang="en-US" dirty="0" err="1"/>
+              <a:t>root@ubuntu</a:t>
+            </a:r>
+            <a:r>
+              <a:rPr lang="ko-KR" altLang="en-US" dirty="0"/>
+              <a:t>:~/</a:t>
+            </a:r>
+            <a:r>
+              <a:rPr lang="ko-KR" altLang="en-US" dirty="0" err="1"/>
+              <a:t>prac-lsp</a:t>
+            </a:r>
+            <a:r>
+              <a:rPr lang="ko-KR" altLang="en-US" dirty="0"/>
+              <a:t># </a:t>
+            </a:r>
+            <a:r>
+              <a:rPr lang="ko-KR" altLang="en-US" dirty="0" err="1"/>
+              <a:t>mkdir</a:t>
+            </a:r>
+            <a:r>
+              <a:rPr lang="ko-KR" altLang="en-US" dirty="0"/>
+              <a:t> </a:t>
+            </a:r>
+            <a:r>
+              <a:rPr lang="ko-KR" altLang="en-US" dirty="0" err="1"/>
+              <a:t>sub</a:t>
+            </a:r>
+            <a:endParaRPr lang="ko-KR" altLang="en-US" dirty="0"/>
+          </a:p>
+          <a:p>
+            <a:r>
+              <a:rPr lang="ko-KR" altLang="en-US" dirty="0" err="1"/>
+              <a:t>root@ubuntu</a:t>
+            </a:r>
+            <a:r>
+              <a:rPr lang="ko-KR" altLang="en-US" dirty="0"/>
+              <a:t>:~/</a:t>
+            </a:r>
+            <a:r>
+              <a:rPr lang="ko-KR" altLang="en-US" dirty="0" err="1"/>
+              <a:t>prac-lsp</a:t>
+            </a:r>
+            <a:r>
+              <a:rPr lang="ko-KR" altLang="en-US" dirty="0"/>
+              <a:t># </a:t>
+            </a:r>
+            <a:r>
+              <a:rPr lang="ko-KR" altLang="en-US" dirty="0" err="1"/>
+              <a:t>ls</a:t>
+            </a:r>
+            <a:r>
+              <a:rPr lang="ko-KR" altLang="en-US" dirty="0"/>
+              <a:t> -</a:t>
+            </a:r>
+            <a:r>
+              <a:rPr lang="ko-KR" altLang="en-US" dirty="0" err="1"/>
+              <a:t>ld</a:t>
+            </a:r>
+            <a:r>
+              <a:rPr lang="ko-KR" altLang="en-US" dirty="0"/>
+              <a:t> </a:t>
+            </a:r>
+            <a:r>
+              <a:rPr lang="ko-KR" altLang="en-US" dirty="0" err="1"/>
+              <a:t>sub</a:t>
+            </a:r>
+            <a:endParaRPr lang="ko-KR" altLang="en-US" dirty="0"/>
+          </a:p>
+          <a:p>
+            <a:r>
+              <a:rPr lang="ko-KR" altLang="en-US" dirty="0" err="1"/>
+              <a:t>drwxr-xr-x</a:t>
+            </a:r>
+            <a:r>
+              <a:rPr lang="ko-KR" altLang="en-US" dirty="0"/>
+              <a:t> </a:t>
+            </a:r>
+            <a:r>
+              <a:rPr lang="ko-KR" altLang="en-US" dirty="0">
+                <a:solidFill>
+                  <a:srgbClr val="FF0000"/>
+                </a:solidFill>
+              </a:rPr>
+              <a:t>2</a:t>
+            </a:r>
+            <a:r>
+              <a:rPr lang="ko-KR" altLang="en-US" dirty="0"/>
+              <a:t> </a:t>
+            </a:r>
+            <a:r>
+              <a:rPr lang="ko-KR" altLang="en-US" dirty="0" err="1"/>
+              <a:t>root</a:t>
+            </a:r>
+            <a:r>
+              <a:rPr lang="ko-KR" altLang="en-US" dirty="0"/>
+              <a:t> </a:t>
+            </a:r>
+            <a:r>
+              <a:rPr lang="ko-KR" altLang="en-US" dirty="0" err="1"/>
+              <a:t>root</a:t>
+            </a:r>
+            <a:r>
+              <a:rPr lang="ko-KR" altLang="en-US" dirty="0"/>
+              <a:t> 4096  3월 15 16:26 </a:t>
+            </a:r>
+            <a:r>
+              <a:rPr lang="ko-KR" altLang="en-US" dirty="0" err="1"/>
+              <a:t>sub</a:t>
+            </a:r>
+            <a:endParaRPr lang="ko-KR" altLang="en-US" dirty="0"/>
+          </a:p>
+        </p:txBody>
+      </p:sp>
+      <p:sp>
+        <p:nvSpPr>
+          <p:cNvPr id="5" name="직사각형 4">
+            <a:extLst>
+              <a:ext uri="{FF2B5EF4-FFF2-40B4-BE49-F238E27FC236}">
+                <a16:creationId xmlns:a16="http://schemas.microsoft.com/office/drawing/2014/main" id="{F907A5BF-86B6-4CF2-BB6F-8E0F76102849}"/>
+              </a:ext>
+            </a:extLst>
+          </p:cNvPr>
+          <p:cNvSpPr/>
+          <p:nvPr/>
+        </p:nvSpPr>
+        <p:spPr>
+          <a:xfrm>
+            <a:off x="8452888" y="3168509"/>
+            <a:ext cx="1616148" cy="382773"/>
+          </a:xfrm>
+          <a:prstGeom prst="rect">
+            <a:avLst/>
+          </a:prstGeom>
+        </p:spPr>
+        <p:style>
+          <a:lnRef idx="2">
+            <a:schemeClr val="accent1">
+              <a:shade val="50000"/>
+            </a:schemeClr>
+          </a:lnRef>
+          <a:fillRef idx="1">
+            <a:schemeClr val="accent1"/>
+          </a:fillRef>
+          <a:effectRef idx="0">
+            <a:schemeClr val="accent1"/>
+          </a:effectRef>
+          <a:fontRef idx="minor">
+            <a:schemeClr val="lt1"/>
+          </a:fontRef>
+        </p:style>
+        <p:txBody>
+          <a:bodyPr rtlCol="0" anchor="ctr"/>
+          <a:lstStyle/>
+          <a:p>
+            <a:pPr algn="ctr"/>
+            <a:r>
+              <a:rPr lang="en-US" altLang="ko-KR" dirty="0"/>
+              <a:t>413125</a:t>
+            </a:r>
+            <a:endParaRPr lang="ko-KR" altLang="en-US" dirty="0"/>
+          </a:p>
+        </p:txBody>
+      </p:sp>
+      <p:sp>
+        <p:nvSpPr>
+          <p:cNvPr id="6" name="직사각형 5">
+            <a:extLst>
+              <a:ext uri="{FF2B5EF4-FFF2-40B4-BE49-F238E27FC236}">
+                <a16:creationId xmlns:a16="http://schemas.microsoft.com/office/drawing/2014/main" id="{53CC5195-48CD-4FE8-ACE6-9315C33D024B}"/>
+              </a:ext>
+            </a:extLst>
+          </p:cNvPr>
+          <p:cNvSpPr/>
+          <p:nvPr/>
+        </p:nvSpPr>
+        <p:spPr>
+          <a:xfrm>
+            <a:off x="8452888" y="3551282"/>
+            <a:ext cx="1616148" cy="382773"/>
+          </a:xfrm>
+          <a:prstGeom prst="rect">
+            <a:avLst/>
+          </a:prstGeom>
+        </p:spPr>
+        <p:style>
+          <a:lnRef idx="2">
+            <a:schemeClr val="accent1">
+              <a:shade val="50000"/>
+            </a:schemeClr>
+          </a:lnRef>
+          <a:fillRef idx="1">
+            <a:schemeClr val="accent1"/>
+          </a:fillRef>
+          <a:effectRef idx="0">
+            <a:schemeClr val="accent1"/>
+          </a:effectRef>
+          <a:fontRef idx="minor">
+            <a:schemeClr val="lt1"/>
+          </a:fontRef>
+        </p:style>
+        <p:txBody>
+          <a:bodyPr rtlCol="0" anchor="ctr"/>
+          <a:lstStyle/>
+          <a:p>
+            <a:pPr algn="ctr"/>
+            <a:r>
+              <a:rPr lang="en-US" altLang="ko-KR" dirty="0"/>
+              <a:t>-</a:t>
+            </a:r>
+            <a:r>
+              <a:rPr lang="en-US" altLang="ko-KR" dirty="0" err="1"/>
+              <a:t>rw</a:t>
+            </a:r>
+            <a:r>
+              <a:rPr lang="en-US" altLang="ko-KR" dirty="0"/>
+              <a:t>-r--r--</a:t>
+            </a:r>
+            <a:endParaRPr lang="ko-KR" altLang="en-US" dirty="0"/>
+          </a:p>
+        </p:txBody>
+      </p:sp>
+      <p:sp>
+        <p:nvSpPr>
+          <p:cNvPr id="7" name="직사각형 6">
+            <a:extLst>
+              <a:ext uri="{FF2B5EF4-FFF2-40B4-BE49-F238E27FC236}">
+                <a16:creationId xmlns:a16="http://schemas.microsoft.com/office/drawing/2014/main" id="{EDF0B07D-DE17-4AB5-BAA6-C7A968FBF5E6}"/>
+              </a:ext>
+            </a:extLst>
+          </p:cNvPr>
+          <p:cNvSpPr/>
+          <p:nvPr/>
+        </p:nvSpPr>
+        <p:spPr>
+          <a:xfrm>
+            <a:off x="8452888" y="3934055"/>
+            <a:ext cx="1616148" cy="382773"/>
+          </a:xfrm>
+          <a:prstGeom prst="rect">
+            <a:avLst/>
+          </a:prstGeom>
+        </p:spPr>
+        <p:style>
+          <a:lnRef idx="2">
+            <a:schemeClr val="accent1">
+              <a:shade val="50000"/>
+            </a:schemeClr>
+          </a:lnRef>
+          <a:fillRef idx="1">
+            <a:schemeClr val="accent1"/>
+          </a:fillRef>
+          <a:effectRef idx="0">
+            <a:schemeClr val="accent1"/>
+          </a:effectRef>
+          <a:fontRef idx="minor">
+            <a:schemeClr val="lt1"/>
+          </a:fontRef>
+        </p:style>
+        <p:txBody>
+          <a:bodyPr rtlCol="0" anchor="ctr"/>
+          <a:lstStyle/>
+          <a:p>
+            <a:pPr algn="ctr"/>
+            <a:r>
+              <a:rPr lang="en-US" altLang="ko-KR" dirty="0"/>
+              <a:t>2</a:t>
+            </a:r>
+            <a:endParaRPr lang="ko-KR" altLang="en-US" dirty="0"/>
+          </a:p>
+        </p:txBody>
+      </p:sp>
+      <p:sp>
+        <p:nvSpPr>
+          <p:cNvPr id="8" name="직사각형 7">
+            <a:extLst>
+              <a:ext uri="{FF2B5EF4-FFF2-40B4-BE49-F238E27FC236}">
+                <a16:creationId xmlns:a16="http://schemas.microsoft.com/office/drawing/2014/main" id="{87325934-1DBE-4CB6-9D37-567E67E22CC3}"/>
+              </a:ext>
+            </a:extLst>
+          </p:cNvPr>
+          <p:cNvSpPr/>
+          <p:nvPr/>
+        </p:nvSpPr>
+        <p:spPr>
+          <a:xfrm>
+            <a:off x="8452888" y="4316828"/>
+            <a:ext cx="1616148" cy="382773"/>
+          </a:xfrm>
+          <a:prstGeom prst="rect">
+            <a:avLst/>
+          </a:prstGeom>
+        </p:spPr>
+        <p:style>
+          <a:lnRef idx="2">
+            <a:schemeClr val="accent1">
+              <a:shade val="50000"/>
+            </a:schemeClr>
+          </a:lnRef>
+          <a:fillRef idx="1">
+            <a:schemeClr val="accent1"/>
+          </a:fillRef>
+          <a:effectRef idx="0">
+            <a:schemeClr val="accent1"/>
+          </a:effectRef>
+          <a:fontRef idx="minor">
+            <a:schemeClr val="lt1"/>
+          </a:fontRef>
+        </p:style>
+        <p:txBody>
+          <a:bodyPr rtlCol="0" anchor="ctr"/>
+          <a:lstStyle/>
+          <a:p>
+            <a:pPr algn="ctr"/>
+            <a:r>
+              <a:rPr lang="en-US" altLang="ko-KR" dirty="0"/>
+              <a:t>root</a:t>
+            </a:r>
+            <a:endParaRPr lang="ko-KR" altLang="en-US" dirty="0"/>
+          </a:p>
+        </p:txBody>
+      </p:sp>
+      <p:sp>
+        <p:nvSpPr>
+          <p:cNvPr id="9" name="직사각형 8">
+            <a:extLst>
+              <a:ext uri="{FF2B5EF4-FFF2-40B4-BE49-F238E27FC236}">
+                <a16:creationId xmlns:a16="http://schemas.microsoft.com/office/drawing/2014/main" id="{34381AB4-0E25-4F49-B619-4AAD3A3249A0}"/>
+              </a:ext>
+            </a:extLst>
+          </p:cNvPr>
+          <p:cNvSpPr/>
+          <p:nvPr/>
+        </p:nvSpPr>
+        <p:spPr>
+          <a:xfrm>
+            <a:off x="8452888" y="4699601"/>
+            <a:ext cx="1616148" cy="382773"/>
+          </a:xfrm>
+          <a:prstGeom prst="rect">
+            <a:avLst/>
+          </a:prstGeom>
+        </p:spPr>
+        <p:style>
+          <a:lnRef idx="2">
+            <a:schemeClr val="accent1">
+              <a:shade val="50000"/>
+            </a:schemeClr>
+          </a:lnRef>
+          <a:fillRef idx="1">
+            <a:schemeClr val="accent1"/>
+          </a:fillRef>
+          <a:effectRef idx="0">
+            <a:schemeClr val="accent1"/>
+          </a:effectRef>
+          <a:fontRef idx="minor">
+            <a:schemeClr val="lt1"/>
+          </a:fontRef>
+        </p:style>
+        <p:txBody>
+          <a:bodyPr rtlCol="0" anchor="ctr"/>
+          <a:lstStyle/>
+          <a:p>
+            <a:pPr algn="ctr"/>
+            <a:r>
+              <a:rPr lang="en-US" altLang="ko-KR" dirty="0"/>
+              <a:t>root</a:t>
+            </a:r>
+            <a:endParaRPr lang="ko-KR" altLang="en-US" dirty="0"/>
+          </a:p>
+        </p:txBody>
+      </p:sp>
+      <p:sp>
+        <p:nvSpPr>
+          <p:cNvPr id="10" name="직사각형 9">
+            <a:extLst>
+              <a:ext uri="{FF2B5EF4-FFF2-40B4-BE49-F238E27FC236}">
+                <a16:creationId xmlns:a16="http://schemas.microsoft.com/office/drawing/2014/main" id="{FCEA5C8B-88B5-469A-B07E-525616E3931B}"/>
+              </a:ext>
+            </a:extLst>
+          </p:cNvPr>
+          <p:cNvSpPr/>
+          <p:nvPr/>
+        </p:nvSpPr>
+        <p:spPr>
+          <a:xfrm>
+            <a:off x="8452888" y="5082374"/>
+            <a:ext cx="1616148" cy="382773"/>
+          </a:xfrm>
+          <a:prstGeom prst="rect">
+            <a:avLst/>
+          </a:prstGeom>
+        </p:spPr>
+        <p:style>
+          <a:lnRef idx="2">
+            <a:schemeClr val="accent1">
+              <a:shade val="50000"/>
+            </a:schemeClr>
+          </a:lnRef>
+          <a:fillRef idx="1">
+            <a:schemeClr val="accent1"/>
+          </a:fillRef>
+          <a:effectRef idx="0">
+            <a:schemeClr val="accent1"/>
+          </a:effectRef>
+          <a:fontRef idx="minor">
+            <a:schemeClr val="lt1"/>
+          </a:fontRef>
+        </p:style>
+        <p:txBody>
+          <a:bodyPr rtlCol="0" anchor="ctr"/>
+          <a:lstStyle/>
+          <a:p>
+            <a:pPr algn="ctr"/>
+            <a:r>
+              <a:rPr lang="en-US" altLang="ko-KR" dirty="0"/>
+              <a:t>6</a:t>
+            </a:r>
+            <a:endParaRPr lang="ko-KR" altLang="en-US" dirty="0"/>
+          </a:p>
+        </p:txBody>
+      </p:sp>
+      <p:sp>
+        <p:nvSpPr>
+          <p:cNvPr id="11" name="직사각형 10">
+            <a:extLst>
+              <a:ext uri="{FF2B5EF4-FFF2-40B4-BE49-F238E27FC236}">
+                <a16:creationId xmlns:a16="http://schemas.microsoft.com/office/drawing/2014/main" id="{261A0C80-E4CC-42E0-9619-3CB4A35ED1DF}"/>
+              </a:ext>
+            </a:extLst>
+          </p:cNvPr>
+          <p:cNvSpPr/>
+          <p:nvPr/>
+        </p:nvSpPr>
+        <p:spPr>
+          <a:xfrm>
+            <a:off x="8452888" y="5465147"/>
+            <a:ext cx="1616148" cy="382773"/>
+          </a:xfrm>
+          <a:prstGeom prst="rect">
+            <a:avLst/>
+          </a:prstGeom>
+        </p:spPr>
+        <p:style>
+          <a:lnRef idx="2">
+            <a:schemeClr val="accent1">
+              <a:shade val="50000"/>
+            </a:schemeClr>
+          </a:lnRef>
+          <a:fillRef idx="1">
+            <a:schemeClr val="accent1"/>
+          </a:fillRef>
+          <a:effectRef idx="0">
+            <a:schemeClr val="accent1"/>
+          </a:effectRef>
+          <a:fontRef idx="minor">
+            <a:schemeClr val="lt1"/>
+          </a:fontRef>
+        </p:style>
+        <p:txBody>
+          <a:bodyPr rtlCol="0" anchor="ctr"/>
+          <a:lstStyle/>
+          <a:p>
+            <a:pPr algn="ctr"/>
+            <a:r>
+              <a:rPr lang="en-US" altLang="ko-KR" sz="1600" dirty="0"/>
+              <a:t>3</a:t>
+            </a:r>
+            <a:r>
+              <a:rPr lang="ko-KR" altLang="en-US" sz="1600" dirty="0"/>
+              <a:t>월 </a:t>
+            </a:r>
+            <a:r>
+              <a:rPr lang="en-US" altLang="ko-KR" sz="1600" dirty="0"/>
+              <a:t>15 16:04</a:t>
+            </a:r>
+            <a:endParaRPr lang="ko-KR" altLang="en-US" sz="1600" dirty="0"/>
+          </a:p>
+        </p:txBody>
+      </p:sp>
+      <p:sp>
+        <p:nvSpPr>
+          <p:cNvPr id="12" name="직사각형 11">
+            <a:extLst>
+              <a:ext uri="{FF2B5EF4-FFF2-40B4-BE49-F238E27FC236}">
+                <a16:creationId xmlns:a16="http://schemas.microsoft.com/office/drawing/2014/main" id="{396A4EAE-FEC0-4165-9518-07E496FFD2B5}"/>
+              </a:ext>
+            </a:extLst>
+          </p:cNvPr>
+          <p:cNvSpPr/>
+          <p:nvPr/>
+        </p:nvSpPr>
+        <p:spPr>
+          <a:xfrm>
+            <a:off x="8452888" y="5847920"/>
+            <a:ext cx="1616148" cy="382773"/>
+          </a:xfrm>
+          <a:prstGeom prst="rect">
+            <a:avLst/>
+          </a:prstGeom>
+        </p:spPr>
+        <p:style>
+          <a:lnRef idx="2">
+            <a:schemeClr val="accent1">
+              <a:shade val="50000"/>
+            </a:schemeClr>
+          </a:lnRef>
+          <a:fillRef idx="1">
+            <a:schemeClr val="accent1"/>
+          </a:fillRef>
+          <a:effectRef idx="0">
+            <a:schemeClr val="accent1"/>
+          </a:effectRef>
+          <a:fontRef idx="minor">
+            <a:schemeClr val="lt1"/>
+          </a:fontRef>
+        </p:style>
+        <p:txBody>
+          <a:bodyPr rtlCol="0" anchor="ctr"/>
+          <a:lstStyle/>
+          <a:p>
+            <a:pPr algn="ctr"/>
+            <a:endParaRPr lang="ko-KR" altLang="en-US" sz="1600" dirty="0"/>
+          </a:p>
+        </p:txBody>
+      </p:sp>
+      <p:sp>
+        <p:nvSpPr>
+          <p:cNvPr id="16" name="TextBox 15">
+            <a:extLst>
+              <a:ext uri="{FF2B5EF4-FFF2-40B4-BE49-F238E27FC236}">
+                <a16:creationId xmlns:a16="http://schemas.microsoft.com/office/drawing/2014/main" id="{67917D89-A927-4081-AC74-84F6771A1482}"/>
               </a:ext>
             </a:extLst>
           </p:cNvPr>
@@ -7763,8 +8421,8 @@
         </p:nvSpPr>
         <p:spPr>
           <a:xfrm>
-            <a:off x="361507" y="383681"/>
-            <a:ext cx="10877107" cy="923330"/>
+            <a:off x="8516686" y="2794964"/>
+            <a:ext cx="1414129" cy="369332"/>
           </a:xfrm>
           <a:prstGeom prst="rect">
             <a:avLst/>
@@ -7777,86 +8435,10 @@
           </a:bodyPr>
           <a:lstStyle/>
           <a:p>
-            <a:r>
-              <a:rPr lang="en-US" altLang="ko-KR" dirty="0"/>
-              <a:t>// mv</a:t>
-            </a:r>
-            <a:r>
-              <a:rPr lang="ko-KR" altLang="en-US" dirty="0"/>
-              <a:t>의 구현이 아래와 같다면 무겁다</a:t>
-            </a:r>
-            <a:r>
-              <a:rPr lang="en-US" altLang="ko-KR" dirty="0"/>
-              <a:t>.</a:t>
-            </a:r>
-          </a:p>
-          <a:p>
-            <a:r>
-              <a:rPr lang="en-US" altLang="ko-KR" dirty="0"/>
-              <a:t># ln</a:t>
-            </a:r>
-            <a:r>
-              <a:rPr lang="ko-KR" altLang="en-US" dirty="0"/>
-              <a:t> </a:t>
-            </a:r>
+            <a:pPr algn="ctr"/>
             <a:r>
               <a:rPr lang="en-US" altLang="ko-KR" dirty="0" err="1"/>
-              <a:t>aaa</a:t>
-            </a:r>
-            <a:r>
-              <a:rPr lang="ko-KR" altLang="en-US" dirty="0"/>
-              <a:t> </a:t>
-            </a:r>
-            <a:r>
-              <a:rPr lang="en-US" altLang="ko-KR" dirty="0" err="1"/>
-              <a:t>bbb</a:t>
-            </a:r>
-            <a:r>
-              <a:rPr lang="ko-KR" altLang="en-US" dirty="0"/>
-              <a:t>   </a:t>
-            </a:r>
-            <a:r>
-              <a:rPr lang="en-US" altLang="ko-KR" dirty="0"/>
-              <a:t>// link </a:t>
-            </a:r>
-            <a:r>
-              <a:rPr lang="ko-KR" altLang="en-US" dirty="0"/>
-              <a:t>후 삭제하면 가볍게 구현 가능</a:t>
-            </a:r>
-            <a:endParaRPr lang="en-US" altLang="ko-KR" dirty="0"/>
-          </a:p>
-          <a:p>
-            <a:r>
-              <a:rPr lang="en-US" altLang="ko-KR" dirty="0"/>
-              <a:t># </a:t>
-            </a:r>
-            <a:r>
-              <a:rPr lang="en-US" altLang="ko-KR" dirty="0" err="1"/>
-              <a:t>rm</a:t>
-            </a:r>
-            <a:r>
-              <a:rPr lang="ko-KR" altLang="en-US" dirty="0"/>
-              <a:t> </a:t>
-            </a:r>
-            <a:r>
-              <a:rPr lang="en-US" altLang="ko-KR" dirty="0" err="1"/>
-              <a:t>aaa</a:t>
-            </a:r>
-            <a:r>
-              <a:rPr lang="ko-KR" altLang="en-US" dirty="0"/>
-              <a:t>       </a:t>
-            </a:r>
-            <a:r>
-              <a:rPr lang="en-US" altLang="ko-KR" dirty="0"/>
-              <a:t>//</a:t>
-            </a:r>
-            <a:r>
-              <a:rPr lang="ko-KR" altLang="en-US" dirty="0"/>
-              <a:t> </a:t>
-            </a:r>
-            <a:r>
-              <a:rPr lang="en-US" altLang="ko-KR" dirty="0"/>
-              <a:t>unlink();</a:t>
+              <a:t>inode</a:t>
             </a:r>
             <a:endParaRPr lang="ko-KR" altLang="en-US" dirty="0"/>
           </a:p>
@@ -7864,10 +8446,10 @@
       </p:sp>
       <p:sp>
         <p:nvSpPr>
-          <p:cNvPr id="5" name="직사각형 4">
-            <a:extLst>
-              <a:ext uri="{FF2B5EF4-FFF2-40B4-BE49-F238E27FC236}">
-                <a16:creationId xmlns:a16="http://schemas.microsoft.com/office/drawing/2014/main" id="{9584E1EB-1CC2-47B9-AB4C-B3A350A056E1}"/>
+          <p:cNvPr id="18" name="직사각형 17">
+            <a:extLst>
+              <a:ext uri="{FF2B5EF4-FFF2-40B4-BE49-F238E27FC236}">
+                <a16:creationId xmlns:a16="http://schemas.microsoft.com/office/drawing/2014/main" id="{5928C858-71F1-4E21-AC7D-D9B7F49F7023}"/>
               </a:ext>
             </a:extLst>
           </p:cNvPr>
@@ -7876,7 +8458,7 @@
         </p:nvSpPr>
         <p:spPr>
           <a:xfrm>
-            <a:off x="6166885" y="2254108"/>
+            <a:off x="5996767" y="3284902"/>
             <a:ext cx="1616148" cy="382773"/>
           </a:xfrm>
           <a:prstGeom prst="rect">
@@ -7905,8 +8487,88 @@
           <a:p>
             <a:pPr algn="ctr"/>
             <a:r>
-              <a:rPr lang="en-US" altLang="ko-KR" dirty="0"/>
-              <a:t>413127</a:t>
+              <a:rPr lang="en-US" altLang="ko-KR" sz="1600" dirty="0"/>
+              <a:t>sub</a:t>
+            </a:r>
+            <a:endParaRPr lang="ko-KR" altLang="en-US" sz="1600" dirty="0"/>
+          </a:p>
+        </p:txBody>
+      </p:sp>
+      <p:cxnSp>
+        <p:nvCxnSpPr>
+          <p:cNvPr id="19" name="직선 화살표 연결선 18">
+            <a:extLst>
+              <a:ext uri="{FF2B5EF4-FFF2-40B4-BE49-F238E27FC236}">
+                <a16:creationId xmlns:a16="http://schemas.microsoft.com/office/drawing/2014/main" id="{58947260-F9AB-428B-B1D8-FD1623727414}"/>
+              </a:ext>
+            </a:extLst>
+          </p:cNvPr>
+          <p:cNvCxnSpPr>
+            <a:cxnSpLocks/>
+            <a:stCxn id="18" idx="3"/>
+            <a:endCxn id="5" idx="1"/>
+          </p:cNvCxnSpPr>
+          <p:nvPr/>
+        </p:nvCxnSpPr>
+        <p:spPr>
+          <a:xfrm flipV="1">
+            <a:off x="7612915" y="3359896"/>
+            <a:ext cx="839973" cy="116393"/>
+          </a:xfrm>
+          <a:prstGeom prst="straightConnector1">
+            <a:avLst/>
+          </a:prstGeom>
+          <a:ln>
+            <a:tailEnd type="triangle"/>
+          </a:ln>
+        </p:spPr>
+        <p:style>
+          <a:lnRef idx="2">
+            <a:schemeClr val="dk1"/>
+          </a:lnRef>
+          <a:fillRef idx="0">
+            <a:schemeClr val="dk1"/>
+          </a:fillRef>
+          <a:effectRef idx="1">
+            <a:schemeClr val="dk1"/>
+          </a:effectRef>
+          <a:fontRef idx="minor">
+            <a:schemeClr val="tx1"/>
+          </a:fontRef>
+        </p:style>
+      </p:cxnSp>
+      <p:sp>
+        <p:nvSpPr>
+          <p:cNvPr id="20" name="TextBox 19">
+            <a:extLst>
+              <a:ext uri="{FF2B5EF4-FFF2-40B4-BE49-F238E27FC236}">
+                <a16:creationId xmlns:a16="http://schemas.microsoft.com/office/drawing/2014/main" id="{A2B7798E-8603-4493-BE3C-A8C4447FD480}"/>
+              </a:ext>
+            </a:extLst>
+          </p:cNvPr>
+          <p:cNvSpPr txBox="1"/>
+          <p:nvPr/>
+        </p:nvSpPr>
+        <p:spPr>
+          <a:xfrm>
+            <a:off x="5996767" y="2946057"/>
+            <a:ext cx="1414129" cy="369332"/>
+          </a:xfrm>
+          <a:prstGeom prst="rect">
+            <a:avLst/>
+          </a:prstGeom>
+          <a:noFill/>
+        </p:spPr>
+        <p:txBody>
+          <a:bodyPr wrap="square" rtlCol="0">
+            <a:spAutoFit/>
+          </a:bodyPr>
+          <a:lstStyle/>
+          <a:p>
+            <a:pPr algn="ctr"/>
+            <a:r>
+              <a:rPr lang="en-US" altLang="ko-KR" dirty="0" err="1"/>
+              <a:t>dentry</a:t>
             </a:r>
             <a:endParaRPr lang="ko-KR" altLang="en-US" dirty="0"/>
           </a:p>
@@ -7914,10 +8576,46 @@
       </p:sp>
       <p:sp>
         <p:nvSpPr>
-          <p:cNvPr id="6" name="직사각형 5">
-            <a:extLst>
-              <a:ext uri="{FF2B5EF4-FFF2-40B4-BE49-F238E27FC236}">
-                <a16:creationId xmlns:a16="http://schemas.microsoft.com/office/drawing/2014/main" id="{13587532-E396-4088-975D-5FCE09B77F10}"/>
+          <p:cNvPr id="22" name="TextBox 21">
+            <a:extLst>
+              <a:ext uri="{FF2B5EF4-FFF2-40B4-BE49-F238E27FC236}">
+                <a16:creationId xmlns:a16="http://schemas.microsoft.com/office/drawing/2014/main" id="{07611116-2B51-4CC3-ADBB-6FDEEA67989E}"/>
+              </a:ext>
+            </a:extLst>
+          </p:cNvPr>
+          <p:cNvSpPr txBox="1"/>
+          <p:nvPr/>
+        </p:nvSpPr>
+        <p:spPr>
+          <a:xfrm>
+            <a:off x="10069036" y="3959059"/>
+            <a:ext cx="1116418" cy="369332"/>
+          </a:xfrm>
+          <a:prstGeom prst="rect">
+            <a:avLst/>
+          </a:prstGeom>
+          <a:noFill/>
+        </p:spPr>
+        <p:txBody>
+          <a:bodyPr wrap="square" rtlCol="0">
+            <a:spAutoFit/>
+          </a:bodyPr>
+          <a:lstStyle/>
+          <a:p>
+            <a:r>
+              <a:rPr lang="en-US" altLang="ko-KR" dirty="0" err="1"/>
+              <a:t>nlink</a:t>
+            </a:r>
+            <a:endParaRPr lang="ko-KR" altLang="en-US" dirty="0"/>
+          </a:p>
+        </p:txBody>
+      </p:sp>
+      <p:sp>
+        <p:nvSpPr>
+          <p:cNvPr id="26" name="직사각형 25">
+            <a:extLst>
+              <a:ext uri="{FF2B5EF4-FFF2-40B4-BE49-F238E27FC236}">
+                <a16:creationId xmlns:a16="http://schemas.microsoft.com/office/drawing/2014/main" id="{87B18D6A-87CF-43B7-BAAC-7CCD3E5D8868}"/>
               </a:ext>
             </a:extLst>
           </p:cNvPr>
@@ -7926,7 +8624,7 @@
         </p:nvSpPr>
         <p:spPr>
           <a:xfrm>
-            <a:off x="6166885" y="2636881"/>
+            <a:off x="5996767" y="4263107"/>
             <a:ext cx="1616148" cy="382773"/>
           </a:xfrm>
           <a:prstGeom prst="rect">
@@ -7955,274 +8653,8 @@
           <a:p>
             <a:pPr algn="ctr"/>
             <a:r>
-              <a:rPr lang="en-US" altLang="ko-KR" dirty="0"/>
-              <a:t>-</a:t>
-            </a:r>
-            <a:r>
-              <a:rPr lang="en-US" altLang="ko-KR" dirty="0" err="1"/>
-              <a:t>rw</a:t>
-            </a:r>
-            <a:r>
-              <a:rPr lang="en-US" altLang="ko-KR" dirty="0"/>
-              <a:t>-r--r--</a:t>
-            </a:r>
-            <a:endParaRPr lang="ko-KR" altLang="en-US" dirty="0"/>
-          </a:p>
-        </p:txBody>
-      </p:sp>
-      <p:sp>
-        <p:nvSpPr>
-          <p:cNvPr id="7" name="직사각형 6">
-            <a:extLst>
-              <a:ext uri="{FF2B5EF4-FFF2-40B4-BE49-F238E27FC236}">
-                <a16:creationId xmlns:a16="http://schemas.microsoft.com/office/drawing/2014/main" id="{0A19F9F6-6E3F-4C64-A504-E7C00619913E}"/>
-              </a:ext>
-            </a:extLst>
-          </p:cNvPr>
-          <p:cNvSpPr/>
-          <p:nvPr/>
-        </p:nvSpPr>
-        <p:spPr>
-          <a:xfrm>
-            <a:off x="6166885" y="3019654"/>
-            <a:ext cx="1616148" cy="382773"/>
-          </a:xfrm>
-          <a:prstGeom prst="rect">
-            <a:avLst/>
-          </a:prstGeom>
-        </p:spPr>
-        <p:style>
-          <a:lnRef idx="2">
-            <a:schemeClr val="accent1">
-              <a:shade val="50000"/>
-            </a:schemeClr>
-          </a:lnRef>
-          <a:fillRef idx="1">
-            <a:schemeClr val="accent1"/>
-          </a:fillRef>
-          <a:effectRef idx="0">
-            <a:schemeClr val="accent1"/>
-          </a:effectRef>
-          <a:fontRef idx="minor">
-            <a:schemeClr val="lt1"/>
-          </a:fontRef>
-        </p:style>
-        <p:txBody>
-          <a:bodyPr rtlCol="0" anchor="ctr"/>
-          <a:lstStyle/>
-          <a:p>
-            <a:pPr algn="ctr"/>
-            <a:r>
-              <a:rPr lang="en-US" altLang="ko-KR" dirty="0"/>
-              <a:t>1</a:t>
-            </a:r>
-            <a:endParaRPr lang="ko-KR" altLang="en-US" dirty="0"/>
-          </a:p>
-        </p:txBody>
-      </p:sp>
-      <p:sp>
-        <p:nvSpPr>
-          <p:cNvPr id="8" name="직사각형 7">
-            <a:extLst>
-              <a:ext uri="{FF2B5EF4-FFF2-40B4-BE49-F238E27FC236}">
-                <a16:creationId xmlns:a16="http://schemas.microsoft.com/office/drawing/2014/main" id="{CECFAF09-1813-433B-B576-A19A88D63F27}"/>
-              </a:ext>
-            </a:extLst>
-          </p:cNvPr>
-          <p:cNvSpPr/>
-          <p:nvPr/>
-        </p:nvSpPr>
-        <p:spPr>
-          <a:xfrm>
-            <a:off x="6166885" y="3402427"/>
-            <a:ext cx="1616148" cy="382773"/>
-          </a:xfrm>
-          <a:prstGeom prst="rect">
-            <a:avLst/>
-          </a:prstGeom>
-        </p:spPr>
-        <p:style>
-          <a:lnRef idx="2">
-            <a:schemeClr val="accent1">
-              <a:shade val="50000"/>
-            </a:schemeClr>
-          </a:lnRef>
-          <a:fillRef idx="1">
-            <a:schemeClr val="accent1"/>
-          </a:fillRef>
-          <a:effectRef idx="0">
-            <a:schemeClr val="accent1"/>
-          </a:effectRef>
-          <a:fontRef idx="minor">
-            <a:schemeClr val="lt1"/>
-          </a:fontRef>
-        </p:style>
-        <p:txBody>
-          <a:bodyPr rtlCol="0" anchor="ctr"/>
-          <a:lstStyle/>
-          <a:p>
-            <a:pPr algn="ctr"/>
-            <a:r>
-              <a:rPr lang="en-US" altLang="ko-KR" dirty="0"/>
-              <a:t>root</a:t>
-            </a:r>
-            <a:endParaRPr lang="ko-KR" altLang="en-US" dirty="0"/>
-          </a:p>
-        </p:txBody>
-      </p:sp>
-      <p:sp>
-        <p:nvSpPr>
-          <p:cNvPr id="9" name="직사각형 8">
-            <a:extLst>
-              <a:ext uri="{FF2B5EF4-FFF2-40B4-BE49-F238E27FC236}">
-                <a16:creationId xmlns:a16="http://schemas.microsoft.com/office/drawing/2014/main" id="{CE502A39-F31E-48AE-9EDA-DF804DE1E1DF}"/>
-              </a:ext>
-            </a:extLst>
-          </p:cNvPr>
-          <p:cNvSpPr/>
-          <p:nvPr/>
-        </p:nvSpPr>
-        <p:spPr>
-          <a:xfrm>
-            <a:off x="6166885" y="3785200"/>
-            <a:ext cx="1616148" cy="382773"/>
-          </a:xfrm>
-          <a:prstGeom prst="rect">
-            <a:avLst/>
-          </a:prstGeom>
-        </p:spPr>
-        <p:style>
-          <a:lnRef idx="2">
-            <a:schemeClr val="accent1">
-              <a:shade val="50000"/>
-            </a:schemeClr>
-          </a:lnRef>
-          <a:fillRef idx="1">
-            <a:schemeClr val="accent1"/>
-          </a:fillRef>
-          <a:effectRef idx="0">
-            <a:schemeClr val="accent1"/>
-          </a:effectRef>
-          <a:fontRef idx="minor">
-            <a:schemeClr val="lt1"/>
-          </a:fontRef>
-        </p:style>
-        <p:txBody>
-          <a:bodyPr rtlCol="0" anchor="ctr"/>
-          <a:lstStyle/>
-          <a:p>
-            <a:pPr algn="ctr"/>
-            <a:r>
-              <a:rPr lang="en-US" altLang="ko-KR" dirty="0"/>
-              <a:t>root</a:t>
-            </a:r>
-            <a:endParaRPr lang="ko-KR" altLang="en-US" dirty="0"/>
-          </a:p>
-        </p:txBody>
-      </p:sp>
-      <p:sp>
-        <p:nvSpPr>
-          <p:cNvPr id="10" name="직사각형 9">
-            <a:extLst>
-              <a:ext uri="{FF2B5EF4-FFF2-40B4-BE49-F238E27FC236}">
-                <a16:creationId xmlns:a16="http://schemas.microsoft.com/office/drawing/2014/main" id="{4AE5E71A-D1AB-45D3-9A98-BBB60E8972E0}"/>
-              </a:ext>
-            </a:extLst>
-          </p:cNvPr>
-          <p:cNvSpPr/>
-          <p:nvPr/>
-        </p:nvSpPr>
-        <p:spPr>
-          <a:xfrm>
-            <a:off x="6166885" y="4167973"/>
-            <a:ext cx="1616148" cy="382773"/>
-          </a:xfrm>
-          <a:prstGeom prst="rect">
-            <a:avLst/>
-          </a:prstGeom>
-        </p:spPr>
-        <p:style>
-          <a:lnRef idx="2">
-            <a:schemeClr val="accent1">
-              <a:shade val="50000"/>
-            </a:schemeClr>
-          </a:lnRef>
-          <a:fillRef idx="1">
-            <a:schemeClr val="accent1"/>
-          </a:fillRef>
-          <a:effectRef idx="0">
-            <a:schemeClr val="accent1"/>
-          </a:effectRef>
-          <a:fontRef idx="minor">
-            <a:schemeClr val="lt1"/>
-          </a:fontRef>
-        </p:style>
-        <p:txBody>
-          <a:bodyPr rtlCol="0" anchor="ctr"/>
-          <a:lstStyle/>
-          <a:p>
-            <a:pPr algn="ctr"/>
-            <a:r>
-              <a:rPr lang="en-US" altLang="ko-KR" dirty="0"/>
-              <a:t>6</a:t>
-            </a:r>
-            <a:endParaRPr lang="ko-KR" altLang="en-US" dirty="0"/>
-          </a:p>
-        </p:txBody>
-      </p:sp>
-      <p:sp>
-        <p:nvSpPr>
-          <p:cNvPr id="11" name="직사각형 10">
-            <a:extLst>
-              <a:ext uri="{FF2B5EF4-FFF2-40B4-BE49-F238E27FC236}">
-                <a16:creationId xmlns:a16="http://schemas.microsoft.com/office/drawing/2014/main" id="{BEE80CAD-4EE7-4A1B-AAE2-39AECED6691A}"/>
-              </a:ext>
-            </a:extLst>
-          </p:cNvPr>
-          <p:cNvSpPr/>
-          <p:nvPr/>
-        </p:nvSpPr>
-        <p:spPr>
-          <a:xfrm>
-            <a:off x="6166885" y="4550746"/>
-            <a:ext cx="1616148" cy="382773"/>
-          </a:xfrm>
-          <a:prstGeom prst="rect">
-            <a:avLst/>
-          </a:prstGeom>
-        </p:spPr>
-        <p:style>
-          <a:lnRef idx="2">
-            <a:schemeClr val="accent1">
-              <a:shade val="50000"/>
-            </a:schemeClr>
-          </a:lnRef>
-          <a:fillRef idx="1">
-            <a:schemeClr val="accent1"/>
-          </a:fillRef>
-          <a:effectRef idx="0">
-            <a:schemeClr val="accent1"/>
-          </a:effectRef>
-          <a:fontRef idx="minor">
-            <a:schemeClr val="lt1"/>
-          </a:fontRef>
-        </p:style>
-        <p:txBody>
-          <a:bodyPr rtlCol="0" anchor="ctr"/>
-          <a:lstStyle/>
-          <a:p>
-            <a:pPr algn="ctr"/>
-            <a:r>
               <a:rPr lang="en-US" altLang="ko-KR" sz="1600" dirty="0"/>
-              <a:t>3</a:t>
-            </a:r>
-            <a:r>
-              <a:rPr lang="ko-KR" altLang="en-US" sz="1600" dirty="0"/>
-              <a:t>월 </a:t>
-            </a:r>
-            <a:r>
-              <a:rPr lang="en-US" altLang="ko-KR" sz="1600" dirty="0"/>
-              <a:t>15 16:04</a:t>
+              <a:t>.</a:t>
             </a:r>
             <a:endParaRPr lang="ko-KR" altLang="en-US" sz="1600" dirty="0"/>
           </a:p>
@@ -8230,156 +8662,10 @@
       </p:sp>
       <p:sp>
         <p:nvSpPr>
-          <p:cNvPr id="13" name="직사각형 12">
-            <a:extLst>
-              <a:ext uri="{FF2B5EF4-FFF2-40B4-BE49-F238E27FC236}">
-                <a16:creationId xmlns:a16="http://schemas.microsoft.com/office/drawing/2014/main" id="{575F3269-4A78-44E5-867C-9891E4D6E804}"/>
-              </a:ext>
-            </a:extLst>
-          </p:cNvPr>
-          <p:cNvSpPr/>
-          <p:nvPr/>
-        </p:nvSpPr>
-        <p:spPr>
-          <a:xfrm>
-            <a:off x="6166885" y="4933519"/>
-            <a:ext cx="1616148" cy="382773"/>
-          </a:xfrm>
-          <a:prstGeom prst="rect">
-            <a:avLst/>
-          </a:prstGeom>
-        </p:spPr>
-        <p:style>
-          <a:lnRef idx="2">
-            <a:schemeClr val="accent1">
-              <a:shade val="50000"/>
-            </a:schemeClr>
-          </a:lnRef>
-          <a:fillRef idx="1">
-            <a:schemeClr val="accent1"/>
-          </a:fillRef>
-          <a:effectRef idx="0">
-            <a:schemeClr val="accent1"/>
-          </a:effectRef>
-          <a:fontRef idx="minor">
-            <a:schemeClr val="lt1"/>
-          </a:fontRef>
-        </p:style>
-        <p:txBody>
-          <a:bodyPr rtlCol="0" anchor="ctr"/>
-          <a:lstStyle/>
-          <a:p>
-            <a:pPr algn="ctr"/>
-            <a:endParaRPr lang="ko-KR" altLang="en-US" sz="1600" dirty="0"/>
-          </a:p>
-        </p:txBody>
-      </p:sp>
-      <p:sp>
-        <p:nvSpPr>
-          <p:cNvPr id="14" name="직사각형 13">
-            <a:extLst>
-              <a:ext uri="{FF2B5EF4-FFF2-40B4-BE49-F238E27FC236}">
-                <a16:creationId xmlns:a16="http://schemas.microsoft.com/office/drawing/2014/main" id="{7DB26D8B-3644-4D26-B6D6-5D847DB5C41D}"/>
-              </a:ext>
-            </a:extLst>
-          </p:cNvPr>
-          <p:cNvSpPr/>
-          <p:nvPr/>
-        </p:nvSpPr>
-        <p:spPr>
-          <a:xfrm>
-            <a:off x="9175899" y="3976586"/>
-            <a:ext cx="1616148" cy="382773"/>
-          </a:xfrm>
-          <a:prstGeom prst="rect">
-            <a:avLst/>
-          </a:prstGeom>
-        </p:spPr>
-        <p:style>
-          <a:lnRef idx="2">
-            <a:schemeClr val="accent6">
-              <a:shade val="50000"/>
-            </a:schemeClr>
-          </a:lnRef>
-          <a:fillRef idx="1">
-            <a:schemeClr val="accent6"/>
-          </a:fillRef>
-          <a:effectRef idx="0">
-            <a:schemeClr val="accent6"/>
-          </a:effectRef>
-          <a:fontRef idx="minor">
-            <a:schemeClr val="lt1"/>
-          </a:fontRef>
-        </p:style>
-        <p:txBody>
-          <a:bodyPr rtlCol="0" anchor="ctr"/>
-          <a:lstStyle/>
-          <a:p>
-            <a:pPr algn="ctr"/>
-            <a:r>
-              <a:rPr lang="en-US" altLang="ko-KR" sz="1600" dirty="0"/>
-              <a:t>hello</a:t>
-            </a:r>
-            <a:endParaRPr lang="ko-KR" altLang="en-US" sz="1600" dirty="0"/>
-          </a:p>
-        </p:txBody>
-      </p:sp>
-      <p:sp>
-        <p:nvSpPr>
-          <p:cNvPr id="15" name="직사각형 14">
-            <a:extLst>
-              <a:ext uri="{FF2B5EF4-FFF2-40B4-BE49-F238E27FC236}">
-                <a16:creationId xmlns:a16="http://schemas.microsoft.com/office/drawing/2014/main" id="{6C9443A0-27FE-4656-BFC6-B73BE53B2372}"/>
-              </a:ext>
-            </a:extLst>
-          </p:cNvPr>
-          <p:cNvSpPr/>
-          <p:nvPr/>
-        </p:nvSpPr>
-        <p:spPr>
-          <a:xfrm>
-            <a:off x="3710764" y="2549718"/>
-            <a:ext cx="1616148" cy="382773"/>
-          </a:xfrm>
-          <a:prstGeom prst="rect">
-            <a:avLst/>
-          </a:prstGeom>
-        </p:spPr>
-        <p:style>
-          <a:lnRef idx="2">
-            <a:schemeClr val="accent1">
-              <a:shade val="50000"/>
-            </a:schemeClr>
-          </a:lnRef>
-          <a:fillRef idx="1">
-            <a:schemeClr val="accent1"/>
-          </a:fillRef>
-          <a:effectRef idx="0">
-            <a:schemeClr val="accent1"/>
-          </a:effectRef>
-          <a:fontRef idx="minor">
-            <a:schemeClr val="lt1"/>
-          </a:fontRef>
-        </p:style>
-        <p:txBody>
-          <a:bodyPr rtlCol="0" anchor="ctr"/>
-          <a:lstStyle/>
-          <a:p>
-            <a:pPr algn="ctr"/>
-            <a:r>
-              <a:rPr lang="en-US" altLang="ko-KR" sz="1600" dirty="0" err="1"/>
-              <a:t>aaa</a:t>
-            </a:r>
-            <a:endParaRPr lang="ko-KR" altLang="en-US" sz="1600" dirty="0"/>
-          </a:p>
-        </p:txBody>
-      </p:sp>
-      <p:sp>
-        <p:nvSpPr>
-          <p:cNvPr id="18" name="TextBox 17">
-            <a:extLst>
-              <a:ext uri="{FF2B5EF4-FFF2-40B4-BE49-F238E27FC236}">
-                <a16:creationId xmlns:a16="http://schemas.microsoft.com/office/drawing/2014/main" id="{B78E8009-DCDB-4F7F-95A9-26CC761E9E45}"/>
+          <p:cNvPr id="27" name="TextBox 26">
+            <a:extLst>
+              <a:ext uri="{FF2B5EF4-FFF2-40B4-BE49-F238E27FC236}">
+                <a16:creationId xmlns:a16="http://schemas.microsoft.com/office/drawing/2014/main" id="{9A5C807B-D549-4C96-8864-D71BC7623A91}"/>
               </a:ext>
             </a:extLst>
           </p:cNvPr>
@@ -8388,7 +8674,7 @@
         </p:nvSpPr>
         <p:spPr>
           <a:xfrm>
-            <a:off x="3710764" y="2210873"/>
+            <a:off x="5996767" y="3924262"/>
             <a:ext cx="1414129" cy="369332"/>
           </a:xfrm>
           <a:prstGeom prst="rect">
@@ -8411,62 +8697,25 @@
           </a:p>
         </p:txBody>
       </p:sp>
-      <p:sp>
-        <p:nvSpPr>
-          <p:cNvPr id="19" name="TextBox 18">
-            <a:extLst>
-              <a:ext uri="{FF2B5EF4-FFF2-40B4-BE49-F238E27FC236}">
-                <a16:creationId xmlns:a16="http://schemas.microsoft.com/office/drawing/2014/main" id="{2BCD9C10-50D6-4FEA-818B-075E52456086}"/>
-              </a:ext>
-            </a:extLst>
-          </p:cNvPr>
-          <p:cNvSpPr txBox="1"/>
-          <p:nvPr/>
-        </p:nvSpPr>
-        <p:spPr>
-          <a:xfrm>
-            <a:off x="6230683" y="1880563"/>
-            <a:ext cx="1414129" cy="369332"/>
-          </a:xfrm>
-          <a:prstGeom prst="rect">
-            <a:avLst/>
-          </a:prstGeom>
-          <a:noFill/>
-        </p:spPr>
-        <p:txBody>
-          <a:bodyPr wrap="square" rtlCol="0">
-            <a:spAutoFit/>
-          </a:bodyPr>
-          <a:lstStyle/>
-          <a:p>
-            <a:pPr algn="ctr"/>
-            <a:r>
-              <a:rPr lang="en-US" altLang="ko-KR" dirty="0" err="1"/>
-              <a:t>inode</a:t>
-            </a:r>
-            <a:endParaRPr lang="ko-KR" altLang="en-US" dirty="0"/>
-          </a:p>
-        </p:txBody>
-      </p:sp>
       <p:cxnSp>
         <p:nvCxnSpPr>
-          <p:cNvPr id="22" name="직선 화살표 연결선 21">
-            <a:extLst>
-              <a:ext uri="{FF2B5EF4-FFF2-40B4-BE49-F238E27FC236}">
-                <a16:creationId xmlns:a16="http://schemas.microsoft.com/office/drawing/2014/main" id="{D5682556-4FAC-40E0-9E3C-0BD0299FC4A0}"/>
+          <p:cNvPr id="31" name="직선 화살표 연결선 30">
+            <a:extLst>
+              <a:ext uri="{FF2B5EF4-FFF2-40B4-BE49-F238E27FC236}">
+                <a16:creationId xmlns:a16="http://schemas.microsoft.com/office/drawing/2014/main" id="{36DC0D9A-67B0-414F-A68B-13A76663220B}"/>
               </a:ext>
             </a:extLst>
           </p:cNvPr>
           <p:cNvCxnSpPr>
-            <a:stCxn id="13" idx="3"/>
-            <a:endCxn id="14" idx="1"/>
+            <a:stCxn id="26" idx="3"/>
+            <a:endCxn id="5" idx="1"/>
           </p:cNvCxnSpPr>
           <p:nvPr/>
         </p:nvCxnSpPr>
         <p:spPr>
           <a:xfrm flipV="1">
-            <a:off x="7783033" y="4167973"/>
-            <a:ext cx="1392866" cy="956933"/>
+            <a:off x="7612915" y="3359896"/>
+            <a:ext cx="839973" cy="1094598"/>
           </a:xfrm>
           <a:prstGeom prst="straightConnector1">
             <a:avLst/>
@@ -8490,219 +8739,10 @@
           </a:fontRef>
         </p:style>
       </p:cxnSp>
-      <p:sp>
-        <p:nvSpPr>
-          <p:cNvPr id="33" name="직사각형 32">
-            <a:extLst>
-              <a:ext uri="{FF2B5EF4-FFF2-40B4-BE49-F238E27FC236}">
-                <a16:creationId xmlns:a16="http://schemas.microsoft.com/office/drawing/2014/main" id="{1AED0CDD-5B87-4F77-BBD5-F1CB486407F9}"/>
-              </a:ext>
-            </a:extLst>
-          </p:cNvPr>
-          <p:cNvSpPr/>
-          <p:nvPr/>
-        </p:nvSpPr>
-        <p:spPr>
-          <a:xfrm>
-            <a:off x="3710764" y="3452434"/>
-            <a:ext cx="1616148" cy="382773"/>
-          </a:xfrm>
-          <a:prstGeom prst="rect">
-            <a:avLst/>
-          </a:prstGeom>
-        </p:spPr>
-        <p:style>
-          <a:lnRef idx="2">
-            <a:schemeClr val="accent1">
-              <a:shade val="50000"/>
-            </a:schemeClr>
-          </a:lnRef>
-          <a:fillRef idx="1">
-            <a:schemeClr val="accent1"/>
-          </a:fillRef>
-          <a:effectRef idx="0">
-            <a:schemeClr val="accent1"/>
-          </a:effectRef>
-          <a:fontRef idx="minor">
-            <a:schemeClr val="lt1"/>
-          </a:fontRef>
-        </p:style>
-        <p:txBody>
-          <a:bodyPr rtlCol="0" anchor="ctr"/>
-          <a:lstStyle/>
-          <a:p>
-            <a:pPr algn="ctr"/>
-            <a:r>
-              <a:rPr lang="en-US" altLang="ko-KR" sz="1600" dirty="0" err="1"/>
-              <a:t>bbb</a:t>
-            </a:r>
-            <a:endParaRPr lang="ko-KR" altLang="en-US" sz="1600" dirty="0"/>
-          </a:p>
-        </p:txBody>
-      </p:sp>
-      <p:cxnSp>
-        <p:nvCxnSpPr>
-          <p:cNvPr id="34" name="직선 화살표 연결선 33">
-            <a:extLst>
-              <a:ext uri="{FF2B5EF4-FFF2-40B4-BE49-F238E27FC236}">
-                <a16:creationId xmlns:a16="http://schemas.microsoft.com/office/drawing/2014/main" id="{671723CF-6EF0-4061-B14B-06129A9E646F}"/>
-              </a:ext>
-            </a:extLst>
-          </p:cNvPr>
-          <p:cNvCxnSpPr>
-            <a:cxnSpLocks/>
-            <a:stCxn id="33" idx="3"/>
-            <a:endCxn id="5" idx="1"/>
-          </p:cNvCxnSpPr>
-          <p:nvPr/>
-        </p:nvCxnSpPr>
-        <p:spPr>
-          <a:xfrm flipV="1">
-            <a:off x="5326912" y="2445495"/>
-            <a:ext cx="839973" cy="1198326"/>
-          </a:xfrm>
-          <a:prstGeom prst="straightConnector1">
-            <a:avLst/>
-          </a:prstGeom>
-          <a:ln>
-            <a:tailEnd type="triangle"/>
-          </a:ln>
-        </p:spPr>
-        <p:style>
-          <a:lnRef idx="2">
-            <a:schemeClr val="dk1"/>
-          </a:lnRef>
-          <a:fillRef idx="0">
-            <a:schemeClr val="dk1"/>
-          </a:fillRef>
-          <a:effectRef idx="1">
-            <a:schemeClr val="dk1"/>
-          </a:effectRef>
-          <a:fontRef idx="minor">
-            <a:schemeClr val="tx1"/>
-          </a:fontRef>
-        </p:style>
-      </p:cxnSp>
-      <p:sp>
-        <p:nvSpPr>
-          <p:cNvPr id="35" name="TextBox 34">
-            <a:extLst>
-              <a:ext uri="{FF2B5EF4-FFF2-40B4-BE49-F238E27FC236}">
-                <a16:creationId xmlns:a16="http://schemas.microsoft.com/office/drawing/2014/main" id="{4B99F6A8-5771-436E-A084-0A78FA10FD83}"/>
-              </a:ext>
-            </a:extLst>
-          </p:cNvPr>
-          <p:cNvSpPr txBox="1"/>
-          <p:nvPr/>
-        </p:nvSpPr>
-        <p:spPr>
-          <a:xfrm>
-            <a:off x="3710764" y="3113589"/>
-            <a:ext cx="1414129" cy="369332"/>
-          </a:xfrm>
-          <a:prstGeom prst="rect">
-            <a:avLst/>
-          </a:prstGeom>
-          <a:noFill/>
-        </p:spPr>
-        <p:txBody>
-          <a:bodyPr wrap="square" rtlCol="0">
-            <a:spAutoFit/>
-          </a:bodyPr>
-          <a:lstStyle/>
-          <a:p>
-            <a:pPr algn="ctr"/>
-            <a:r>
-              <a:rPr lang="en-US" altLang="ko-KR" dirty="0" err="1"/>
-              <a:t>dentry</a:t>
-            </a:r>
-            <a:endParaRPr lang="ko-KR" altLang="en-US" dirty="0"/>
-          </a:p>
-        </p:txBody>
-      </p:sp>
-      <p:cxnSp>
-        <p:nvCxnSpPr>
-          <p:cNvPr id="3" name="직선 연결선 2">
-            <a:extLst>
-              <a:ext uri="{FF2B5EF4-FFF2-40B4-BE49-F238E27FC236}">
-                <a16:creationId xmlns:a16="http://schemas.microsoft.com/office/drawing/2014/main" id="{86B33D27-7E88-4E88-99BD-762EFB71A76C}"/>
-              </a:ext>
-            </a:extLst>
-          </p:cNvPr>
-          <p:cNvCxnSpPr>
-            <a:cxnSpLocks/>
-          </p:cNvCxnSpPr>
-          <p:nvPr/>
-        </p:nvCxnSpPr>
-        <p:spPr>
-          <a:xfrm flipV="1">
-            <a:off x="3710764" y="2584770"/>
-            <a:ext cx="1616148" cy="334593"/>
-          </a:xfrm>
-          <a:prstGeom prst="line">
-            <a:avLst/>
-          </a:prstGeom>
-          <a:ln>
-            <a:solidFill>
-              <a:srgbClr val="FF0000"/>
-            </a:solidFill>
-          </a:ln>
-        </p:spPr>
-        <p:style>
-          <a:lnRef idx="3">
-            <a:schemeClr val="accent6"/>
-          </a:lnRef>
-          <a:fillRef idx="0">
-            <a:schemeClr val="accent6"/>
-          </a:fillRef>
-          <a:effectRef idx="2">
-            <a:schemeClr val="accent6"/>
-          </a:effectRef>
-          <a:fontRef idx="minor">
-            <a:schemeClr val="tx1"/>
-          </a:fontRef>
-        </p:style>
-      </p:cxnSp>
-      <p:sp>
-        <p:nvSpPr>
-          <p:cNvPr id="40" name="TextBox 39">
-            <a:extLst>
-              <a:ext uri="{FF2B5EF4-FFF2-40B4-BE49-F238E27FC236}">
-                <a16:creationId xmlns:a16="http://schemas.microsoft.com/office/drawing/2014/main" id="{D30B6B87-8DCA-4C6F-8F40-90EF63B46607}"/>
-              </a:ext>
-            </a:extLst>
-          </p:cNvPr>
-          <p:cNvSpPr txBox="1"/>
-          <p:nvPr/>
-        </p:nvSpPr>
-        <p:spPr>
-          <a:xfrm>
-            <a:off x="7783033" y="3044658"/>
-            <a:ext cx="1116418" cy="369332"/>
-          </a:xfrm>
-          <a:prstGeom prst="rect">
-            <a:avLst/>
-          </a:prstGeom>
-          <a:noFill/>
-        </p:spPr>
-        <p:txBody>
-          <a:bodyPr wrap="square" rtlCol="0">
-            <a:spAutoFit/>
-          </a:bodyPr>
-          <a:lstStyle/>
-          <a:p>
-            <a:r>
-              <a:rPr lang="en-US" altLang="ko-KR" dirty="0" err="1"/>
-              <a:t>nlink</a:t>
-            </a:r>
-            <a:endParaRPr lang="ko-KR" altLang="en-US" dirty="0"/>
-          </a:p>
-        </p:txBody>
-      </p:sp>
     </p:spTree>
     <p:extLst>
       <p:ext uri="{BB962C8B-B14F-4D97-AF65-F5344CB8AC3E}">
-        <p14:creationId xmlns:p14="http://schemas.microsoft.com/office/powerpoint/2010/main" val="2783116673"/>
+        <p14:creationId xmlns:p14="http://schemas.microsoft.com/office/powerpoint/2010/main" val="3788013099"/>
       </p:ext>
     </p:extLst>
   </p:cSld>
@@ -8743,961 +8783,6 @@
         </p:nvSpPr>
         <p:spPr>
           <a:xfrm>
-            <a:off x="262270" y="245400"/>
-            <a:ext cx="6096000" cy="2031325"/>
-          </a:xfrm>
-          <a:prstGeom prst="rect">
-            <a:avLst/>
-          </a:prstGeom>
-        </p:spPr>
-        <p:txBody>
-          <a:bodyPr>
-            <a:spAutoFit/>
-          </a:bodyPr>
-          <a:lstStyle/>
-          <a:p>
-            <a:r>
-              <a:rPr lang="ko-KR" altLang="en-US" dirty="0"/>
-              <a:t>하드 링크의 필요 이유</a:t>
-            </a:r>
-            <a:r>
-              <a:rPr lang="en-US" altLang="ko-KR" dirty="0"/>
-              <a:t>: </a:t>
-            </a:r>
-            <a:r>
-              <a:rPr lang="ko-KR" altLang="en-US" dirty="0"/>
-              <a:t>상대 링크 때문에</a:t>
-            </a:r>
-            <a:endParaRPr lang="en-US" altLang="ko-KR" dirty="0"/>
-          </a:p>
-          <a:p>
-            <a:r>
-              <a:rPr lang="en-US" altLang="ko-KR" dirty="0"/>
-              <a:t>.  : </a:t>
-            </a:r>
-            <a:r>
-              <a:rPr lang="ko-KR" altLang="en-US" dirty="0"/>
-              <a:t>현재 디렉토리에 대한 하드 링크</a:t>
-            </a:r>
-            <a:endParaRPr lang="en-US" altLang="ko-KR" dirty="0"/>
-          </a:p>
-          <a:p>
-            <a:r>
-              <a:rPr lang="en-US" altLang="ko-KR" dirty="0"/>
-              <a:t>.. : </a:t>
-            </a:r>
-            <a:r>
-              <a:rPr lang="ko-KR" altLang="en-US" dirty="0"/>
-              <a:t>부모 디렉토리에 대한 하드 링크</a:t>
-            </a:r>
-            <a:endParaRPr lang="en-US" altLang="ko-KR" dirty="0"/>
-          </a:p>
-          <a:p>
-            <a:endParaRPr lang="en-US" altLang="ko-KR" dirty="0"/>
-          </a:p>
-          <a:p>
-            <a:r>
-              <a:rPr lang="ko-KR" altLang="en-US" dirty="0" err="1"/>
-              <a:t>root@ubuntu</a:t>
-            </a:r>
-            <a:r>
-              <a:rPr lang="ko-KR" altLang="en-US" dirty="0"/>
-              <a:t>:~/</a:t>
-            </a:r>
-            <a:r>
-              <a:rPr lang="ko-KR" altLang="en-US" dirty="0" err="1"/>
-              <a:t>prac-lsp</a:t>
-            </a:r>
-            <a:r>
-              <a:rPr lang="ko-KR" altLang="en-US" dirty="0"/>
-              <a:t># </a:t>
-            </a:r>
-            <a:r>
-              <a:rPr lang="ko-KR" altLang="en-US" dirty="0" err="1"/>
-              <a:t>mkdir</a:t>
-            </a:r>
-            <a:r>
-              <a:rPr lang="ko-KR" altLang="en-US" dirty="0"/>
-              <a:t> </a:t>
-            </a:r>
-            <a:r>
-              <a:rPr lang="ko-KR" altLang="en-US" dirty="0" err="1"/>
-              <a:t>sub</a:t>
-            </a:r>
-            <a:endParaRPr lang="ko-KR" altLang="en-US" dirty="0"/>
-          </a:p>
-          <a:p>
-            <a:r>
-              <a:rPr lang="ko-KR" altLang="en-US" dirty="0" err="1"/>
-              <a:t>root@ubuntu</a:t>
-            </a:r>
-            <a:r>
-              <a:rPr lang="ko-KR" altLang="en-US" dirty="0"/>
-              <a:t>:~/</a:t>
-            </a:r>
-            <a:r>
-              <a:rPr lang="ko-KR" altLang="en-US" dirty="0" err="1"/>
-              <a:t>prac-lsp</a:t>
-            </a:r>
-            <a:r>
-              <a:rPr lang="ko-KR" altLang="en-US" dirty="0"/>
-              <a:t># </a:t>
-            </a:r>
-            <a:r>
-              <a:rPr lang="ko-KR" altLang="en-US" dirty="0" err="1"/>
-              <a:t>ls</a:t>
-            </a:r>
-            <a:r>
-              <a:rPr lang="ko-KR" altLang="en-US" dirty="0"/>
-              <a:t> -</a:t>
-            </a:r>
-            <a:r>
-              <a:rPr lang="ko-KR" altLang="en-US" dirty="0" err="1"/>
-              <a:t>ld</a:t>
-            </a:r>
-            <a:r>
-              <a:rPr lang="ko-KR" altLang="en-US" dirty="0"/>
-              <a:t> </a:t>
-            </a:r>
-            <a:r>
-              <a:rPr lang="ko-KR" altLang="en-US" dirty="0" err="1"/>
-              <a:t>sub</a:t>
-            </a:r>
-            <a:endParaRPr lang="ko-KR" altLang="en-US" dirty="0"/>
-          </a:p>
-          <a:p>
-            <a:r>
-              <a:rPr lang="ko-KR" altLang="en-US" dirty="0" err="1"/>
-              <a:t>drwxr-xr-x</a:t>
-            </a:r>
-            <a:r>
-              <a:rPr lang="ko-KR" altLang="en-US" dirty="0"/>
-              <a:t> </a:t>
-            </a:r>
-            <a:r>
-              <a:rPr lang="ko-KR" altLang="en-US" dirty="0">
-                <a:solidFill>
-                  <a:srgbClr val="FF0000"/>
-                </a:solidFill>
-              </a:rPr>
-              <a:t>2</a:t>
-            </a:r>
-            <a:r>
-              <a:rPr lang="ko-KR" altLang="en-US" dirty="0"/>
-              <a:t> </a:t>
-            </a:r>
-            <a:r>
-              <a:rPr lang="ko-KR" altLang="en-US" dirty="0" err="1"/>
-              <a:t>root</a:t>
-            </a:r>
-            <a:r>
-              <a:rPr lang="ko-KR" altLang="en-US" dirty="0"/>
-              <a:t> </a:t>
-            </a:r>
-            <a:r>
-              <a:rPr lang="ko-KR" altLang="en-US" dirty="0" err="1"/>
-              <a:t>root</a:t>
-            </a:r>
-            <a:r>
-              <a:rPr lang="ko-KR" altLang="en-US" dirty="0"/>
-              <a:t> 4096  3월 15 16:26 </a:t>
-            </a:r>
-            <a:r>
-              <a:rPr lang="ko-KR" altLang="en-US" dirty="0" err="1"/>
-              <a:t>sub</a:t>
-            </a:r>
-            <a:endParaRPr lang="ko-KR" altLang="en-US" dirty="0"/>
-          </a:p>
-        </p:txBody>
-      </p:sp>
-      <p:sp>
-        <p:nvSpPr>
-          <p:cNvPr id="5" name="직사각형 4">
-            <a:extLst>
-              <a:ext uri="{FF2B5EF4-FFF2-40B4-BE49-F238E27FC236}">
-                <a16:creationId xmlns:a16="http://schemas.microsoft.com/office/drawing/2014/main" id="{F907A5BF-86B6-4CF2-BB6F-8E0F76102849}"/>
-              </a:ext>
-            </a:extLst>
-          </p:cNvPr>
-          <p:cNvSpPr/>
-          <p:nvPr/>
-        </p:nvSpPr>
-        <p:spPr>
-          <a:xfrm>
-            <a:off x="8452888" y="3168509"/>
-            <a:ext cx="1616148" cy="382773"/>
-          </a:xfrm>
-          <a:prstGeom prst="rect">
-            <a:avLst/>
-          </a:prstGeom>
-        </p:spPr>
-        <p:style>
-          <a:lnRef idx="2">
-            <a:schemeClr val="accent1">
-              <a:shade val="50000"/>
-            </a:schemeClr>
-          </a:lnRef>
-          <a:fillRef idx="1">
-            <a:schemeClr val="accent1"/>
-          </a:fillRef>
-          <a:effectRef idx="0">
-            <a:schemeClr val="accent1"/>
-          </a:effectRef>
-          <a:fontRef idx="minor">
-            <a:schemeClr val="lt1"/>
-          </a:fontRef>
-        </p:style>
-        <p:txBody>
-          <a:bodyPr rtlCol="0" anchor="ctr"/>
-          <a:lstStyle/>
-          <a:p>
-            <a:pPr algn="ctr"/>
-            <a:r>
-              <a:rPr lang="en-US" altLang="ko-KR" dirty="0"/>
-              <a:t>413125</a:t>
-            </a:r>
-            <a:endParaRPr lang="ko-KR" altLang="en-US" dirty="0"/>
-          </a:p>
-        </p:txBody>
-      </p:sp>
-      <p:sp>
-        <p:nvSpPr>
-          <p:cNvPr id="6" name="직사각형 5">
-            <a:extLst>
-              <a:ext uri="{FF2B5EF4-FFF2-40B4-BE49-F238E27FC236}">
-                <a16:creationId xmlns:a16="http://schemas.microsoft.com/office/drawing/2014/main" id="{53CC5195-48CD-4FE8-ACE6-9315C33D024B}"/>
-              </a:ext>
-            </a:extLst>
-          </p:cNvPr>
-          <p:cNvSpPr/>
-          <p:nvPr/>
-        </p:nvSpPr>
-        <p:spPr>
-          <a:xfrm>
-            <a:off x="8452888" y="3551282"/>
-            <a:ext cx="1616148" cy="382773"/>
-          </a:xfrm>
-          <a:prstGeom prst="rect">
-            <a:avLst/>
-          </a:prstGeom>
-        </p:spPr>
-        <p:style>
-          <a:lnRef idx="2">
-            <a:schemeClr val="accent1">
-              <a:shade val="50000"/>
-            </a:schemeClr>
-          </a:lnRef>
-          <a:fillRef idx="1">
-            <a:schemeClr val="accent1"/>
-          </a:fillRef>
-          <a:effectRef idx="0">
-            <a:schemeClr val="accent1"/>
-          </a:effectRef>
-          <a:fontRef idx="minor">
-            <a:schemeClr val="lt1"/>
-          </a:fontRef>
-        </p:style>
-        <p:txBody>
-          <a:bodyPr rtlCol="0" anchor="ctr"/>
-          <a:lstStyle/>
-          <a:p>
-            <a:pPr algn="ctr"/>
-            <a:r>
-              <a:rPr lang="en-US" altLang="ko-KR" dirty="0"/>
-              <a:t>-</a:t>
-            </a:r>
-            <a:r>
-              <a:rPr lang="en-US" altLang="ko-KR" dirty="0" err="1"/>
-              <a:t>rw</a:t>
-            </a:r>
-            <a:r>
-              <a:rPr lang="en-US" altLang="ko-KR" dirty="0"/>
-              <a:t>-r--r--</a:t>
-            </a:r>
-            <a:endParaRPr lang="ko-KR" altLang="en-US" dirty="0"/>
-          </a:p>
-        </p:txBody>
-      </p:sp>
-      <p:sp>
-        <p:nvSpPr>
-          <p:cNvPr id="7" name="직사각형 6">
-            <a:extLst>
-              <a:ext uri="{FF2B5EF4-FFF2-40B4-BE49-F238E27FC236}">
-                <a16:creationId xmlns:a16="http://schemas.microsoft.com/office/drawing/2014/main" id="{EDF0B07D-DE17-4AB5-BAA6-C7A968FBF5E6}"/>
-              </a:ext>
-            </a:extLst>
-          </p:cNvPr>
-          <p:cNvSpPr/>
-          <p:nvPr/>
-        </p:nvSpPr>
-        <p:spPr>
-          <a:xfrm>
-            <a:off x="8452888" y="3934055"/>
-            <a:ext cx="1616148" cy="382773"/>
-          </a:xfrm>
-          <a:prstGeom prst="rect">
-            <a:avLst/>
-          </a:prstGeom>
-        </p:spPr>
-        <p:style>
-          <a:lnRef idx="2">
-            <a:schemeClr val="accent1">
-              <a:shade val="50000"/>
-            </a:schemeClr>
-          </a:lnRef>
-          <a:fillRef idx="1">
-            <a:schemeClr val="accent1"/>
-          </a:fillRef>
-          <a:effectRef idx="0">
-            <a:schemeClr val="accent1"/>
-          </a:effectRef>
-          <a:fontRef idx="minor">
-            <a:schemeClr val="lt1"/>
-          </a:fontRef>
-        </p:style>
-        <p:txBody>
-          <a:bodyPr rtlCol="0" anchor="ctr"/>
-          <a:lstStyle/>
-          <a:p>
-            <a:pPr algn="ctr"/>
-            <a:r>
-              <a:rPr lang="en-US" altLang="ko-KR" dirty="0"/>
-              <a:t>2</a:t>
-            </a:r>
-            <a:endParaRPr lang="ko-KR" altLang="en-US" dirty="0"/>
-          </a:p>
-        </p:txBody>
-      </p:sp>
-      <p:sp>
-        <p:nvSpPr>
-          <p:cNvPr id="8" name="직사각형 7">
-            <a:extLst>
-              <a:ext uri="{FF2B5EF4-FFF2-40B4-BE49-F238E27FC236}">
-                <a16:creationId xmlns:a16="http://schemas.microsoft.com/office/drawing/2014/main" id="{87325934-1DBE-4CB6-9D37-567E67E22CC3}"/>
-              </a:ext>
-            </a:extLst>
-          </p:cNvPr>
-          <p:cNvSpPr/>
-          <p:nvPr/>
-        </p:nvSpPr>
-        <p:spPr>
-          <a:xfrm>
-            <a:off x="8452888" y="4316828"/>
-            <a:ext cx="1616148" cy="382773"/>
-          </a:xfrm>
-          <a:prstGeom prst="rect">
-            <a:avLst/>
-          </a:prstGeom>
-        </p:spPr>
-        <p:style>
-          <a:lnRef idx="2">
-            <a:schemeClr val="accent1">
-              <a:shade val="50000"/>
-            </a:schemeClr>
-          </a:lnRef>
-          <a:fillRef idx="1">
-            <a:schemeClr val="accent1"/>
-          </a:fillRef>
-          <a:effectRef idx="0">
-            <a:schemeClr val="accent1"/>
-          </a:effectRef>
-          <a:fontRef idx="minor">
-            <a:schemeClr val="lt1"/>
-          </a:fontRef>
-        </p:style>
-        <p:txBody>
-          <a:bodyPr rtlCol="0" anchor="ctr"/>
-          <a:lstStyle/>
-          <a:p>
-            <a:pPr algn="ctr"/>
-            <a:r>
-              <a:rPr lang="en-US" altLang="ko-KR" dirty="0"/>
-              <a:t>root</a:t>
-            </a:r>
-            <a:endParaRPr lang="ko-KR" altLang="en-US" dirty="0"/>
-          </a:p>
-        </p:txBody>
-      </p:sp>
-      <p:sp>
-        <p:nvSpPr>
-          <p:cNvPr id="9" name="직사각형 8">
-            <a:extLst>
-              <a:ext uri="{FF2B5EF4-FFF2-40B4-BE49-F238E27FC236}">
-                <a16:creationId xmlns:a16="http://schemas.microsoft.com/office/drawing/2014/main" id="{34381AB4-0E25-4F49-B619-4AAD3A3249A0}"/>
-              </a:ext>
-            </a:extLst>
-          </p:cNvPr>
-          <p:cNvSpPr/>
-          <p:nvPr/>
-        </p:nvSpPr>
-        <p:spPr>
-          <a:xfrm>
-            <a:off x="8452888" y="4699601"/>
-            <a:ext cx="1616148" cy="382773"/>
-          </a:xfrm>
-          <a:prstGeom prst="rect">
-            <a:avLst/>
-          </a:prstGeom>
-        </p:spPr>
-        <p:style>
-          <a:lnRef idx="2">
-            <a:schemeClr val="accent1">
-              <a:shade val="50000"/>
-            </a:schemeClr>
-          </a:lnRef>
-          <a:fillRef idx="1">
-            <a:schemeClr val="accent1"/>
-          </a:fillRef>
-          <a:effectRef idx="0">
-            <a:schemeClr val="accent1"/>
-          </a:effectRef>
-          <a:fontRef idx="minor">
-            <a:schemeClr val="lt1"/>
-          </a:fontRef>
-        </p:style>
-        <p:txBody>
-          <a:bodyPr rtlCol="0" anchor="ctr"/>
-          <a:lstStyle/>
-          <a:p>
-            <a:pPr algn="ctr"/>
-            <a:r>
-              <a:rPr lang="en-US" altLang="ko-KR" dirty="0"/>
-              <a:t>root</a:t>
-            </a:r>
-            <a:endParaRPr lang="ko-KR" altLang="en-US" dirty="0"/>
-          </a:p>
-        </p:txBody>
-      </p:sp>
-      <p:sp>
-        <p:nvSpPr>
-          <p:cNvPr id="10" name="직사각형 9">
-            <a:extLst>
-              <a:ext uri="{FF2B5EF4-FFF2-40B4-BE49-F238E27FC236}">
-                <a16:creationId xmlns:a16="http://schemas.microsoft.com/office/drawing/2014/main" id="{FCEA5C8B-88B5-469A-B07E-525616E3931B}"/>
-              </a:ext>
-            </a:extLst>
-          </p:cNvPr>
-          <p:cNvSpPr/>
-          <p:nvPr/>
-        </p:nvSpPr>
-        <p:spPr>
-          <a:xfrm>
-            <a:off x="8452888" y="5082374"/>
-            <a:ext cx="1616148" cy="382773"/>
-          </a:xfrm>
-          <a:prstGeom prst="rect">
-            <a:avLst/>
-          </a:prstGeom>
-        </p:spPr>
-        <p:style>
-          <a:lnRef idx="2">
-            <a:schemeClr val="accent1">
-              <a:shade val="50000"/>
-            </a:schemeClr>
-          </a:lnRef>
-          <a:fillRef idx="1">
-            <a:schemeClr val="accent1"/>
-          </a:fillRef>
-          <a:effectRef idx="0">
-            <a:schemeClr val="accent1"/>
-          </a:effectRef>
-          <a:fontRef idx="minor">
-            <a:schemeClr val="lt1"/>
-          </a:fontRef>
-        </p:style>
-        <p:txBody>
-          <a:bodyPr rtlCol="0" anchor="ctr"/>
-          <a:lstStyle/>
-          <a:p>
-            <a:pPr algn="ctr"/>
-            <a:r>
-              <a:rPr lang="en-US" altLang="ko-KR" dirty="0"/>
-              <a:t>6</a:t>
-            </a:r>
-            <a:endParaRPr lang="ko-KR" altLang="en-US" dirty="0"/>
-          </a:p>
-        </p:txBody>
-      </p:sp>
-      <p:sp>
-        <p:nvSpPr>
-          <p:cNvPr id="11" name="직사각형 10">
-            <a:extLst>
-              <a:ext uri="{FF2B5EF4-FFF2-40B4-BE49-F238E27FC236}">
-                <a16:creationId xmlns:a16="http://schemas.microsoft.com/office/drawing/2014/main" id="{261A0C80-E4CC-42E0-9619-3CB4A35ED1DF}"/>
-              </a:ext>
-            </a:extLst>
-          </p:cNvPr>
-          <p:cNvSpPr/>
-          <p:nvPr/>
-        </p:nvSpPr>
-        <p:spPr>
-          <a:xfrm>
-            <a:off x="8452888" y="5465147"/>
-            <a:ext cx="1616148" cy="382773"/>
-          </a:xfrm>
-          <a:prstGeom prst="rect">
-            <a:avLst/>
-          </a:prstGeom>
-        </p:spPr>
-        <p:style>
-          <a:lnRef idx="2">
-            <a:schemeClr val="accent1">
-              <a:shade val="50000"/>
-            </a:schemeClr>
-          </a:lnRef>
-          <a:fillRef idx="1">
-            <a:schemeClr val="accent1"/>
-          </a:fillRef>
-          <a:effectRef idx="0">
-            <a:schemeClr val="accent1"/>
-          </a:effectRef>
-          <a:fontRef idx="minor">
-            <a:schemeClr val="lt1"/>
-          </a:fontRef>
-        </p:style>
-        <p:txBody>
-          <a:bodyPr rtlCol="0" anchor="ctr"/>
-          <a:lstStyle/>
-          <a:p>
-            <a:pPr algn="ctr"/>
-            <a:r>
-              <a:rPr lang="en-US" altLang="ko-KR" sz="1600" dirty="0"/>
-              <a:t>3</a:t>
-            </a:r>
-            <a:r>
-              <a:rPr lang="ko-KR" altLang="en-US" sz="1600" dirty="0"/>
-              <a:t>월 </a:t>
-            </a:r>
-            <a:r>
-              <a:rPr lang="en-US" altLang="ko-KR" sz="1600" dirty="0"/>
-              <a:t>15 16:04</a:t>
-            </a:r>
-            <a:endParaRPr lang="ko-KR" altLang="en-US" sz="1600" dirty="0"/>
-          </a:p>
-        </p:txBody>
-      </p:sp>
-      <p:sp>
-        <p:nvSpPr>
-          <p:cNvPr id="12" name="직사각형 11">
-            <a:extLst>
-              <a:ext uri="{FF2B5EF4-FFF2-40B4-BE49-F238E27FC236}">
-                <a16:creationId xmlns:a16="http://schemas.microsoft.com/office/drawing/2014/main" id="{396A4EAE-FEC0-4165-9518-07E496FFD2B5}"/>
-              </a:ext>
-            </a:extLst>
-          </p:cNvPr>
-          <p:cNvSpPr/>
-          <p:nvPr/>
-        </p:nvSpPr>
-        <p:spPr>
-          <a:xfrm>
-            <a:off x="8452888" y="5847920"/>
-            <a:ext cx="1616148" cy="382773"/>
-          </a:xfrm>
-          <a:prstGeom prst="rect">
-            <a:avLst/>
-          </a:prstGeom>
-        </p:spPr>
-        <p:style>
-          <a:lnRef idx="2">
-            <a:schemeClr val="accent1">
-              <a:shade val="50000"/>
-            </a:schemeClr>
-          </a:lnRef>
-          <a:fillRef idx="1">
-            <a:schemeClr val="accent1"/>
-          </a:fillRef>
-          <a:effectRef idx="0">
-            <a:schemeClr val="accent1"/>
-          </a:effectRef>
-          <a:fontRef idx="minor">
-            <a:schemeClr val="lt1"/>
-          </a:fontRef>
-        </p:style>
-        <p:txBody>
-          <a:bodyPr rtlCol="0" anchor="ctr"/>
-          <a:lstStyle/>
-          <a:p>
-            <a:pPr algn="ctr"/>
-            <a:endParaRPr lang="ko-KR" altLang="en-US" sz="1600" dirty="0"/>
-          </a:p>
-        </p:txBody>
-      </p:sp>
-      <p:sp>
-        <p:nvSpPr>
-          <p:cNvPr id="16" name="TextBox 15">
-            <a:extLst>
-              <a:ext uri="{FF2B5EF4-FFF2-40B4-BE49-F238E27FC236}">
-                <a16:creationId xmlns:a16="http://schemas.microsoft.com/office/drawing/2014/main" id="{67917D89-A927-4081-AC74-84F6771A1482}"/>
-              </a:ext>
-            </a:extLst>
-          </p:cNvPr>
-          <p:cNvSpPr txBox="1"/>
-          <p:nvPr/>
-        </p:nvSpPr>
-        <p:spPr>
-          <a:xfrm>
-            <a:off x="8516686" y="2794964"/>
-            <a:ext cx="1414129" cy="369332"/>
-          </a:xfrm>
-          <a:prstGeom prst="rect">
-            <a:avLst/>
-          </a:prstGeom>
-          <a:noFill/>
-        </p:spPr>
-        <p:txBody>
-          <a:bodyPr wrap="square" rtlCol="0">
-            <a:spAutoFit/>
-          </a:bodyPr>
-          <a:lstStyle/>
-          <a:p>
-            <a:pPr algn="ctr"/>
-            <a:r>
-              <a:rPr lang="en-US" altLang="ko-KR" dirty="0" err="1"/>
-              <a:t>inode</a:t>
-            </a:r>
-            <a:endParaRPr lang="ko-KR" altLang="en-US" dirty="0"/>
-          </a:p>
-        </p:txBody>
-      </p:sp>
-      <p:sp>
-        <p:nvSpPr>
-          <p:cNvPr id="18" name="직사각형 17">
-            <a:extLst>
-              <a:ext uri="{FF2B5EF4-FFF2-40B4-BE49-F238E27FC236}">
-                <a16:creationId xmlns:a16="http://schemas.microsoft.com/office/drawing/2014/main" id="{5928C858-71F1-4E21-AC7D-D9B7F49F7023}"/>
-              </a:ext>
-            </a:extLst>
-          </p:cNvPr>
-          <p:cNvSpPr/>
-          <p:nvPr/>
-        </p:nvSpPr>
-        <p:spPr>
-          <a:xfrm>
-            <a:off x="5996767" y="3284902"/>
-            <a:ext cx="1616148" cy="382773"/>
-          </a:xfrm>
-          <a:prstGeom prst="rect">
-            <a:avLst/>
-          </a:prstGeom>
-        </p:spPr>
-        <p:style>
-          <a:lnRef idx="2">
-            <a:schemeClr val="accent1">
-              <a:shade val="50000"/>
-            </a:schemeClr>
-          </a:lnRef>
-          <a:fillRef idx="1">
-            <a:schemeClr val="accent1"/>
-          </a:fillRef>
-          <a:effectRef idx="0">
-            <a:schemeClr val="accent1"/>
-          </a:effectRef>
-          <a:fontRef idx="minor">
-            <a:schemeClr val="lt1"/>
-          </a:fontRef>
-        </p:style>
-        <p:txBody>
-          <a:bodyPr rtlCol="0" anchor="ctr"/>
-          <a:lstStyle/>
-          <a:p>
-            <a:pPr algn="ctr"/>
-            <a:r>
-              <a:rPr lang="en-US" altLang="ko-KR" sz="1600" dirty="0"/>
-              <a:t>sub</a:t>
-            </a:r>
-            <a:endParaRPr lang="ko-KR" altLang="en-US" sz="1600" dirty="0"/>
-          </a:p>
-        </p:txBody>
-      </p:sp>
-      <p:cxnSp>
-        <p:nvCxnSpPr>
-          <p:cNvPr id="19" name="직선 화살표 연결선 18">
-            <a:extLst>
-              <a:ext uri="{FF2B5EF4-FFF2-40B4-BE49-F238E27FC236}">
-                <a16:creationId xmlns:a16="http://schemas.microsoft.com/office/drawing/2014/main" id="{58947260-F9AB-428B-B1D8-FD1623727414}"/>
-              </a:ext>
-            </a:extLst>
-          </p:cNvPr>
-          <p:cNvCxnSpPr>
-            <a:cxnSpLocks/>
-            <a:stCxn id="18" idx="3"/>
-            <a:endCxn id="5" idx="1"/>
-          </p:cNvCxnSpPr>
-          <p:nvPr/>
-        </p:nvCxnSpPr>
-        <p:spPr>
-          <a:xfrm flipV="1">
-            <a:off x="7612915" y="3359896"/>
-            <a:ext cx="839973" cy="116393"/>
-          </a:xfrm>
-          <a:prstGeom prst="straightConnector1">
-            <a:avLst/>
-          </a:prstGeom>
-          <a:ln>
-            <a:tailEnd type="triangle"/>
-          </a:ln>
-        </p:spPr>
-        <p:style>
-          <a:lnRef idx="2">
-            <a:schemeClr val="dk1"/>
-          </a:lnRef>
-          <a:fillRef idx="0">
-            <a:schemeClr val="dk1"/>
-          </a:fillRef>
-          <a:effectRef idx="1">
-            <a:schemeClr val="dk1"/>
-          </a:effectRef>
-          <a:fontRef idx="minor">
-            <a:schemeClr val="tx1"/>
-          </a:fontRef>
-        </p:style>
-      </p:cxnSp>
-      <p:sp>
-        <p:nvSpPr>
-          <p:cNvPr id="20" name="TextBox 19">
-            <a:extLst>
-              <a:ext uri="{FF2B5EF4-FFF2-40B4-BE49-F238E27FC236}">
-                <a16:creationId xmlns:a16="http://schemas.microsoft.com/office/drawing/2014/main" id="{A2B7798E-8603-4493-BE3C-A8C4447FD480}"/>
-              </a:ext>
-            </a:extLst>
-          </p:cNvPr>
-          <p:cNvSpPr txBox="1"/>
-          <p:nvPr/>
-        </p:nvSpPr>
-        <p:spPr>
-          <a:xfrm>
-            <a:off x="5996767" y="2946057"/>
-            <a:ext cx="1414129" cy="369332"/>
-          </a:xfrm>
-          <a:prstGeom prst="rect">
-            <a:avLst/>
-          </a:prstGeom>
-          <a:noFill/>
-        </p:spPr>
-        <p:txBody>
-          <a:bodyPr wrap="square" rtlCol="0">
-            <a:spAutoFit/>
-          </a:bodyPr>
-          <a:lstStyle/>
-          <a:p>
-            <a:pPr algn="ctr"/>
-            <a:r>
-              <a:rPr lang="en-US" altLang="ko-KR" dirty="0" err="1"/>
-              <a:t>dentry</a:t>
-            </a:r>
-            <a:endParaRPr lang="ko-KR" altLang="en-US" dirty="0"/>
-          </a:p>
-        </p:txBody>
-      </p:sp>
-      <p:sp>
-        <p:nvSpPr>
-          <p:cNvPr id="22" name="TextBox 21">
-            <a:extLst>
-              <a:ext uri="{FF2B5EF4-FFF2-40B4-BE49-F238E27FC236}">
-                <a16:creationId xmlns:a16="http://schemas.microsoft.com/office/drawing/2014/main" id="{07611116-2B51-4CC3-ADBB-6FDEEA67989E}"/>
-              </a:ext>
-            </a:extLst>
-          </p:cNvPr>
-          <p:cNvSpPr txBox="1"/>
-          <p:nvPr/>
-        </p:nvSpPr>
-        <p:spPr>
-          <a:xfrm>
-            <a:off x="10069036" y="3959059"/>
-            <a:ext cx="1116418" cy="369332"/>
-          </a:xfrm>
-          <a:prstGeom prst="rect">
-            <a:avLst/>
-          </a:prstGeom>
-          <a:noFill/>
-        </p:spPr>
-        <p:txBody>
-          <a:bodyPr wrap="square" rtlCol="0">
-            <a:spAutoFit/>
-          </a:bodyPr>
-          <a:lstStyle/>
-          <a:p>
-            <a:r>
-              <a:rPr lang="en-US" altLang="ko-KR" dirty="0" err="1"/>
-              <a:t>nlink</a:t>
-            </a:r>
-            <a:endParaRPr lang="ko-KR" altLang="en-US" dirty="0"/>
-          </a:p>
-        </p:txBody>
-      </p:sp>
-      <p:sp>
-        <p:nvSpPr>
-          <p:cNvPr id="26" name="직사각형 25">
-            <a:extLst>
-              <a:ext uri="{FF2B5EF4-FFF2-40B4-BE49-F238E27FC236}">
-                <a16:creationId xmlns:a16="http://schemas.microsoft.com/office/drawing/2014/main" id="{87B18D6A-87CF-43B7-BAAC-7CCD3E5D8868}"/>
-              </a:ext>
-            </a:extLst>
-          </p:cNvPr>
-          <p:cNvSpPr/>
-          <p:nvPr/>
-        </p:nvSpPr>
-        <p:spPr>
-          <a:xfrm>
-            <a:off x="5996767" y="4263107"/>
-            <a:ext cx="1616148" cy="382773"/>
-          </a:xfrm>
-          <a:prstGeom prst="rect">
-            <a:avLst/>
-          </a:prstGeom>
-        </p:spPr>
-        <p:style>
-          <a:lnRef idx="2">
-            <a:schemeClr val="accent1">
-              <a:shade val="50000"/>
-            </a:schemeClr>
-          </a:lnRef>
-          <a:fillRef idx="1">
-            <a:schemeClr val="accent1"/>
-          </a:fillRef>
-          <a:effectRef idx="0">
-            <a:schemeClr val="accent1"/>
-          </a:effectRef>
-          <a:fontRef idx="minor">
-            <a:schemeClr val="lt1"/>
-          </a:fontRef>
-        </p:style>
-        <p:txBody>
-          <a:bodyPr rtlCol="0" anchor="ctr"/>
-          <a:lstStyle/>
-          <a:p>
-            <a:pPr algn="ctr"/>
-            <a:r>
-              <a:rPr lang="en-US" altLang="ko-KR" sz="1600" dirty="0"/>
-              <a:t>.</a:t>
-            </a:r>
-            <a:endParaRPr lang="ko-KR" altLang="en-US" sz="1600" dirty="0"/>
-          </a:p>
-        </p:txBody>
-      </p:sp>
-      <p:sp>
-        <p:nvSpPr>
-          <p:cNvPr id="27" name="TextBox 26">
-            <a:extLst>
-              <a:ext uri="{FF2B5EF4-FFF2-40B4-BE49-F238E27FC236}">
-                <a16:creationId xmlns:a16="http://schemas.microsoft.com/office/drawing/2014/main" id="{9A5C807B-D549-4C96-8864-D71BC7623A91}"/>
-              </a:ext>
-            </a:extLst>
-          </p:cNvPr>
-          <p:cNvSpPr txBox="1"/>
-          <p:nvPr/>
-        </p:nvSpPr>
-        <p:spPr>
-          <a:xfrm>
-            <a:off x="5996767" y="3924262"/>
-            <a:ext cx="1414129" cy="369332"/>
-          </a:xfrm>
-          <a:prstGeom prst="rect">
-            <a:avLst/>
-          </a:prstGeom>
-          <a:noFill/>
-        </p:spPr>
-        <p:txBody>
-          <a:bodyPr wrap="square" rtlCol="0">
-            <a:spAutoFit/>
-          </a:bodyPr>
-          <a:lstStyle/>
-          <a:p>
-            <a:pPr algn="ctr"/>
-            <a:r>
-              <a:rPr lang="en-US" altLang="ko-KR" dirty="0" err="1"/>
-              <a:t>dentry</a:t>
-            </a:r>
-            <a:endParaRPr lang="ko-KR" altLang="en-US" dirty="0"/>
-          </a:p>
-        </p:txBody>
-      </p:sp>
-      <p:cxnSp>
-        <p:nvCxnSpPr>
-          <p:cNvPr id="31" name="직선 화살표 연결선 30">
-            <a:extLst>
-              <a:ext uri="{FF2B5EF4-FFF2-40B4-BE49-F238E27FC236}">
-                <a16:creationId xmlns:a16="http://schemas.microsoft.com/office/drawing/2014/main" id="{36DC0D9A-67B0-414F-A68B-13A76663220B}"/>
-              </a:ext>
-            </a:extLst>
-          </p:cNvPr>
-          <p:cNvCxnSpPr>
-            <a:stCxn id="26" idx="3"/>
-            <a:endCxn id="5" idx="1"/>
-          </p:cNvCxnSpPr>
-          <p:nvPr/>
-        </p:nvCxnSpPr>
-        <p:spPr>
-          <a:xfrm flipV="1">
-            <a:off x="7612915" y="3359896"/>
-            <a:ext cx="839973" cy="1094598"/>
-          </a:xfrm>
-          <a:prstGeom prst="straightConnector1">
-            <a:avLst/>
-          </a:prstGeom>
-          <a:ln>
-            <a:tailEnd type="triangle"/>
-          </a:ln>
-        </p:spPr>
-        <p:style>
-          <a:lnRef idx="2">
-            <a:schemeClr val="dk1"/>
-          </a:lnRef>
-          <a:fillRef idx="0">
-            <a:schemeClr val="dk1"/>
-          </a:fillRef>
-          <a:effectRef idx="1">
-            <a:schemeClr val="dk1"/>
-          </a:effectRef>
-          <a:fontRef idx="minor">
-            <a:schemeClr val="tx1"/>
-          </a:fontRef>
-        </p:style>
-      </p:cxnSp>
-    </p:spTree>
-    <p:extLst>
-      <p:ext uri="{BB962C8B-B14F-4D97-AF65-F5344CB8AC3E}">
-        <p14:creationId xmlns:p14="http://schemas.microsoft.com/office/powerpoint/2010/main" val="3788013099"/>
-      </p:ext>
-    </p:extLst>
-  </p:cSld>
-  <p:clrMapOvr>
-    <a:masterClrMapping/>
-  </p:clrMapOvr>
-</p:sld>
-</file>
-
-<file path=ppt/slides/slide14.xml><?xml version="1.0" encoding="utf-8"?>
-<p:sld xmlns:a="http://schemas.openxmlformats.org/drawingml/2006/main" xmlns:r="http://schemas.openxmlformats.org/officeDocument/2006/relationships" xmlns:p="http://schemas.openxmlformats.org/presentationml/2006/main">
-  <p:cSld>
-    <p:spTree>
-      <p:nvGrpSpPr>
-        <p:cNvPr id="1" name=""/>
-        <p:cNvGrpSpPr/>
-        <p:nvPr/>
-      </p:nvGrpSpPr>
-      <p:grpSpPr>
-        <a:xfrm>
-          <a:off x="0" y="0"/>
-          <a:ext cx="0" cy="0"/>
-          <a:chOff x="0" y="0"/>
-          <a:chExt cx="0" cy="0"/>
-        </a:xfrm>
-      </p:grpSpPr>
-      <p:sp>
-        <p:nvSpPr>
-          <p:cNvPr id="4" name="직사각형 3">
-            <a:extLst>
-              <a:ext uri="{FF2B5EF4-FFF2-40B4-BE49-F238E27FC236}">
-                <a16:creationId xmlns:a16="http://schemas.microsoft.com/office/drawing/2014/main" id="{370BBC7D-AB9E-4FF4-A1E1-C29E7EA23499}"/>
-              </a:ext>
-            </a:extLst>
-          </p:cNvPr>
-          <p:cNvSpPr/>
-          <p:nvPr/>
-        </p:nvSpPr>
-        <p:spPr>
-          <a:xfrm>
             <a:off x="262269" y="245400"/>
             <a:ext cx="8669079" cy="2585323"/>
           </a:xfrm>
@@ -10866,7 +9951,7 @@
 </p:sld>
 </file>
 
-<file path=ppt/slides/slide15.xml><?xml version="1.0" encoding="utf-8"?>
+<file path=ppt/slides/slide14.xml><?xml version="1.0" encoding="utf-8"?>
 <p:sld xmlns:a="http://schemas.openxmlformats.org/drawingml/2006/main" xmlns:r="http://schemas.openxmlformats.org/officeDocument/2006/relationships" xmlns:p="http://schemas.openxmlformats.org/presentationml/2006/main">
   <p:cSld>
     <p:spTree>
@@ -23737,7 +22822,7 @@
     </p:spTree>
     <p:extLst>
       <p:ext uri="{BB962C8B-B14F-4D97-AF65-F5344CB8AC3E}">
-        <p14:creationId xmlns:p14="http://schemas.microsoft.com/office/powerpoint/2010/main" val="3915187577"/>
+        <p14:creationId xmlns:p14="http://schemas.microsoft.com/office/powerpoint/2010/main" val="4043002438"/>
       </p:ext>
     </p:extLst>
   </p:cSld>
@@ -23794,60 +22879,20 @@
           <a:p>
             <a:r>
               <a:rPr lang="en-US" altLang="ko-KR" dirty="0"/>
-              <a:t># </a:t>
-            </a:r>
-            <a:r>
-              <a:rPr lang="en-US" altLang="ko-KR" dirty="0" err="1"/>
-              <a:t>cp</a:t>
-            </a:r>
-            <a:r>
-              <a:rPr lang="ko-KR" altLang="en-US" dirty="0"/>
-              <a:t> </a:t>
+              <a:t># ln </a:t>
             </a:r>
             <a:r>
               <a:rPr lang="en-US" altLang="ko-KR" dirty="0" err="1"/>
               <a:t>aaa</a:t>
             </a:r>
             <a:r>
-              <a:rPr lang="ko-KR" altLang="en-US" dirty="0"/>
+              <a:rPr lang="en-US" altLang="ko-KR" dirty="0"/>
               <a:t> </a:t>
             </a:r>
             <a:r>
               <a:rPr lang="en-US" altLang="ko-KR" dirty="0" err="1"/>
               <a:t>bbb</a:t>
             </a:r>
-            <a:r>
-              <a:rPr lang="ko-KR" altLang="en-US" dirty="0"/>
-              <a:t>   </a:t>
-            </a:r>
-            <a:r>
-              <a:rPr lang="en-US" altLang="ko-KR" dirty="0"/>
-              <a:t>//</a:t>
-            </a:r>
-            <a:r>
-              <a:rPr lang="ko-KR" altLang="en-US" dirty="0"/>
-              <a:t> 파일을 복사 하면 </a:t>
-            </a:r>
-            <a:r>
-              <a:rPr lang="en-US" altLang="ko-KR" dirty="0"/>
-              <a:t>data </a:t>
-            </a:r>
-            <a:r>
-              <a:rPr lang="ko-KR" altLang="en-US" dirty="0"/>
-              <a:t>및 </a:t>
-            </a:r>
-            <a:r>
-              <a:rPr lang="en-US" altLang="ko-KR" dirty="0" err="1"/>
-              <a:t>inode</a:t>
-            </a:r>
-            <a:r>
-              <a:rPr lang="ko-KR" altLang="en-US" dirty="0"/>
-              <a:t>까지 깊은 복사가 된다</a:t>
-            </a:r>
-            <a:r>
-              <a:rPr lang="en-US" altLang="ko-KR" dirty="0"/>
-              <a:t>.</a:t>
-            </a:r>
             <a:endParaRPr lang="ko-KR" altLang="en-US" dirty="0"/>
           </a:p>
         </p:txBody>
@@ -23866,7 +22911,7 @@
         </p:nvSpPr>
         <p:spPr>
           <a:xfrm>
-            <a:off x="6177516" y="1254642"/>
+            <a:off x="6379537" y="1626785"/>
             <a:ext cx="1616148" cy="382773"/>
           </a:xfrm>
           <a:prstGeom prst="rect">
@@ -23916,7 +22961,7 @@
         </p:nvSpPr>
         <p:spPr>
           <a:xfrm>
-            <a:off x="6177516" y="1637415"/>
+            <a:off x="6379537" y="2009558"/>
             <a:ext cx="1616148" cy="382773"/>
           </a:xfrm>
           <a:prstGeom prst="rect">
@@ -23974,7 +23019,7 @@
         </p:nvSpPr>
         <p:spPr>
           <a:xfrm>
-            <a:off x="6177516" y="2020188"/>
+            <a:off x="6379537" y="2392331"/>
             <a:ext cx="1616148" cy="382773"/>
           </a:xfrm>
           <a:prstGeom prst="rect">
@@ -24004,7 +23049,7 @@
             <a:pPr algn="ctr"/>
             <a:r>
               <a:rPr lang="en-US" altLang="ko-KR" dirty="0"/>
-              <a:t>1</a:t>
+              <a:t>2</a:t>
             </a:r>
             <a:endParaRPr lang="ko-KR" altLang="en-US" dirty="0"/>
           </a:p>
@@ -24024,7 +23069,7 @@
         </p:nvSpPr>
         <p:spPr>
           <a:xfrm>
-            <a:off x="6177516" y="2402961"/>
+            <a:off x="6379537" y="2775104"/>
             <a:ext cx="1616148" cy="382773"/>
           </a:xfrm>
           <a:prstGeom prst="rect">
@@ -24074,7 +23119,7 @@
         </p:nvSpPr>
         <p:spPr>
           <a:xfrm>
-            <a:off x="6177516" y="2785734"/>
+            <a:off x="6379537" y="3157877"/>
             <a:ext cx="1616148" cy="382773"/>
           </a:xfrm>
           <a:prstGeom prst="rect">
@@ -24124,7 +23169,7 @@
         </p:nvSpPr>
         <p:spPr>
           <a:xfrm>
-            <a:off x="6177516" y="3168507"/>
+            <a:off x="6379537" y="3540650"/>
             <a:ext cx="1616148" cy="382773"/>
           </a:xfrm>
           <a:prstGeom prst="rect">
@@ -24174,7 +23219,7 @@
         </p:nvSpPr>
         <p:spPr>
           <a:xfrm>
-            <a:off x="6177516" y="3551280"/>
+            <a:off x="6379537" y="3923423"/>
             <a:ext cx="1616148" cy="382773"/>
           </a:xfrm>
           <a:prstGeom prst="rect">
@@ -24232,7 +23277,7 @@
         </p:nvSpPr>
         <p:spPr>
           <a:xfrm>
-            <a:off x="6177516" y="3934053"/>
+            <a:off x="6379537" y="4306196"/>
             <a:ext cx="1616148" cy="382773"/>
           </a:xfrm>
           <a:prstGeom prst="rect">
@@ -24278,7 +23323,7 @@
         </p:nvSpPr>
         <p:spPr>
           <a:xfrm>
-            <a:off x="9186530" y="2977120"/>
+            <a:off x="9388551" y="3349263"/>
             <a:ext cx="1616148" cy="382773"/>
           </a:xfrm>
           <a:prstGeom prst="rect">
@@ -24308,7 +23353,7 @@
             <a:pPr algn="ctr"/>
             <a:r>
               <a:rPr lang="en-US" altLang="ko-KR" sz="1600" dirty="0"/>
-              <a:t>hello</a:t>
+              <a:t>world</a:t>
             </a:r>
             <a:endParaRPr lang="ko-KR" altLang="en-US" sz="1600" dirty="0"/>
           </a:p>
@@ -24328,7 +23373,7 @@
         </p:nvSpPr>
         <p:spPr>
           <a:xfrm>
-            <a:off x="3721395" y="1550252"/>
+            <a:off x="3923416" y="1922395"/>
             <a:ext cx="1616148" cy="382773"/>
           </a:xfrm>
           <a:prstGeom prst="rect">
@@ -24381,7 +23426,7 @@
         </p:nvCxnSpPr>
         <p:spPr>
           <a:xfrm flipV="1">
-            <a:off x="5337543" y="1446029"/>
+            <a:off x="5539564" y="1818172"/>
             <a:ext cx="839973" cy="295610"/>
           </a:xfrm>
           <a:prstGeom prst="straightConnector1">
@@ -24392,14 +23437,14 @@
           </a:ln>
         </p:spPr>
         <p:style>
-          <a:lnRef idx="1">
-            <a:schemeClr val="accent1"/>
+          <a:lnRef idx="2">
+            <a:schemeClr val="dk1"/>
           </a:lnRef>
           <a:fillRef idx="0">
-            <a:schemeClr val="accent1"/>
-          </a:fillRef>
-          <a:effectRef idx="0">
-            <a:schemeClr val="accent1"/>
+            <a:schemeClr val="dk1"/>
+          </a:fillRef>
+          <a:effectRef idx="1">
+            <a:schemeClr val="dk1"/>
           </a:effectRef>
           <a:fontRef idx="minor">
             <a:schemeClr val="tx1"/>
@@ -24420,7 +23465,7 @@
         </p:nvSpPr>
         <p:spPr>
           <a:xfrm>
-            <a:off x="3721395" y="1211407"/>
+            <a:off x="3923416" y="1583550"/>
             <a:ext cx="1414129" cy="369332"/>
           </a:xfrm>
           <a:prstGeom prst="rect">
@@ -24457,7 +23502,7 @@
         </p:nvSpPr>
         <p:spPr>
           <a:xfrm>
-            <a:off x="6241314" y="881097"/>
+            <a:off x="6443335" y="1253240"/>
             <a:ext cx="1414129" cy="369332"/>
           </a:xfrm>
           <a:prstGeom prst="rect">
@@ -24497,7 +23542,7 @@
         </p:nvCxnSpPr>
         <p:spPr>
           <a:xfrm flipV="1">
-            <a:off x="7793664" y="3168507"/>
+            <a:off x="7995685" y="3540650"/>
             <a:ext cx="1392866" cy="956933"/>
           </a:xfrm>
           <a:prstGeom prst="straightConnector1">
@@ -24508,14 +23553,14 @@
           </a:ln>
         </p:spPr>
         <p:style>
-          <a:lnRef idx="1">
-            <a:schemeClr val="accent1"/>
+          <a:lnRef idx="2">
+            <a:schemeClr val="dk1"/>
           </a:lnRef>
           <a:fillRef idx="0">
-            <a:schemeClr val="accent1"/>
-          </a:fillRef>
-          <a:effectRef idx="0">
-            <a:schemeClr val="accent1"/>
+            <a:schemeClr val="dk1"/>
+          </a:fillRef>
+          <a:effectRef idx="1">
+            <a:schemeClr val="dk1"/>
           </a:effectRef>
           <a:fontRef idx="minor">
             <a:schemeClr val="tx1"/>
@@ -24524,10 +23569,10 @@
       </p:cxnSp>
       <p:sp>
         <p:nvSpPr>
-          <p:cNvPr id="24" name="직사각형 23">
-            <a:extLst>
-              <a:ext uri="{FF2B5EF4-FFF2-40B4-BE49-F238E27FC236}">
-                <a16:creationId xmlns:a16="http://schemas.microsoft.com/office/drawing/2014/main" id="{0F539310-6715-4644-9A73-831F02FBB6F1}"/>
+          <p:cNvPr id="33" name="직사각형 32">
+            <a:extLst>
+              <a:ext uri="{FF2B5EF4-FFF2-40B4-BE49-F238E27FC236}">
+                <a16:creationId xmlns:a16="http://schemas.microsoft.com/office/drawing/2014/main" id="{1AED0CDD-5B87-4F77-BBD5-F1CB486407F9}"/>
               </a:ext>
             </a:extLst>
           </p:cNvPr>
@@ -24536,7 +23581,7 @@
         </p:nvSpPr>
         <p:spPr>
           <a:xfrm>
-            <a:off x="3926958" y="3246475"/>
+            <a:off x="3923416" y="3016160"/>
             <a:ext cx="1616148" cy="382773"/>
           </a:xfrm>
           <a:prstGeom prst="rect">
@@ -24565,468 +23610,6 @@
           <a:p>
             <a:pPr algn="ctr"/>
             <a:r>
-              <a:rPr lang="en-US" altLang="ko-KR" dirty="0"/>
-              <a:t>413128 </a:t>
-            </a:r>
-            <a:endParaRPr lang="ko-KR" altLang="en-US" dirty="0"/>
-          </a:p>
-        </p:txBody>
-      </p:sp>
-      <p:sp>
-        <p:nvSpPr>
-          <p:cNvPr id="25" name="직사각형 24">
-            <a:extLst>
-              <a:ext uri="{FF2B5EF4-FFF2-40B4-BE49-F238E27FC236}">
-                <a16:creationId xmlns:a16="http://schemas.microsoft.com/office/drawing/2014/main" id="{F58133E0-B20D-418D-88FB-BA4C39BC7F3E}"/>
-              </a:ext>
-            </a:extLst>
-          </p:cNvPr>
-          <p:cNvSpPr/>
-          <p:nvPr/>
-        </p:nvSpPr>
-        <p:spPr>
-          <a:xfrm>
-            <a:off x="3926958" y="3629248"/>
-            <a:ext cx="1616148" cy="382773"/>
-          </a:xfrm>
-          <a:prstGeom prst="rect">
-            <a:avLst/>
-          </a:prstGeom>
-        </p:spPr>
-        <p:style>
-          <a:lnRef idx="2">
-            <a:schemeClr val="accent1">
-              <a:shade val="50000"/>
-            </a:schemeClr>
-          </a:lnRef>
-          <a:fillRef idx="1">
-            <a:schemeClr val="accent1"/>
-          </a:fillRef>
-          <a:effectRef idx="0">
-            <a:schemeClr val="accent1"/>
-          </a:effectRef>
-          <a:fontRef idx="minor">
-            <a:schemeClr val="lt1"/>
-          </a:fontRef>
-        </p:style>
-        <p:txBody>
-          <a:bodyPr rtlCol="0" anchor="ctr"/>
-          <a:lstStyle/>
-          <a:p>
-            <a:pPr algn="ctr"/>
-            <a:r>
-              <a:rPr lang="en-US" altLang="ko-KR" dirty="0"/>
-              <a:t>-</a:t>
-            </a:r>
-            <a:r>
-              <a:rPr lang="en-US" altLang="ko-KR" dirty="0" err="1"/>
-              <a:t>rw</a:t>
-            </a:r>
-            <a:r>
-              <a:rPr lang="en-US" altLang="ko-KR" dirty="0"/>
-              <a:t>-r--r--</a:t>
-            </a:r>
-            <a:endParaRPr lang="ko-KR" altLang="en-US" dirty="0"/>
-          </a:p>
-        </p:txBody>
-      </p:sp>
-      <p:sp>
-        <p:nvSpPr>
-          <p:cNvPr id="26" name="직사각형 25">
-            <a:extLst>
-              <a:ext uri="{FF2B5EF4-FFF2-40B4-BE49-F238E27FC236}">
-                <a16:creationId xmlns:a16="http://schemas.microsoft.com/office/drawing/2014/main" id="{AEBFEE09-9D61-40A8-9442-59FE3B39877D}"/>
-              </a:ext>
-            </a:extLst>
-          </p:cNvPr>
-          <p:cNvSpPr/>
-          <p:nvPr/>
-        </p:nvSpPr>
-        <p:spPr>
-          <a:xfrm>
-            <a:off x="3926958" y="4012021"/>
-            <a:ext cx="1616148" cy="382773"/>
-          </a:xfrm>
-          <a:prstGeom prst="rect">
-            <a:avLst/>
-          </a:prstGeom>
-        </p:spPr>
-        <p:style>
-          <a:lnRef idx="2">
-            <a:schemeClr val="accent1">
-              <a:shade val="50000"/>
-            </a:schemeClr>
-          </a:lnRef>
-          <a:fillRef idx="1">
-            <a:schemeClr val="accent1"/>
-          </a:fillRef>
-          <a:effectRef idx="0">
-            <a:schemeClr val="accent1"/>
-          </a:effectRef>
-          <a:fontRef idx="minor">
-            <a:schemeClr val="lt1"/>
-          </a:fontRef>
-        </p:style>
-        <p:txBody>
-          <a:bodyPr rtlCol="0" anchor="ctr"/>
-          <a:lstStyle/>
-          <a:p>
-            <a:pPr algn="ctr"/>
-            <a:r>
-              <a:rPr lang="en-US" altLang="ko-KR" dirty="0"/>
-              <a:t>1</a:t>
-            </a:r>
-            <a:endParaRPr lang="ko-KR" altLang="en-US" dirty="0"/>
-          </a:p>
-        </p:txBody>
-      </p:sp>
-      <p:sp>
-        <p:nvSpPr>
-          <p:cNvPr id="27" name="직사각형 26">
-            <a:extLst>
-              <a:ext uri="{FF2B5EF4-FFF2-40B4-BE49-F238E27FC236}">
-                <a16:creationId xmlns:a16="http://schemas.microsoft.com/office/drawing/2014/main" id="{7F18A295-3E3D-475D-A15D-47ADC8B10236}"/>
-              </a:ext>
-            </a:extLst>
-          </p:cNvPr>
-          <p:cNvSpPr/>
-          <p:nvPr/>
-        </p:nvSpPr>
-        <p:spPr>
-          <a:xfrm>
-            <a:off x="3926958" y="4394794"/>
-            <a:ext cx="1616148" cy="382773"/>
-          </a:xfrm>
-          <a:prstGeom prst="rect">
-            <a:avLst/>
-          </a:prstGeom>
-        </p:spPr>
-        <p:style>
-          <a:lnRef idx="2">
-            <a:schemeClr val="accent1">
-              <a:shade val="50000"/>
-            </a:schemeClr>
-          </a:lnRef>
-          <a:fillRef idx="1">
-            <a:schemeClr val="accent1"/>
-          </a:fillRef>
-          <a:effectRef idx="0">
-            <a:schemeClr val="accent1"/>
-          </a:effectRef>
-          <a:fontRef idx="minor">
-            <a:schemeClr val="lt1"/>
-          </a:fontRef>
-        </p:style>
-        <p:txBody>
-          <a:bodyPr rtlCol="0" anchor="ctr"/>
-          <a:lstStyle/>
-          <a:p>
-            <a:pPr algn="ctr"/>
-            <a:r>
-              <a:rPr lang="en-US" altLang="ko-KR" dirty="0"/>
-              <a:t>root</a:t>
-            </a:r>
-            <a:endParaRPr lang="ko-KR" altLang="en-US" dirty="0"/>
-          </a:p>
-        </p:txBody>
-      </p:sp>
-      <p:sp>
-        <p:nvSpPr>
-          <p:cNvPr id="28" name="직사각형 27">
-            <a:extLst>
-              <a:ext uri="{FF2B5EF4-FFF2-40B4-BE49-F238E27FC236}">
-                <a16:creationId xmlns:a16="http://schemas.microsoft.com/office/drawing/2014/main" id="{31A879BB-C551-42EA-B98E-2200DF1916E8}"/>
-              </a:ext>
-            </a:extLst>
-          </p:cNvPr>
-          <p:cNvSpPr/>
-          <p:nvPr/>
-        </p:nvSpPr>
-        <p:spPr>
-          <a:xfrm>
-            <a:off x="3926958" y="4777567"/>
-            <a:ext cx="1616148" cy="382773"/>
-          </a:xfrm>
-          <a:prstGeom prst="rect">
-            <a:avLst/>
-          </a:prstGeom>
-        </p:spPr>
-        <p:style>
-          <a:lnRef idx="2">
-            <a:schemeClr val="accent1">
-              <a:shade val="50000"/>
-            </a:schemeClr>
-          </a:lnRef>
-          <a:fillRef idx="1">
-            <a:schemeClr val="accent1"/>
-          </a:fillRef>
-          <a:effectRef idx="0">
-            <a:schemeClr val="accent1"/>
-          </a:effectRef>
-          <a:fontRef idx="minor">
-            <a:schemeClr val="lt1"/>
-          </a:fontRef>
-        </p:style>
-        <p:txBody>
-          <a:bodyPr rtlCol="0" anchor="ctr"/>
-          <a:lstStyle/>
-          <a:p>
-            <a:pPr algn="ctr"/>
-            <a:r>
-              <a:rPr lang="en-US" altLang="ko-KR" dirty="0"/>
-              <a:t>root</a:t>
-            </a:r>
-            <a:endParaRPr lang="ko-KR" altLang="en-US" dirty="0"/>
-          </a:p>
-        </p:txBody>
-      </p:sp>
-      <p:sp>
-        <p:nvSpPr>
-          <p:cNvPr id="29" name="직사각형 28">
-            <a:extLst>
-              <a:ext uri="{FF2B5EF4-FFF2-40B4-BE49-F238E27FC236}">
-                <a16:creationId xmlns:a16="http://schemas.microsoft.com/office/drawing/2014/main" id="{1E0FAEB9-247F-4807-BC22-BD6900DA8F70}"/>
-              </a:ext>
-            </a:extLst>
-          </p:cNvPr>
-          <p:cNvSpPr/>
-          <p:nvPr/>
-        </p:nvSpPr>
-        <p:spPr>
-          <a:xfrm>
-            <a:off x="3926958" y="5160340"/>
-            <a:ext cx="1616148" cy="382773"/>
-          </a:xfrm>
-          <a:prstGeom prst="rect">
-            <a:avLst/>
-          </a:prstGeom>
-        </p:spPr>
-        <p:style>
-          <a:lnRef idx="2">
-            <a:schemeClr val="accent1">
-              <a:shade val="50000"/>
-            </a:schemeClr>
-          </a:lnRef>
-          <a:fillRef idx="1">
-            <a:schemeClr val="accent1"/>
-          </a:fillRef>
-          <a:effectRef idx="0">
-            <a:schemeClr val="accent1"/>
-          </a:effectRef>
-          <a:fontRef idx="minor">
-            <a:schemeClr val="lt1"/>
-          </a:fontRef>
-        </p:style>
-        <p:txBody>
-          <a:bodyPr rtlCol="0" anchor="ctr"/>
-          <a:lstStyle/>
-          <a:p>
-            <a:pPr algn="ctr"/>
-            <a:r>
-              <a:rPr lang="en-US" altLang="ko-KR" dirty="0"/>
-              <a:t>6</a:t>
-            </a:r>
-            <a:endParaRPr lang="ko-KR" altLang="en-US" dirty="0"/>
-          </a:p>
-        </p:txBody>
-      </p:sp>
-      <p:sp>
-        <p:nvSpPr>
-          <p:cNvPr id="30" name="직사각형 29">
-            <a:extLst>
-              <a:ext uri="{FF2B5EF4-FFF2-40B4-BE49-F238E27FC236}">
-                <a16:creationId xmlns:a16="http://schemas.microsoft.com/office/drawing/2014/main" id="{EFBEFC9D-2A66-4710-8099-BF59579B1424}"/>
-              </a:ext>
-            </a:extLst>
-          </p:cNvPr>
-          <p:cNvSpPr/>
-          <p:nvPr/>
-        </p:nvSpPr>
-        <p:spPr>
-          <a:xfrm>
-            <a:off x="3926958" y="5543113"/>
-            <a:ext cx="1616148" cy="382773"/>
-          </a:xfrm>
-          <a:prstGeom prst="rect">
-            <a:avLst/>
-          </a:prstGeom>
-        </p:spPr>
-        <p:style>
-          <a:lnRef idx="2">
-            <a:schemeClr val="accent1">
-              <a:shade val="50000"/>
-            </a:schemeClr>
-          </a:lnRef>
-          <a:fillRef idx="1">
-            <a:schemeClr val="accent1"/>
-          </a:fillRef>
-          <a:effectRef idx="0">
-            <a:schemeClr val="accent1"/>
-          </a:effectRef>
-          <a:fontRef idx="minor">
-            <a:schemeClr val="lt1"/>
-          </a:fontRef>
-        </p:style>
-        <p:txBody>
-          <a:bodyPr rtlCol="0" anchor="ctr"/>
-          <a:lstStyle/>
-          <a:p>
-            <a:pPr algn="ctr"/>
-            <a:r>
-              <a:rPr lang="en-US" altLang="ko-KR" sz="1600" dirty="0"/>
-              <a:t>3</a:t>
-            </a:r>
-            <a:r>
-              <a:rPr lang="ko-KR" altLang="en-US" sz="1600" dirty="0"/>
-              <a:t>월 </a:t>
-            </a:r>
-            <a:r>
-              <a:rPr lang="en-US" altLang="ko-KR" sz="1600" dirty="0"/>
-              <a:t>15 16:04</a:t>
-            </a:r>
-            <a:endParaRPr lang="ko-KR" altLang="en-US" sz="1600" dirty="0"/>
-          </a:p>
-        </p:txBody>
-      </p:sp>
-      <p:sp>
-        <p:nvSpPr>
-          <p:cNvPr id="31" name="직사각형 30">
-            <a:extLst>
-              <a:ext uri="{FF2B5EF4-FFF2-40B4-BE49-F238E27FC236}">
-                <a16:creationId xmlns:a16="http://schemas.microsoft.com/office/drawing/2014/main" id="{2DA95D43-3B5E-4D95-A7E4-D82629715C13}"/>
-              </a:ext>
-            </a:extLst>
-          </p:cNvPr>
-          <p:cNvSpPr/>
-          <p:nvPr/>
-        </p:nvSpPr>
-        <p:spPr>
-          <a:xfrm>
-            <a:off x="3926958" y="5925886"/>
-            <a:ext cx="1616148" cy="382773"/>
-          </a:xfrm>
-          <a:prstGeom prst="rect">
-            <a:avLst/>
-          </a:prstGeom>
-        </p:spPr>
-        <p:style>
-          <a:lnRef idx="2">
-            <a:schemeClr val="accent1">
-              <a:shade val="50000"/>
-            </a:schemeClr>
-          </a:lnRef>
-          <a:fillRef idx="1">
-            <a:schemeClr val="accent1"/>
-          </a:fillRef>
-          <a:effectRef idx="0">
-            <a:schemeClr val="accent1"/>
-          </a:effectRef>
-          <a:fontRef idx="minor">
-            <a:schemeClr val="lt1"/>
-          </a:fontRef>
-        </p:style>
-        <p:txBody>
-          <a:bodyPr rtlCol="0" anchor="ctr"/>
-          <a:lstStyle/>
-          <a:p>
-            <a:pPr algn="ctr"/>
-            <a:endParaRPr lang="ko-KR" altLang="en-US" sz="1600" dirty="0"/>
-          </a:p>
-        </p:txBody>
-      </p:sp>
-      <p:sp>
-        <p:nvSpPr>
-          <p:cNvPr id="32" name="직사각형 31">
-            <a:extLst>
-              <a:ext uri="{FF2B5EF4-FFF2-40B4-BE49-F238E27FC236}">
-                <a16:creationId xmlns:a16="http://schemas.microsoft.com/office/drawing/2014/main" id="{0C1C18BC-314F-40ED-8D45-5AB0AE4BC420}"/>
-              </a:ext>
-            </a:extLst>
-          </p:cNvPr>
-          <p:cNvSpPr/>
-          <p:nvPr/>
-        </p:nvSpPr>
-        <p:spPr>
-          <a:xfrm>
-            <a:off x="6935972" y="4968953"/>
-            <a:ext cx="1616148" cy="382773"/>
-          </a:xfrm>
-          <a:prstGeom prst="rect">
-            <a:avLst/>
-          </a:prstGeom>
-        </p:spPr>
-        <p:style>
-          <a:lnRef idx="2">
-            <a:schemeClr val="accent6">
-              <a:shade val="50000"/>
-            </a:schemeClr>
-          </a:lnRef>
-          <a:fillRef idx="1">
-            <a:schemeClr val="accent6"/>
-          </a:fillRef>
-          <a:effectRef idx="0">
-            <a:schemeClr val="accent6"/>
-          </a:effectRef>
-          <a:fontRef idx="minor">
-            <a:schemeClr val="lt1"/>
-          </a:fontRef>
-        </p:style>
-        <p:txBody>
-          <a:bodyPr rtlCol="0" anchor="ctr"/>
-          <a:lstStyle/>
-          <a:p>
-            <a:pPr algn="ctr"/>
-            <a:r>
-              <a:rPr lang="en-US" altLang="ko-KR" sz="1600" dirty="0"/>
-              <a:t>world</a:t>
-            </a:r>
-            <a:endParaRPr lang="ko-KR" altLang="en-US" sz="1600" dirty="0"/>
-          </a:p>
-        </p:txBody>
-      </p:sp>
-      <p:sp>
-        <p:nvSpPr>
-          <p:cNvPr id="33" name="직사각형 32">
-            <a:extLst>
-              <a:ext uri="{FF2B5EF4-FFF2-40B4-BE49-F238E27FC236}">
-                <a16:creationId xmlns:a16="http://schemas.microsoft.com/office/drawing/2014/main" id="{1AED0CDD-5B87-4F77-BBD5-F1CB486407F9}"/>
-              </a:ext>
-            </a:extLst>
-          </p:cNvPr>
-          <p:cNvSpPr/>
-          <p:nvPr/>
-        </p:nvSpPr>
-        <p:spPr>
-          <a:xfrm>
-            <a:off x="1470837" y="3542085"/>
-            <a:ext cx="1616148" cy="382773"/>
-          </a:xfrm>
-          <a:prstGeom prst="rect">
-            <a:avLst/>
-          </a:prstGeom>
-        </p:spPr>
-        <p:style>
-          <a:lnRef idx="2">
-            <a:schemeClr val="accent1">
-              <a:shade val="50000"/>
-            </a:schemeClr>
-          </a:lnRef>
-          <a:fillRef idx="1">
-            <a:schemeClr val="accent1"/>
-          </a:fillRef>
-          <a:effectRef idx="0">
-            <a:schemeClr val="accent1"/>
-          </a:effectRef>
-          <a:fontRef idx="minor">
-            <a:schemeClr val="lt1"/>
-          </a:fontRef>
-        </p:style>
-        <p:txBody>
-          <a:bodyPr rtlCol="0" anchor="ctr"/>
-          <a:lstStyle/>
-          <a:p>
-            <a:pPr algn="ctr"/>
-            <a:r>
               <a:rPr lang="en-US" altLang="ko-KR" sz="1600" dirty="0" err="1"/>
               <a:t>bbb</a:t>
             </a:r>
@@ -25044,15 +23627,16 @@
             </a:extLst>
           </p:cNvPr>
           <p:cNvCxnSpPr>
+            <a:cxnSpLocks/>
             <a:stCxn id="33" idx="3"/>
-            <a:endCxn id="24" idx="1"/>
+            <a:endCxn id="5" idx="1"/>
           </p:cNvCxnSpPr>
           <p:nvPr/>
         </p:nvCxnSpPr>
         <p:spPr>
           <a:xfrm flipV="1">
-            <a:off x="3086985" y="3437862"/>
-            <a:ext cx="839973" cy="295610"/>
+            <a:off x="5539564" y="1818172"/>
+            <a:ext cx="839973" cy="1389375"/>
           </a:xfrm>
           <a:prstGeom prst="straightConnector1">
             <a:avLst/>
@@ -25062,14 +23646,14 @@
           </a:ln>
         </p:spPr>
         <p:style>
-          <a:lnRef idx="1">
-            <a:schemeClr val="accent1"/>
+          <a:lnRef idx="2">
+            <a:schemeClr val="dk1"/>
           </a:lnRef>
           <a:fillRef idx="0">
-            <a:schemeClr val="accent1"/>
-          </a:fillRef>
-          <a:effectRef idx="0">
-            <a:schemeClr val="accent1"/>
+            <a:schemeClr val="dk1"/>
+          </a:fillRef>
+          <a:effectRef idx="1">
+            <a:schemeClr val="dk1"/>
           </a:effectRef>
           <a:fontRef idx="minor">
             <a:schemeClr val="tx1"/>
@@ -25090,7 +23674,7 @@
         </p:nvSpPr>
         <p:spPr>
           <a:xfrm>
-            <a:off x="1470837" y="3203240"/>
+            <a:off x="3923416" y="2677315"/>
             <a:ext cx="1414129" cy="369332"/>
           </a:xfrm>
           <a:prstGeom prst="rect">
@@ -25115,10 +23699,10 @@
       </p:sp>
       <p:sp>
         <p:nvSpPr>
-          <p:cNvPr id="36" name="TextBox 35">
-            <a:extLst>
-              <a:ext uri="{FF2B5EF4-FFF2-40B4-BE49-F238E27FC236}">
-                <a16:creationId xmlns:a16="http://schemas.microsoft.com/office/drawing/2014/main" id="{7E36655C-C464-43BD-AF6F-90C7D8EAD40E}"/>
+          <p:cNvPr id="38" name="TextBox 37">
+            <a:extLst>
+              <a:ext uri="{FF2B5EF4-FFF2-40B4-BE49-F238E27FC236}">
+                <a16:creationId xmlns:a16="http://schemas.microsoft.com/office/drawing/2014/main" id="{284B43A9-42D3-40FA-898B-242822B86B8A}"/>
               </a:ext>
             </a:extLst>
           </p:cNvPr>
@@ -25127,8 +23711,8 @@
         </p:nvSpPr>
         <p:spPr>
           <a:xfrm>
-            <a:off x="3990756" y="2872930"/>
-            <a:ext cx="1414129" cy="369332"/>
+            <a:off x="7995685" y="2399051"/>
+            <a:ext cx="1116418" cy="369332"/>
           </a:xfrm>
           <a:prstGeom prst="rect">
             <a:avLst/>
@@ -25141,61 +23725,18 @@
           </a:bodyPr>
           <a:lstStyle/>
           <a:p>
-            <a:pPr algn="ctr"/>
             <a:r>
               <a:rPr lang="en-US" altLang="ko-KR" dirty="0" err="1"/>
-              <a:t>inode</a:t>
+              <a:t>nlink</a:t>
             </a:r>
             <a:endParaRPr lang="ko-KR" altLang="en-US" dirty="0"/>
           </a:p>
         </p:txBody>
       </p:sp>
-      <p:cxnSp>
-        <p:nvCxnSpPr>
-          <p:cNvPr id="37" name="직선 화살표 연결선 36">
-            <a:extLst>
-              <a:ext uri="{FF2B5EF4-FFF2-40B4-BE49-F238E27FC236}">
-                <a16:creationId xmlns:a16="http://schemas.microsoft.com/office/drawing/2014/main" id="{68654847-2426-4141-980B-C8998AEC9CB0}"/>
-              </a:ext>
-            </a:extLst>
-          </p:cNvPr>
-          <p:cNvCxnSpPr>
-            <a:stCxn id="31" idx="3"/>
-            <a:endCxn id="32" idx="1"/>
-          </p:cNvCxnSpPr>
-          <p:nvPr/>
-        </p:nvCxnSpPr>
-        <p:spPr>
-          <a:xfrm flipV="1">
-            <a:off x="5543106" y="5160340"/>
-            <a:ext cx="1392866" cy="956933"/>
-          </a:xfrm>
-          <a:prstGeom prst="straightConnector1">
-            <a:avLst/>
-          </a:prstGeom>
-          <a:ln>
-            <a:tailEnd type="triangle"/>
-          </a:ln>
-        </p:spPr>
-        <p:style>
-          <a:lnRef idx="1">
-            <a:schemeClr val="accent1"/>
-          </a:lnRef>
-          <a:fillRef idx="0">
-            <a:schemeClr val="accent1"/>
-          </a:fillRef>
-          <a:effectRef idx="0">
-            <a:schemeClr val="accent1"/>
-          </a:effectRef>
-          <a:fontRef idx="minor">
-            <a:schemeClr val="tx1"/>
-          </a:fontRef>
-        </p:style>
-      </p:cxnSp>
     </p:spTree>
     <p:extLst>
       <p:ext uri="{BB962C8B-B14F-4D97-AF65-F5344CB8AC3E}">
-        <p14:creationId xmlns:p14="http://schemas.microsoft.com/office/powerpoint/2010/main" val="4043002438"/>
+        <p14:creationId xmlns:p14="http://schemas.microsoft.com/office/powerpoint/2010/main" val="910963098"/>
       </p:ext>
     </p:extLst>
   </p:cSld>
